--- a/my_articles/3_course/автореферат/Kolbeko_AB_draft.pptx
+++ b/my_articles/3_course/автореферат/Kolbeko_AB_draft.pptx
@@ -5,7 +5,7 @@
     <p:sldMasterId id="2147483684" r:id="rId1"/>
   </p:sldMasterIdLst>
   <p:notesMasterIdLst>
-    <p:notesMasterId r:id="rId21"/>
+    <p:notesMasterId r:id="rId22"/>
   </p:notesMasterIdLst>
   <p:sldIdLst>
     <p:sldId id="256" r:id="rId2"/>
@@ -20,13 +20,14 @@
     <p:sldId id="290" r:id="rId11"/>
     <p:sldId id="291" r:id="rId12"/>
     <p:sldId id="292" r:id="rId13"/>
-    <p:sldId id="289" r:id="rId14"/>
-    <p:sldId id="293" r:id="rId15"/>
-    <p:sldId id="294" r:id="rId16"/>
-    <p:sldId id="295" r:id="rId17"/>
-    <p:sldId id="296" r:id="rId18"/>
-    <p:sldId id="272" r:id="rId19"/>
-    <p:sldId id="263" r:id="rId20"/>
+    <p:sldId id="297" r:id="rId14"/>
+    <p:sldId id="299" r:id="rId15"/>
+    <p:sldId id="293" r:id="rId16"/>
+    <p:sldId id="296" r:id="rId17"/>
+    <p:sldId id="300" r:id="rId18"/>
+    <p:sldId id="301" r:id="rId19"/>
+    <p:sldId id="294" r:id="rId20"/>
+    <p:sldId id="295" r:id="rId21"/>
   </p:sldIdLst>
   <p:sldSz cx="10693400" cy="7561263"/>
   <p:notesSz cx="6858000" cy="9144000"/>
@@ -1095,7 +1096,7 @@
           <a:p>
             <a:fld id="{F15BD237-52E8-4D53-B2C0-3CE06DB00FFF}" type="datetimeFigureOut">
               <a:rPr lang="ru-RU" smtClean="0"/>
-              <a:t>08.12.2025</a:t>
+              <a:t>15.12.2025</a:t>
             </a:fld>
             <a:endParaRPr lang="ru-RU"/>
           </a:p>
@@ -1667,7 +1668,13 @@
   <p:cSld>
     <p:spTree>
       <p:nvGrpSpPr>
-        <p:cNvPr id="1" name=""/>
+        <p:cNvPr id="1" name="">
+          <a:extLst>
+            <a:ext uri="{FF2B5EF4-FFF2-40B4-BE49-F238E27FC236}">
+              <a16:creationId xmlns:a16="http://schemas.microsoft.com/office/drawing/2014/main" id="{F65C7266-A39D-795C-B509-A5C9D8B6B370}"/>
+            </a:ext>
+          </a:extLst>
+        </p:cNvPr>
         <p:cNvGrpSpPr/>
         <p:nvPr/>
       </p:nvGrpSpPr>
@@ -1681,7 +1688,13 @@
       </p:grpSpPr>
       <p:sp>
         <p:nvSpPr>
-          <p:cNvPr id="2" name="Образ слайда 1"/>
+          <p:cNvPr id="2" name="Образ слайда 1">
+            <a:extLst>
+              <a:ext uri="{FF2B5EF4-FFF2-40B4-BE49-F238E27FC236}">
+                <a16:creationId xmlns:a16="http://schemas.microsoft.com/office/drawing/2014/main" id="{89CBD21F-86E3-0E16-5A8D-F2DA2510EFE3}"/>
+              </a:ext>
+            </a:extLst>
+          </p:cNvPr>
           <p:cNvSpPr>
             <a:spLocks noGrp="1" noRot="1" noChangeAspect="1"/>
           </p:cNvSpPr>
@@ -1693,7 +1706,13 @@
       </p:sp>
       <p:sp>
         <p:nvSpPr>
-          <p:cNvPr id="3" name="Заметки 2"/>
+          <p:cNvPr id="3" name="Заметки 2">
+            <a:extLst>
+              <a:ext uri="{FF2B5EF4-FFF2-40B4-BE49-F238E27FC236}">
+                <a16:creationId xmlns:a16="http://schemas.microsoft.com/office/drawing/2014/main" id="{68828E75-CDE7-D902-BAE7-1FCC2C45A741}"/>
+              </a:ext>
+            </a:extLst>
+          </p:cNvPr>
           <p:cNvSpPr>
             <a:spLocks noGrp="1"/>
           </p:cNvSpPr>
@@ -1712,7 +1731,13 @@
       </p:sp>
       <p:sp>
         <p:nvSpPr>
-          <p:cNvPr id="4" name="Номер слайда 3"/>
+          <p:cNvPr id="4" name="Номер слайда 3">
+            <a:extLst>
+              <a:ext uri="{FF2B5EF4-FFF2-40B4-BE49-F238E27FC236}">
+                <a16:creationId xmlns:a16="http://schemas.microsoft.com/office/drawing/2014/main" id="{5E414924-0329-3ACB-ECAF-59C901413015}"/>
+              </a:ext>
+            </a:extLst>
+          </p:cNvPr>
           <p:cNvSpPr>
             <a:spLocks noGrp="1"/>
           </p:cNvSpPr>
@@ -1727,7 +1752,7 @@
           <a:p>
             <a:fld id="{2D5FF044-2632-4A57-94AD-BD677B550448}" type="slidenum">
               <a:rPr lang="ru-RU" smtClean="0"/>
-              <a:t>18</a:t>
+              <a:t>13</a:t>
             </a:fld>
             <a:endParaRPr lang="ru-RU"/>
           </a:p>
@@ -1736,7 +1761,7 @@
     </p:spTree>
     <p:extLst>
       <p:ext uri="{BB962C8B-B14F-4D97-AF65-F5344CB8AC3E}">
-        <p14:creationId xmlns:p14="http://schemas.microsoft.com/office/powerpoint/2010/main" val="2990342102"/>
+        <p14:creationId xmlns:p14="http://schemas.microsoft.com/office/powerpoint/2010/main" val="2448473041"/>
       </p:ext>
     </p:extLst>
   </p:cSld>
@@ -2576,7 +2601,7 @@
           <a:p>
             <a:fld id="{0B052313-9091-4C76-A5F9-A9D3259EC5F2}" type="datetimeFigureOut">
               <a:rPr lang="ru-RU" smtClean="0"/>
-              <a:t>08.12.2025</a:t>
+              <a:t>15.12.2025</a:t>
             </a:fld>
             <a:endParaRPr lang="ru-RU"/>
           </a:p>
@@ -2746,7 +2771,7 @@
           <a:p>
             <a:fld id="{0B052313-9091-4C76-A5F9-A9D3259EC5F2}" type="datetimeFigureOut">
               <a:rPr lang="ru-RU" smtClean="0"/>
-              <a:t>08.12.2025</a:t>
+              <a:t>15.12.2025</a:t>
             </a:fld>
             <a:endParaRPr lang="ru-RU"/>
           </a:p>
@@ -2926,7 +2951,7 @@
           <a:p>
             <a:fld id="{0B052313-9091-4C76-A5F9-A9D3259EC5F2}" type="datetimeFigureOut">
               <a:rPr lang="ru-RU" smtClean="0"/>
-              <a:t>08.12.2025</a:t>
+              <a:t>15.12.2025</a:t>
             </a:fld>
             <a:endParaRPr lang="ru-RU"/>
           </a:p>
@@ -3096,7 +3121,7 @@
           <a:p>
             <a:fld id="{0B052313-9091-4C76-A5F9-A9D3259EC5F2}" type="datetimeFigureOut">
               <a:rPr lang="ru-RU" smtClean="0"/>
-              <a:t>08.12.2025</a:t>
+              <a:t>15.12.2025</a:t>
             </a:fld>
             <a:endParaRPr lang="ru-RU"/>
           </a:p>
@@ -3340,7 +3365,7 @@
           <a:p>
             <a:fld id="{0B052313-9091-4C76-A5F9-A9D3259EC5F2}" type="datetimeFigureOut">
               <a:rPr lang="ru-RU" smtClean="0"/>
-              <a:t>08.12.2025</a:t>
+              <a:t>15.12.2025</a:t>
             </a:fld>
             <a:endParaRPr lang="ru-RU"/>
           </a:p>
@@ -3572,7 +3597,7 @@
           <a:p>
             <a:fld id="{0B052313-9091-4C76-A5F9-A9D3259EC5F2}" type="datetimeFigureOut">
               <a:rPr lang="ru-RU" smtClean="0"/>
-              <a:t>08.12.2025</a:t>
+              <a:t>15.12.2025</a:t>
             </a:fld>
             <a:endParaRPr lang="ru-RU"/>
           </a:p>
@@ -3939,7 +3964,7 @@
           <a:p>
             <a:fld id="{0B052313-9091-4C76-A5F9-A9D3259EC5F2}" type="datetimeFigureOut">
               <a:rPr lang="ru-RU" smtClean="0"/>
-              <a:t>08.12.2025</a:t>
+              <a:t>15.12.2025</a:t>
             </a:fld>
             <a:endParaRPr lang="ru-RU"/>
           </a:p>
@@ -4057,7 +4082,7 @@
           <a:p>
             <a:fld id="{0B052313-9091-4C76-A5F9-A9D3259EC5F2}" type="datetimeFigureOut">
               <a:rPr lang="ru-RU" smtClean="0"/>
-              <a:t>08.12.2025</a:t>
+              <a:t>15.12.2025</a:t>
             </a:fld>
             <a:endParaRPr lang="ru-RU"/>
           </a:p>
@@ -4152,7 +4177,7 @@
           <a:p>
             <a:fld id="{0B052313-9091-4C76-A5F9-A9D3259EC5F2}" type="datetimeFigureOut">
               <a:rPr lang="ru-RU" smtClean="0"/>
-              <a:t>08.12.2025</a:t>
+              <a:t>15.12.2025</a:t>
             </a:fld>
             <a:endParaRPr lang="ru-RU"/>
           </a:p>
@@ -4429,7 +4454,7 @@
           <a:p>
             <a:fld id="{0B052313-9091-4C76-A5F9-A9D3259EC5F2}" type="datetimeFigureOut">
               <a:rPr lang="ru-RU" smtClean="0"/>
-              <a:t>08.12.2025</a:t>
+              <a:t>15.12.2025</a:t>
             </a:fld>
             <a:endParaRPr lang="ru-RU"/>
           </a:p>
@@ -4686,7 +4711,7 @@
           <a:p>
             <a:fld id="{0B052313-9091-4C76-A5F9-A9D3259EC5F2}" type="datetimeFigureOut">
               <a:rPr lang="ru-RU" smtClean="0"/>
-              <a:t>08.12.2025</a:t>
+              <a:t>15.12.2025</a:t>
             </a:fld>
             <a:endParaRPr lang="ru-RU"/>
           </a:p>
@@ -4899,7 +4924,7 @@
           <a:p>
             <a:fld id="{0B052313-9091-4C76-A5F9-A9D3259EC5F2}" type="datetimeFigureOut">
               <a:rPr lang="ru-RU" smtClean="0"/>
-              <a:t>08.12.2025</a:t>
+              <a:t>15.12.2025</a:t>
             </a:fld>
             <a:endParaRPr lang="ru-RU"/>
           </a:p>
@@ -5912,8 +5937,8 @@
           </a:p>
         </p:txBody>
       </p:sp>
-      <mc:AlternateContent xmlns:mc="http://schemas.openxmlformats.org/markup-compatibility/2006">
-        <mc:Choice xmlns:a14="http://schemas.microsoft.com/office/drawing/2010/main" Requires="a14">
+      <mc:AlternateContent xmlns:mc="http://schemas.openxmlformats.org/markup-compatibility/2006" xmlns:a14="http://schemas.microsoft.com/office/drawing/2010/main">
+        <mc:Choice Requires="a14">
           <p:sp>
             <p:nvSpPr>
               <p:cNvPr id="3" name="TextBox 2">
@@ -6217,7 +6242,7 @@
             </p:txBody>
           </p:sp>
         </mc:Choice>
-        <mc:Fallback>
+        <mc:Fallback xmlns="">
           <p:sp>
             <p:nvSpPr>
               <p:cNvPr id="3" name="TextBox 2">
@@ -6262,8 +6287,8 @@
           </p:sp>
         </mc:Fallback>
       </mc:AlternateContent>
-      <mc:AlternateContent xmlns:mc="http://schemas.openxmlformats.org/markup-compatibility/2006">
-        <mc:Choice xmlns:a14="http://schemas.microsoft.com/office/drawing/2010/main" Requires="a14">
+      <mc:AlternateContent xmlns:mc="http://schemas.openxmlformats.org/markup-compatibility/2006" xmlns:a14="http://schemas.microsoft.com/office/drawing/2010/main">
+        <mc:Choice Requires="a14">
           <p:sp>
             <p:nvSpPr>
               <p:cNvPr id="16" name="TextBox 15">
@@ -6486,7 +6511,7 @@
             </p:txBody>
           </p:sp>
         </mc:Choice>
-        <mc:Fallback>
+        <mc:Fallback xmlns="">
           <p:sp>
             <p:nvSpPr>
               <p:cNvPr id="16" name="TextBox 15">
@@ -6531,8 +6556,8 @@
           </p:sp>
         </mc:Fallback>
       </mc:AlternateContent>
-      <mc:AlternateContent xmlns:mc="http://schemas.openxmlformats.org/markup-compatibility/2006">
-        <mc:Choice xmlns:a14="http://schemas.microsoft.com/office/drawing/2010/main" Requires="a14">
+      <mc:AlternateContent xmlns:mc="http://schemas.openxmlformats.org/markup-compatibility/2006" xmlns:a14="http://schemas.microsoft.com/office/drawing/2010/main">
+        <mc:Choice Requires="a14">
           <p:sp>
             <p:nvSpPr>
               <p:cNvPr id="19" name="TextBox 18">
@@ -6671,7 +6696,7 @@
             </p:txBody>
           </p:sp>
         </mc:Choice>
-        <mc:Fallback>
+        <mc:Fallback xmlns="">
           <p:sp>
             <p:nvSpPr>
               <p:cNvPr id="19" name="TextBox 18">
@@ -6716,8 +6741,8 @@
           </p:sp>
         </mc:Fallback>
       </mc:AlternateContent>
-      <mc:AlternateContent xmlns:mc="http://schemas.openxmlformats.org/markup-compatibility/2006">
-        <mc:Choice xmlns:a14="http://schemas.microsoft.com/office/drawing/2010/main" Requires="a14">
+      <mc:AlternateContent xmlns:mc="http://schemas.openxmlformats.org/markup-compatibility/2006" xmlns:a14="http://schemas.microsoft.com/office/drawing/2010/main">
+        <mc:Choice Requires="a14">
           <p:sp>
             <p:nvSpPr>
               <p:cNvPr id="21" name="TextBox 20">
@@ -6997,7 +7022,7 @@
             </p:txBody>
           </p:sp>
         </mc:Choice>
-        <mc:Fallback>
+        <mc:Fallback xmlns="">
           <p:sp>
             <p:nvSpPr>
               <p:cNvPr id="21" name="TextBox 20">
@@ -7042,8 +7067,8 @@
           </p:sp>
         </mc:Fallback>
       </mc:AlternateContent>
-      <mc:AlternateContent xmlns:mc="http://schemas.openxmlformats.org/markup-compatibility/2006">
-        <mc:Choice xmlns:a14="http://schemas.microsoft.com/office/drawing/2010/main" Requires="a14">
+      <mc:AlternateContent xmlns:mc="http://schemas.openxmlformats.org/markup-compatibility/2006" xmlns:a14="http://schemas.microsoft.com/office/drawing/2010/main">
+        <mc:Choice Requires="a14">
           <p:sp>
             <p:nvSpPr>
               <p:cNvPr id="25" name="TextBox 24">
@@ -7323,7 +7348,7 @@
             </p:txBody>
           </p:sp>
         </mc:Choice>
-        <mc:Fallback>
+        <mc:Fallback xmlns="">
           <p:sp>
             <p:nvSpPr>
               <p:cNvPr id="25" name="TextBox 24">
@@ -7368,8 +7393,8 @@
           </p:sp>
         </mc:Fallback>
       </mc:AlternateContent>
-      <mc:AlternateContent xmlns:mc="http://schemas.openxmlformats.org/markup-compatibility/2006">
-        <mc:Choice xmlns:a14="http://schemas.microsoft.com/office/drawing/2010/main" Requires="a14">
+      <mc:AlternateContent xmlns:mc="http://schemas.openxmlformats.org/markup-compatibility/2006" xmlns:a14="http://schemas.microsoft.com/office/drawing/2010/main">
+        <mc:Choice Requires="a14">
           <p:sp>
             <p:nvSpPr>
               <p:cNvPr id="29" name="TextBox 28">
@@ -7567,7 +7592,7 @@
             </p:txBody>
           </p:sp>
         </mc:Choice>
-        <mc:Fallback>
+        <mc:Fallback xmlns="">
           <p:sp>
             <p:nvSpPr>
               <p:cNvPr id="29" name="TextBox 28">
@@ -7612,8 +7637,8 @@
           </p:sp>
         </mc:Fallback>
       </mc:AlternateContent>
-      <mc:AlternateContent xmlns:mc="http://schemas.openxmlformats.org/markup-compatibility/2006">
-        <mc:Choice xmlns:a14="http://schemas.microsoft.com/office/drawing/2010/main" Requires="a14">
+      <mc:AlternateContent xmlns:mc="http://schemas.openxmlformats.org/markup-compatibility/2006" xmlns:a14="http://schemas.microsoft.com/office/drawing/2010/main">
+        <mc:Choice Requires="a14">
           <p:sp>
             <p:nvSpPr>
               <p:cNvPr id="32" name="TextBox 31">
@@ -8087,7 +8112,7 @@
             </p:txBody>
           </p:sp>
         </mc:Choice>
-        <mc:Fallback>
+        <mc:Fallback xmlns="">
           <p:sp>
             <p:nvSpPr>
               <p:cNvPr id="32" name="TextBox 31">
@@ -8524,8 +8549,8 @@
           </a:p>
         </p:txBody>
       </p:sp>
-      <mc:AlternateContent xmlns:mc="http://schemas.openxmlformats.org/markup-compatibility/2006">
-        <mc:Choice xmlns:a14="http://schemas.microsoft.com/office/drawing/2010/main" Requires="a14">
+      <mc:AlternateContent xmlns:mc="http://schemas.openxmlformats.org/markup-compatibility/2006" xmlns:a14="http://schemas.microsoft.com/office/drawing/2010/main">
+        <mc:Choice Requires="a14">
           <p:sp>
             <p:nvSpPr>
               <p:cNvPr id="9" name="TextBox 8">
@@ -8569,6 +8594,7 @@
                         <m:ctrlPr>
                           <a:rPr lang="ru-RU" sz="1600" i="1">
                             <a:effectLst/>
+                            <a:latin typeface="Cambria Math" panose="02040503050406030204" pitchFamily="18" charset="0"/>
                           </a:rPr>
                         </m:ctrlPr>
                       </m:sSubPr>
@@ -8576,6 +8602,7 @@
                         <m:r>
                           <a:rPr lang="en-US" sz="1600" i="1">
                             <a:effectLst/>
+                            <a:latin typeface="Cambria Math" panose="02040503050406030204" pitchFamily="18" charset="0"/>
                             <a:ea typeface="Times New Roman" panose="02020603050405020304" pitchFamily="18" charset="0"/>
                             <a:cs typeface="Times New Roman" panose="02020603050405020304" pitchFamily="18" charset="0"/>
                           </a:rPr>
@@ -8586,6 +8613,7 @@
                         <m:r>
                           <a:rPr lang="ru-RU" sz="1600" i="1">
                             <a:effectLst/>
+                            <a:latin typeface="Cambria Math" panose="02040503050406030204" pitchFamily="18" charset="0"/>
                             <a:ea typeface="Times New Roman" panose="02020603050405020304" pitchFamily="18" charset="0"/>
                             <a:cs typeface="Times New Roman" panose="02020603050405020304" pitchFamily="18" charset="0"/>
                           </a:rPr>
@@ -8608,6 +8636,7 @@
                     <m:r>
                       <a:rPr lang="en-US" sz="1600" i="1">
                         <a:effectLst/>
+                        <a:latin typeface="Cambria Math" panose="02040503050406030204" pitchFamily="18" charset="0"/>
                         <a:ea typeface="Times New Roman" panose="02020603050405020304" pitchFamily="18" charset="0"/>
                         <a:cs typeface="Times New Roman" panose="02020603050405020304" pitchFamily="18" charset="0"/>
                       </a:rPr>
@@ -8707,7 +8736,7 @@
             </p:txBody>
           </p:sp>
         </mc:Choice>
-        <mc:Fallback>
+        <mc:Fallback xmlns="">
           <p:sp>
             <p:nvSpPr>
               <p:cNvPr id="9" name="TextBox 8">
@@ -8752,8 +8781,8 @@
           </p:sp>
         </mc:Fallback>
       </mc:AlternateContent>
-      <mc:AlternateContent xmlns:mc="http://schemas.openxmlformats.org/markup-compatibility/2006">
-        <mc:Choice xmlns:a14="http://schemas.microsoft.com/office/drawing/2010/main" Requires="a14">
+      <mc:AlternateContent xmlns:mc="http://schemas.openxmlformats.org/markup-compatibility/2006" xmlns:a14="http://schemas.microsoft.com/office/drawing/2010/main">
+        <mc:Choice Requires="a14">
           <p:sp>
             <p:nvSpPr>
               <p:cNvPr id="12" name="TextBox 11">
@@ -9108,7 +9137,7 @@
             </p:txBody>
           </p:sp>
         </mc:Choice>
-        <mc:Fallback>
+        <mc:Fallback xmlns="">
           <p:sp>
             <p:nvSpPr>
               <p:cNvPr id="12" name="TextBox 11">
@@ -9153,8 +9182,8 @@
           </p:sp>
         </mc:Fallback>
       </mc:AlternateContent>
-      <mc:AlternateContent xmlns:mc="http://schemas.openxmlformats.org/markup-compatibility/2006">
-        <mc:Choice xmlns:a14="http://schemas.microsoft.com/office/drawing/2010/main" Requires="a14">
+      <mc:AlternateContent xmlns:mc="http://schemas.openxmlformats.org/markup-compatibility/2006" xmlns:a14="http://schemas.microsoft.com/office/drawing/2010/main">
+        <mc:Choice Requires="a14">
           <p:sp>
             <p:nvSpPr>
               <p:cNvPr id="15" name="TextBox 14">
@@ -9207,6 +9236,7 @@
                         <m:ctrlPr>
                           <a:rPr lang="ru-RU" sz="1600" i="1">
                             <a:effectLst/>
+                            <a:latin typeface="Cambria Math" panose="02040503050406030204" pitchFamily="18" charset="0"/>
                             <a:ea typeface="Times New Roman" panose="02020603050405020304" pitchFamily="18" charset="0"/>
                             <a:cs typeface="Times New Roman" panose="02020603050405020304" pitchFamily="18" charset="0"/>
                           </a:rPr>
@@ -9216,6 +9246,7 @@
                         <m:r>
                           <a:rPr lang="en-US" sz="1600" i="1">
                             <a:effectLst/>
+                            <a:latin typeface="Cambria Math" panose="02040503050406030204" pitchFamily="18" charset="0"/>
                             <a:ea typeface="Times New Roman" panose="02020603050405020304" pitchFamily="18" charset="0"/>
                             <a:cs typeface="Times New Roman" panose="02020603050405020304" pitchFamily="18" charset="0"/>
                           </a:rPr>
@@ -9226,6 +9257,7 @@
                         <m:r>
                           <a:rPr lang="ru-RU" sz="1600" i="1">
                             <a:effectLst/>
+                            <a:latin typeface="Cambria Math" panose="02040503050406030204" pitchFamily="18" charset="0"/>
                             <a:ea typeface="Times New Roman" panose="02020603050405020304" pitchFamily="18" charset="0"/>
                             <a:cs typeface="Times New Roman" panose="02020603050405020304" pitchFamily="18" charset="0"/>
                           </a:rPr>
@@ -9250,6 +9282,7 @@
                         <m:ctrlPr>
                           <a:rPr lang="ru-RU" sz="1600" i="1">
                             <a:effectLst/>
+                            <a:latin typeface="Cambria Math" panose="02040503050406030204" pitchFamily="18" charset="0"/>
                             <a:ea typeface="Times New Roman" panose="02020603050405020304" pitchFamily="18" charset="0"/>
                             <a:cs typeface="Times New Roman" panose="02020603050405020304" pitchFamily="18" charset="0"/>
                           </a:rPr>
@@ -9259,6 +9292,7 @@
                         <m:r>
                           <a:rPr lang="en-US" sz="1600" i="1">
                             <a:effectLst/>
+                            <a:latin typeface="Cambria Math" panose="02040503050406030204" pitchFamily="18" charset="0"/>
                             <a:ea typeface="Times New Roman" panose="02020603050405020304" pitchFamily="18" charset="0"/>
                             <a:cs typeface="Times New Roman" panose="02020603050405020304" pitchFamily="18" charset="0"/>
                           </a:rPr>
@@ -9269,6 +9303,7 @@
                         <m:r>
                           <a:rPr lang="ru-RU" sz="1600" i="1">
                             <a:effectLst/>
+                            <a:latin typeface="Cambria Math" panose="02040503050406030204" pitchFamily="18" charset="0"/>
                             <a:ea typeface="Times New Roman" panose="02020603050405020304" pitchFamily="18" charset="0"/>
                             <a:cs typeface="Times New Roman" panose="02020603050405020304" pitchFamily="18" charset="0"/>
                           </a:rPr>
@@ -9279,6 +9314,7 @@
                     <m:r>
                       <a:rPr lang="ru-RU" sz="1600">
                         <a:effectLst/>
+                        <a:latin typeface="Cambria Math" panose="02040503050406030204" pitchFamily="18" charset="0"/>
                         <a:ea typeface="Times New Roman" panose="02020603050405020304" pitchFamily="18" charset="0"/>
                         <a:cs typeface="Times New Roman" panose="02020603050405020304" pitchFamily="18" charset="0"/>
                       </a:rPr>
@@ -9287,6 +9323,7 @@
                     <m:r>
                       <a:rPr lang="en-US" sz="1600" i="1">
                         <a:effectLst/>
+                        <a:latin typeface="Cambria Math" panose="02040503050406030204" pitchFamily="18" charset="0"/>
                         <a:ea typeface="Times New Roman" panose="02020603050405020304" pitchFamily="18" charset="0"/>
                         <a:cs typeface="Times New Roman" panose="02020603050405020304" pitchFamily="18" charset="0"/>
                       </a:rPr>
@@ -9295,6 +9332,7 @@
                     <m:r>
                       <a:rPr lang="ru-RU" sz="1600">
                         <a:effectLst/>
+                        <a:latin typeface="Cambria Math" panose="02040503050406030204" pitchFamily="18" charset="0"/>
                         <a:ea typeface="Times New Roman" panose="02020603050405020304" pitchFamily="18" charset="0"/>
                         <a:cs typeface="Times New Roman" panose="02020603050405020304" pitchFamily="18" charset="0"/>
                       </a:rPr>
@@ -9303,6 +9341,7 @@
                     <m:r>
                       <a:rPr lang="en-US" sz="1600" b="1" i="1">
                         <a:effectLst/>
+                        <a:latin typeface="Cambria Math" panose="02040503050406030204" pitchFamily="18" charset="0"/>
                         <a:ea typeface="Times New Roman" panose="02020603050405020304" pitchFamily="18" charset="0"/>
                         <a:cs typeface="Times New Roman" panose="02020603050405020304" pitchFamily="18" charset="0"/>
                       </a:rPr>
@@ -9311,6 +9350,7 @@
                     <m:r>
                       <a:rPr lang="ru-RU" sz="1600">
                         <a:effectLst/>
+                        <a:latin typeface="Cambria Math" panose="02040503050406030204" pitchFamily="18" charset="0"/>
                         <a:ea typeface="Times New Roman" panose="02020603050405020304" pitchFamily="18" charset="0"/>
                         <a:cs typeface="Times New Roman" panose="02020603050405020304" pitchFamily="18" charset="0"/>
                       </a:rPr>
@@ -9420,7 +9460,7 @@
             </p:txBody>
           </p:sp>
         </mc:Choice>
-        <mc:Fallback>
+        <mc:Fallback xmlns="">
           <p:sp>
             <p:nvSpPr>
               <p:cNvPr id="15" name="TextBox 14">
@@ -9465,8 +9505,8 @@
           </p:sp>
         </mc:Fallback>
       </mc:AlternateContent>
-      <mc:AlternateContent xmlns:mc="http://schemas.openxmlformats.org/markup-compatibility/2006">
-        <mc:Choice xmlns:a14="http://schemas.microsoft.com/office/drawing/2010/main" Requires="a14">
+      <mc:AlternateContent xmlns:mc="http://schemas.openxmlformats.org/markup-compatibility/2006" xmlns:a14="http://schemas.microsoft.com/office/drawing/2010/main">
+        <mc:Choice Requires="a14">
           <p:sp>
             <p:nvSpPr>
               <p:cNvPr id="18" name="TextBox 17">
@@ -9764,7 +9804,7 @@
             </p:txBody>
           </p:sp>
         </mc:Choice>
-        <mc:Fallback>
+        <mc:Fallback xmlns="">
           <p:sp>
             <p:nvSpPr>
               <p:cNvPr id="18" name="TextBox 17">
@@ -9904,8 +9944,8 @@
           </a:p>
         </p:txBody>
       </p:sp>
-      <mc:AlternateContent xmlns:mc="http://schemas.openxmlformats.org/markup-compatibility/2006">
-        <mc:Choice xmlns:a14="http://schemas.microsoft.com/office/drawing/2010/main" Requires="a14">
+      <mc:AlternateContent xmlns:mc="http://schemas.openxmlformats.org/markup-compatibility/2006" xmlns:a14="http://schemas.microsoft.com/office/drawing/2010/main">
+        <mc:Choice Requires="a14">
           <p:sp>
             <p:nvSpPr>
               <p:cNvPr id="23" name="TextBox 22">
@@ -10130,7 +10170,7 @@
             </p:txBody>
           </p:sp>
         </mc:Choice>
-        <mc:Fallback>
+        <mc:Fallback xmlns="">
           <p:sp>
             <p:nvSpPr>
               <p:cNvPr id="23" name="TextBox 22">
@@ -10616,8 +10656,8 @@
           </a:p>
         </p:txBody>
       </p:sp>
-      <mc:AlternateContent xmlns:mc="http://schemas.openxmlformats.org/markup-compatibility/2006">
-        <mc:Choice xmlns:a14="http://schemas.microsoft.com/office/drawing/2010/main" Requires="a14">
+      <mc:AlternateContent xmlns:mc="http://schemas.openxmlformats.org/markup-compatibility/2006" xmlns:a14="http://schemas.microsoft.com/office/drawing/2010/main">
+        <mc:Choice Requires="a14">
           <p:graphicFrame>
             <p:nvGraphicFramePr>
               <p:cNvPr id="10" name="Таблица 9">
@@ -10707,7 +10747,7 @@
                                             <a:ea typeface="Times New Roman" panose="02020603050405020304" pitchFamily="18" charset="0"/>
                                             <a:cs typeface="Times New Roman" panose="02020603050405020304" pitchFamily="18" charset="0"/>
                                           </a:rPr>
-                                          <m:t>∂</m:t>
+                                          <m:t>𝜕</m:t>
                                         </m:r>
                                       </m:num>
                                       <m:den>
@@ -10718,7 +10758,7 @@
                                             <a:ea typeface="Times New Roman" panose="02020603050405020304" pitchFamily="18" charset="0"/>
                                             <a:cs typeface="Times New Roman" panose="02020603050405020304" pitchFamily="18" charset="0"/>
                                           </a:rPr>
-                                          <m:t>∂</m:t>
+                                          <m:t>𝜕</m:t>
                                         </m:r>
                                         <m:r>
                                           <a:rPr lang="en-US" sz="1800" i="1">
@@ -11563,7 +11603,7 @@
             </a:graphic>
           </p:graphicFrame>
         </mc:Choice>
-        <mc:Fallback>
+        <mc:Fallback xmlns="">
           <p:graphicFrame>
             <p:nvGraphicFramePr>
               <p:cNvPr id="10" name="Таблица 9">
@@ -11667,8 +11707,8 @@
           </p:graphicFrame>
         </mc:Fallback>
       </mc:AlternateContent>
-      <mc:AlternateContent xmlns:mc="http://schemas.openxmlformats.org/markup-compatibility/2006">
-        <mc:Choice xmlns:a14="http://schemas.microsoft.com/office/drawing/2010/main" Requires="a14">
+      <mc:AlternateContent xmlns:mc="http://schemas.openxmlformats.org/markup-compatibility/2006" xmlns:a14="http://schemas.microsoft.com/office/drawing/2010/main">
+        <mc:Choice Requires="a14">
           <p:sp>
             <p:nvSpPr>
               <p:cNvPr id="19" name="TextBox 18">
@@ -11721,6 +11761,7 @@
                         <m:ctrlPr>
                           <a:rPr lang="ru-RU" sz="1600" i="1">
                             <a:effectLst/>
+                            <a:latin typeface="Cambria Math" panose="02040503050406030204" pitchFamily="18" charset="0"/>
                             <a:ea typeface="Times New Roman" panose="02020603050405020304" pitchFamily="18" charset="0"/>
                             <a:cs typeface="Times New Roman" panose="02020603050405020304" pitchFamily="18" charset="0"/>
                           </a:rPr>
@@ -11730,6 +11771,7 @@
                         <m:r>
                           <a:rPr lang="en-US" sz="1600" i="1">
                             <a:effectLst/>
+                            <a:latin typeface="Cambria Math" panose="02040503050406030204" pitchFamily="18" charset="0"/>
                             <a:ea typeface="Times New Roman" panose="02020603050405020304" pitchFamily="18" charset="0"/>
                             <a:cs typeface="Times New Roman" panose="02020603050405020304" pitchFamily="18" charset="0"/>
                           </a:rPr>
@@ -11740,6 +11782,7 @@
                         <m:r>
                           <a:rPr lang="en-US" sz="1600" i="1">
                             <a:effectLst/>
+                            <a:latin typeface="Cambria Math" panose="02040503050406030204" pitchFamily="18" charset="0"/>
                             <a:ea typeface="Times New Roman" panose="02020603050405020304" pitchFamily="18" charset="0"/>
                             <a:cs typeface="Times New Roman" panose="02020603050405020304" pitchFamily="18" charset="0"/>
                           </a:rPr>
@@ -11750,6 +11793,7 @@
                     <m:r>
                       <a:rPr lang="ru-RU" sz="1600">
                         <a:effectLst/>
+                        <a:latin typeface="Cambria Math" panose="02040503050406030204" pitchFamily="18" charset="0"/>
                         <a:ea typeface="Times New Roman" panose="02020603050405020304" pitchFamily="18" charset="0"/>
                         <a:cs typeface="Times New Roman" panose="02020603050405020304" pitchFamily="18" charset="0"/>
                       </a:rPr>
@@ -11760,6 +11804,7 @@
                         <m:ctrlPr>
                           <a:rPr lang="ru-RU" sz="1600" i="1">
                             <a:effectLst/>
+                            <a:latin typeface="Cambria Math" panose="02040503050406030204" pitchFamily="18" charset="0"/>
                             <a:ea typeface="Times New Roman" panose="02020603050405020304" pitchFamily="18" charset="0"/>
                             <a:cs typeface="Times New Roman" panose="02020603050405020304" pitchFamily="18" charset="0"/>
                           </a:rPr>
@@ -11769,6 +11814,7 @@
                         <m:r>
                           <a:rPr lang="en-US" sz="1600" i="1">
                             <a:effectLst/>
+                            <a:latin typeface="Cambria Math" panose="02040503050406030204" pitchFamily="18" charset="0"/>
                             <a:ea typeface="Times New Roman" panose="02020603050405020304" pitchFamily="18" charset="0"/>
                             <a:cs typeface="Times New Roman" panose="02020603050405020304" pitchFamily="18" charset="0"/>
                           </a:rPr>
@@ -11779,6 +11825,7 @@
                         <m:r>
                           <a:rPr lang="en-US" sz="1600" i="1">
                             <a:effectLst/>
+                            <a:latin typeface="Cambria Math" panose="02040503050406030204" pitchFamily="18" charset="0"/>
                             <a:ea typeface="Times New Roman" panose="02020603050405020304" pitchFamily="18" charset="0"/>
                             <a:cs typeface="Times New Roman" panose="02020603050405020304" pitchFamily="18" charset="0"/>
                           </a:rPr>
@@ -11811,6 +11858,7 @@
                         <m:ctrlPr>
                           <a:rPr lang="ru-RU" sz="1600" i="1">
                             <a:effectLst/>
+                            <a:latin typeface="Cambria Math" panose="02040503050406030204" pitchFamily="18" charset="0"/>
                             <a:ea typeface="Times New Roman" panose="02020603050405020304" pitchFamily="18" charset="0"/>
                             <a:cs typeface="Times New Roman" panose="02020603050405020304" pitchFamily="18" charset="0"/>
                           </a:rPr>
@@ -11820,6 +11868,7 @@
                         <m:r>
                           <a:rPr lang="en-US" sz="1600" i="1">
                             <a:effectLst/>
+                            <a:latin typeface="Cambria Math" panose="02040503050406030204" pitchFamily="18" charset="0"/>
                             <a:ea typeface="Times New Roman" panose="02020603050405020304" pitchFamily="18" charset="0"/>
                             <a:cs typeface="Times New Roman" panose="02020603050405020304" pitchFamily="18" charset="0"/>
                           </a:rPr>
@@ -11830,6 +11879,7 @@
                         <m:r>
                           <a:rPr lang="en-US" sz="1600" i="1">
                             <a:effectLst/>
+                            <a:latin typeface="Cambria Math" panose="02040503050406030204" pitchFamily="18" charset="0"/>
                             <a:ea typeface="Times New Roman" panose="02020603050405020304" pitchFamily="18" charset="0"/>
                             <a:cs typeface="Times New Roman" panose="02020603050405020304" pitchFamily="18" charset="0"/>
                           </a:rPr>
@@ -11862,6 +11912,7 @@
                         <m:ctrlPr>
                           <a:rPr lang="ru-RU" sz="1600" i="1">
                             <a:effectLst/>
+                            <a:latin typeface="Cambria Math" panose="02040503050406030204" pitchFamily="18" charset="0"/>
                             <a:ea typeface="Times New Roman" panose="02020603050405020304" pitchFamily="18" charset="0"/>
                             <a:cs typeface="Times New Roman" panose="02020603050405020304" pitchFamily="18" charset="0"/>
                           </a:rPr>
@@ -11871,6 +11922,7 @@
                         <m:r>
                           <a:rPr lang="en-US" sz="1600" i="1">
                             <a:effectLst/>
+                            <a:latin typeface="Cambria Math" panose="02040503050406030204" pitchFamily="18" charset="0"/>
                             <a:ea typeface="Times New Roman" panose="02020603050405020304" pitchFamily="18" charset="0"/>
                             <a:cs typeface="Times New Roman" panose="02020603050405020304" pitchFamily="18" charset="0"/>
                           </a:rPr>
@@ -11884,6 +11936,7 @@
                           </m:rPr>
                           <a:rPr lang="en-US" sz="1600">
                             <a:effectLst/>
+                            <a:latin typeface="Cambria Math" panose="02040503050406030204" pitchFamily="18" charset="0"/>
                             <a:ea typeface="Times New Roman" panose="02020603050405020304" pitchFamily="18" charset="0"/>
                             <a:cs typeface="Times New Roman" panose="02020603050405020304" pitchFamily="18" charset="0"/>
                           </a:rPr>
@@ -11916,6 +11969,7 @@
                         <m:ctrlPr>
                           <a:rPr lang="ru-RU" sz="1600" i="1">
                             <a:effectLst/>
+                            <a:latin typeface="Cambria Math" panose="02040503050406030204" pitchFamily="18" charset="0"/>
                             <a:ea typeface="Times New Roman" panose="02020603050405020304" pitchFamily="18" charset="0"/>
                             <a:cs typeface="Times New Roman" panose="02020603050405020304" pitchFamily="18" charset="0"/>
                           </a:rPr>
@@ -11925,6 +11979,7 @@
                         <m:r>
                           <a:rPr lang="ru-RU" sz="1600" i="1">
                             <a:effectLst/>
+                            <a:latin typeface="Cambria Math" panose="02040503050406030204" pitchFamily="18" charset="0"/>
                             <a:ea typeface="Times New Roman" panose="02020603050405020304" pitchFamily="18" charset="0"/>
                             <a:cs typeface="Times New Roman" panose="02020603050405020304" pitchFamily="18" charset="0"/>
                           </a:rPr>
@@ -11935,6 +11990,7 @@
                         <m:r>
                           <a:rPr lang="en-US" sz="1600" i="1">
                             <a:effectLst/>
+                            <a:latin typeface="Cambria Math" panose="02040503050406030204" pitchFamily="18" charset="0"/>
                             <a:ea typeface="Times New Roman" panose="02020603050405020304" pitchFamily="18" charset="0"/>
                             <a:cs typeface="Times New Roman" panose="02020603050405020304" pitchFamily="18" charset="0"/>
                           </a:rPr>
@@ -11967,6 +12023,7 @@
                         <m:ctrlPr>
                           <a:rPr lang="ru-RU" sz="1600" i="1">
                             <a:effectLst/>
+                            <a:latin typeface="Cambria Math" panose="02040503050406030204" pitchFamily="18" charset="0"/>
                             <a:ea typeface="Times New Roman" panose="02020603050405020304" pitchFamily="18" charset="0"/>
                             <a:cs typeface="Times New Roman" panose="02020603050405020304" pitchFamily="18" charset="0"/>
                           </a:rPr>
@@ -11976,6 +12033,7 @@
                         <m:r>
                           <a:rPr lang="en-US" sz="1600" i="1">
                             <a:effectLst/>
+                            <a:latin typeface="Cambria Math" panose="02040503050406030204" pitchFamily="18" charset="0"/>
                             <a:ea typeface="Times New Roman" panose="02020603050405020304" pitchFamily="18" charset="0"/>
                             <a:cs typeface="Times New Roman" panose="02020603050405020304" pitchFamily="18" charset="0"/>
                           </a:rPr>
@@ -11986,6 +12044,7 @@
                         <m:r>
                           <a:rPr lang="ru-RU" sz="1600" i="1">
                             <a:effectLst/>
+                            <a:latin typeface="Cambria Math" panose="02040503050406030204" pitchFamily="18" charset="0"/>
                             <a:ea typeface="Times New Roman" panose="02020603050405020304" pitchFamily="18" charset="0"/>
                             <a:cs typeface="Times New Roman" panose="02020603050405020304" pitchFamily="18" charset="0"/>
                           </a:rPr>
@@ -12015,7 +12074,7 @@
             </p:txBody>
           </p:sp>
         </mc:Choice>
-        <mc:Fallback>
+        <mc:Fallback xmlns="">
           <p:sp>
             <p:nvSpPr>
               <p:cNvPr id="19" name="TextBox 18">
@@ -12224,7 +12283,13 @@
   <p:cSld>
     <p:spTree>
       <p:nvGrpSpPr>
-        <p:cNvPr id="1" name=""/>
+        <p:cNvPr id="1" name="">
+          <a:extLst>
+            <a:ext uri="{FF2B5EF4-FFF2-40B4-BE49-F238E27FC236}">
+              <a16:creationId xmlns:a16="http://schemas.microsoft.com/office/drawing/2014/main" id="{DD70369F-7D53-AF6B-5669-6EB64DACDF7B}"/>
+            </a:ext>
+          </a:extLst>
+        </p:cNvPr>
         <p:cNvGrpSpPr/>
         <p:nvPr/>
       </p:nvGrpSpPr>
@@ -12238,7 +12303,540 @@
       </p:grpSpPr>
       <p:pic>
         <p:nvPicPr>
-          <p:cNvPr id="4" name="Рисунок 3"/>
+          <p:cNvPr id="4" name="Рисунок 3">
+            <a:extLst>
+              <a:ext uri="{FF2B5EF4-FFF2-40B4-BE49-F238E27FC236}">
+                <a16:creationId xmlns:a16="http://schemas.microsoft.com/office/drawing/2014/main" id="{EF21D1D9-C1A7-7D46-8458-3CBE433553CA}"/>
+              </a:ext>
+            </a:extLst>
+          </p:cNvPr>
+          <p:cNvPicPr>
+            <a:picLocks noChangeAspect="1"/>
+          </p:cNvPicPr>
+          <p:nvPr/>
+        </p:nvPicPr>
+        <p:blipFill>
+          <a:blip r:embed="rId3" cstate="print">
+            <a:extLst>
+              <a:ext uri="{28A0092B-C50C-407E-A947-70E740481C1C}">
+                <a14:useLocalDpi xmlns:a14="http://schemas.microsoft.com/office/drawing/2010/main" val="0"/>
+              </a:ext>
+            </a:extLst>
+          </a:blip>
+          <a:stretch>
+            <a:fillRect/>
+          </a:stretch>
+        </p:blipFill>
+        <p:spPr>
+          <a:xfrm>
+            <a:off x="7624270" y="452602"/>
+            <a:ext cx="1137667" cy="686375"/>
+          </a:xfrm>
+          <a:prstGeom prst="rect">
+            <a:avLst/>
+          </a:prstGeom>
+        </p:spPr>
+      </p:pic>
+      <p:cxnSp>
+        <p:nvCxnSpPr>
+          <p:cNvPr id="5" name="Прямая соединительная линия 4">
+            <a:extLst>
+              <a:ext uri="{FF2B5EF4-FFF2-40B4-BE49-F238E27FC236}">
+                <a16:creationId xmlns:a16="http://schemas.microsoft.com/office/drawing/2014/main" id="{93F89A64-724B-49B3-218E-84E8106CF808}"/>
+              </a:ext>
+            </a:extLst>
+          </p:cNvPr>
+          <p:cNvCxnSpPr/>
+          <p:nvPr/>
+        </p:nvCxnSpPr>
+        <p:spPr>
+          <a:xfrm>
+            <a:off x="582672" y="1341120"/>
+            <a:ext cx="926088" cy="0"/>
+          </a:xfrm>
+          <a:prstGeom prst="line">
+            <a:avLst/>
+          </a:prstGeom>
+          <a:ln w="38100">
+            <a:solidFill>
+              <a:srgbClr val="00B0F0"/>
+            </a:solidFill>
+          </a:ln>
+        </p:spPr>
+        <p:style>
+          <a:lnRef idx="1">
+            <a:schemeClr val="accent1"/>
+          </a:lnRef>
+          <a:fillRef idx="0">
+            <a:schemeClr val="accent1"/>
+          </a:fillRef>
+          <a:effectRef idx="0">
+            <a:schemeClr val="accent1"/>
+          </a:effectRef>
+          <a:fontRef idx="minor">
+            <a:schemeClr val="tx1"/>
+          </a:fontRef>
+        </p:style>
+      </p:cxnSp>
+      <p:pic>
+        <p:nvPicPr>
+          <p:cNvPr id="2" name="Рисунок 1">
+            <a:extLst>
+              <a:ext uri="{FF2B5EF4-FFF2-40B4-BE49-F238E27FC236}">
+                <a16:creationId xmlns:a16="http://schemas.microsoft.com/office/drawing/2014/main" id="{901F6446-8533-D91D-9A67-852A785C5D08}"/>
+              </a:ext>
+            </a:extLst>
+          </p:cNvPr>
+          <p:cNvPicPr>
+            <a:picLocks noChangeAspect="1"/>
+          </p:cNvPicPr>
+          <p:nvPr/>
+        </p:nvPicPr>
+        <p:blipFill>
+          <a:blip r:embed="rId4" cstate="print">
+            <a:extLst>
+              <a:ext uri="{28A0092B-C50C-407E-A947-70E740481C1C}">
+                <a14:useLocalDpi xmlns:a14="http://schemas.microsoft.com/office/drawing/2010/main" val="0"/>
+              </a:ext>
+            </a:extLst>
+          </a:blip>
+          <a:stretch>
+            <a:fillRect/>
+          </a:stretch>
+        </p:blipFill>
+        <p:spPr>
+          <a:xfrm>
+            <a:off x="9399474" y="495299"/>
+            <a:ext cx="885385" cy="572613"/>
+          </a:xfrm>
+          <a:prstGeom prst="rect">
+            <a:avLst/>
+          </a:prstGeom>
+        </p:spPr>
+      </p:pic>
+      <p:cxnSp>
+        <p:nvCxnSpPr>
+          <p:cNvPr id="11" name="Прямая соединительная линия 10">
+            <a:extLst>
+              <a:ext uri="{FF2B5EF4-FFF2-40B4-BE49-F238E27FC236}">
+                <a16:creationId xmlns:a16="http://schemas.microsoft.com/office/drawing/2014/main" id="{AC099B30-DEBE-AB1F-DC6A-F8D59DC7B233}"/>
+              </a:ext>
+            </a:extLst>
+          </p:cNvPr>
+          <p:cNvCxnSpPr/>
+          <p:nvPr/>
+        </p:nvCxnSpPr>
+        <p:spPr>
+          <a:xfrm>
+            <a:off x="9059117" y="563880"/>
+            <a:ext cx="0" cy="495354"/>
+          </a:xfrm>
+          <a:prstGeom prst="line">
+            <a:avLst/>
+          </a:prstGeom>
+          <a:ln w="28575">
+            <a:solidFill>
+              <a:srgbClr val="00B0F0"/>
+            </a:solidFill>
+          </a:ln>
+        </p:spPr>
+        <p:style>
+          <a:lnRef idx="1">
+            <a:schemeClr val="accent1"/>
+          </a:lnRef>
+          <a:fillRef idx="0">
+            <a:schemeClr val="accent1"/>
+          </a:fillRef>
+          <a:effectRef idx="0">
+            <a:schemeClr val="accent1"/>
+          </a:effectRef>
+          <a:fontRef idx="minor">
+            <a:schemeClr val="tx1"/>
+          </a:fontRef>
+        </p:style>
+      </p:cxnSp>
+      <p:sp>
+        <p:nvSpPr>
+          <p:cNvPr id="14" name="Подзаголовок 2">
+            <a:extLst>
+              <a:ext uri="{FF2B5EF4-FFF2-40B4-BE49-F238E27FC236}">
+                <a16:creationId xmlns:a16="http://schemas.microsoft.com/office/drawing/2014/main" id="{79A7865C-C23F-32DA-5979-EA382C25FA5F}"/>
+              </a:ext>
+            </a:extLst>
+          </p:cNvPr>
+          <p:cNvSpPr txBox="1">
+            <a:spLocks/>
+          </p:cNvSpPr>
+          <p:nvPr/>
+        </p:nvSpPr>
+        <p:spPr>
+          <a:xfrm>
+            <a:off x="404325" y="716851"/>
+            <a:ext cx="6582408" cy="515138"/>
+          </a:xfrm>
+          <a:prstGeom prst="rect">
+            <a:avLst/>
+          </a:prstGeom>
+        </p:spPr>
+        <p:txBody>
+          <a:bodyPr vert="horz" lIns="104306" tIns="52153" rIns="104306" bIns="52153" rtlCol="0">
+            <a:normAutofit/>
+          </a:bodyPr>
+          <a:lstStyle>
+            <a:lvl1pPr marL="0" indent="0" algn="ctr" defTabSz="1043056" rtl="0" eaLnBrk="1" latinLnBrk="0" hangingPunct="1">
+              <a:lnSpc>
+                <a:spcPct val="90000"/>
+              </a:lnSpc>
+              <a:spcBef>
+                <a:spcPts val="1141"/>
+              </a:spcBef>
+              <a:buFont typeface="Arial" panose="020B0604020202020204" pitchFamily="34" charset="0"/>
+              <a:buNone/>
+              <a:defRPr sz="2700" kern="1200">
+                <a:solidFill>
+                  <a:schemeClr val="tx1"/>
+                </a:solidFill>
+                <a:latin typeface="+mn-lt"/>
+                <a:ea typeface="+mn-ea"/>
+                <a:cs typeface="+mn-cs"/>
+              </a:defRPr>
+            </a:lvl1pPr>
+            <a:lvl2pPr marL="521528" indent="0" algn="ctr" defTabSz="1043056" rtl="0" eaLnBrk="1" latinLnBrk="0" hangingPunct="1">
+              <a:lnSpc>
+                <a:spcPct val="90000"/>
+              </a:lnSpc>
+              <a:spcBef>
+                <a:spcPts val="570"/>
+              </a:spcBef>
+              <a:buFont typeface="Arial" panose="020B0604020202020204" pitchFamily="34" charset="0"/>
+              <a:buNone/>
+              <a:defRPr sz="2300" kern="1200">
+                <a:solidFill>
+                  <a:schemeClr val="tx1"/>
+                </a:solidFill>
+                <a:latin typeface="+mn-lt"/>
+                <a:ea typeface="+mn-ea"/>
+                <a:cs typeface="+mn-cs"/>
+              </a:defRPr>
+            </a:lvl2pPr>
+            <a:lvl3pPr marL="1043056" indent="0" algn="ctr" defTabSz="1043056" rtl="0" eaLnBrk="1" latinLnBrk="0" hangingPunct="1">
+              <a:lnSpc>
+                <a:spcPct val="90000"/>
+              </a:lnSpc>
+              <a:spcBef>
+                <a:spcPts val="570"/>
+              </a:spcBef>
+              <a:buFont typeface="Arial" panose="020B0604020202020204" pitchFamily="34" charset="0"/>
+              <a:buNone/>
+              <a:defRPr sz="2100" kern="1200">
+                <a:solidFill>
+                  <a:schemeClr val="tx1"/>
+                </a:solidFill>
+                <a:latin typeface="+mn-lt"/>
+                <a:ea typeface="+mn-ea"/>
+                <a:cs typeface="+mn-cs"/>
+              </a:defRPr>
+            </a:lvl3pPr>
+            <a:lvl4pPr marL="1564584" indent="0" algn="ctr" defTabSz="1043056" rtl="0" eaLnBrk="1" latinLnBrk="0" hangingPunct="1">
+              <a:lnSpc>
+                <a:spcPct val="90000"/>
+              </a:lnSpc>
+              <a:spcBef>
+                <a:spcPts val="570"/>
+              </a:spcBef>
+              <a:buFont typeface="Arial" panose="020B0604020202020204" pitchFamily="34" charset="0"/>
+              <a:buNone/>
+              <a:defRPr sz="1800" kern="1200">
+                <a:solidFill>
+                  <a:schemeClr val="tx1"/>
+                </a:solidFill>
+                <a:latin typeface="+mn-lt"/>
+                <a:ea typeface="+mn-ea"/>
+                <a:cs typeface="+mn-cs"/>
+              </a:defRPr>
+            </a:lvl4pPr>
+            <a:lvl5pPr marL="2086112" indent="0" algn="ctr" defTabSz="1043056" rtl="0" eaLnBrk="1" latinLnBrk="0" hangingPunct="1">
+              <a:lnSpc>
+                <a:spcPct val="90000"/>
+              </a:lnSpc>
+              <a:spcBef>
+                <a:spcPts val="570"/>
+              </a:spcBef>
+              <a:buFont typeface="Arial" panose="020B0604020202020204" pitchFamily="34" charset="0"/>
+              <a:buNone/>
+              <a:defRPr sz="1800" kern="1200">
+                <a:solidFill>
+                  <a:schemeClr val="tx1"/>
+                </a:solidFill>
+                <a:latin typeface="+mn-lt"/>
+                <a:ea typeface="+mn-ea"/>
+                <a:cs typeface="+mn-cs"/>
+              </a:defRPr>
+            </a:lvl5pPr>
+            <a:lvl6pPr marL="2607640" indent="0" algn="ctr" defTabSz="1043056" rtl="0" eaLnBrk="1" latinLnBrk="0" hangingPunct="1">
+              <a:lnSpc>
+                <a:spcPct val="90000"/>
+              </a:lnSpc>
+              <a:spcBef>
+                <a:spcPts val="570"/>
+              </a:spcBef>
+              <a:buFont typeface="Arial" panose="020B0604020202020204" pitchFamily="34" charset="0"/>
+              <a:buNone/>
+              <a:defRPr sz="1800" kern="1200">
+                <a:solidFill>
+                  <a:schemeClr val="tx1"/>
+                </a:solidFill>
+                <a:latin typeface="+mn-lt"/>
+                <a:ea typeface="+mn-ea"/>
+                <a:cs typeface="+mn-cs"/>
+              </a:defRPr>
+            </a:lvl6pPr>
+            <a:lvl7pPr marL="3129168" indent="0" algn="ctr" defTabSz="1043056" rtl="0" eaLnBrk="1" latinLnBrk="0" hangingPunct="1">
+              <a:lnSpc>
+                <a:spcPct val="90000"/>
+              </a:lnSpc>
+              <a:spcBef>
+                <a:spcPts val="570"/>
+              </a:spcBef>
+              <a:buFont typeface="Arial" panose="020B0604020202020204" pitchFamily="34" charset="0"/>
+              <a:buNone/>
+              <a:defRPr sz="1800" kern="1200">
+                <a:solidFill>
+                  <a:schemeClr val="tx1"/>
+                </a:solidFill>
+                <a:latin typeface="+mn-lt"/>
+                <a:ea typeface="+mn-ea"/>
+                <a:cs typeface="+mn-cs"/>
+              </a:defRPr>
+            </a:lvl7pPr>
+            <a:lvl8pPr marL="3650696" indent="0" algn="ctr" defTabSz="1043056" rtl="0" eaLnBrk="1" latinLnBrk="0" hangingPunct="1">
+              <a:lnSpc>
+                <a:spcPct val="90000"/>
+              </a:lnSpc>
+              <a:spcBef>
+                <a:spcPts val="570"/>
+              </a:spcBef>
+              <a:buFont typeface="Arial" panose="020B0604020202020204" pitchFamily="34" charset="0"/>
+              <a:buNone/>
+              <a:defRPr sz="1800" kern="1200">
+                <a:solidFill>
+                  <a:schemeClr val="tx1"/>
+                </a:solidFill>
+                <a:latin typeface="+mn-lt"/>
+                <a:ea typeface="+mn-ea"/>
+                <a:cs typeface="+mn-cs"/>
+              </a:defRPr>
+            </a:lvl8pPr>
+            <a:lvl9pPr marL="4172224" indent="0" algn="ctr" defTabSz="1043056" rtl="0" eaLnBrk="1" latinLnBrk="0" hangingPunct="1">
+              <a:lnSpc>
+                <a:spcPct val="90000"/>
+              </a:lnSpc>
+              <a:spcBef>
+                <a:spcPts val="570"/>
+              </a:spcBef>
+              <a:buFont typeface="Arial" panose="020B0604020202020204" pitchFamily="34" charset="0"/>
+              <a:buNone/>
+              <a:defRPr sz="1800" kern="1200">
+                <a:solidFill>
+                  <a:schemeClr val="tx1"/>
+                </a:solidFill>
+                <a:latin typeface="+mn-lt"/>
+                <a:ea typeface="+mn-ea"/>
+                <a:cs typeface="+mn-cs"/>
+              </a:defRPr>
+            </a:lvl9pPr>
+          </a:lstStyle>
+          <a:p>
+            <a:pPr algn="l"/>
+            <a:r>
+              <a:rPr lang="ru-RU" sz="2400" b="1" dirty="0">
+                <a:latin typeface="Fira Sans Bold"/>
+              </a:rPr>
+              <a:t>Численный метод </a:t>
+            </a:r>
+          </a:p>
+        </p:txBody>
+      </p:sp>
+      <p:sp>
+        <p:nvSpPr>
+          <p:cNvPr id="3" name="TextBox 2">
+            <a:extLst>
+              <a:ext uri="{FF2B5EF4-FFF2-40B4-BE49-F238E27FC236}">
+                <a16:creationId xmlns:a16="http://schemas.microsoft.com/office/drawing/2014/main" id="{C1B2D796-7FA4-0A3D-729B-A5D4B4B4F778}"/>
+              </a:ext>
+            </a:extLst>
+          </p:cNvPr>
+          <p:cNvSpPr txBox="1"/>
+          <p:nvPr/>
+        </p:nvSpPr>
+        <p:spPr>
+          <a:xfrm>
+            <a:off x="1287624" y="2724539"/>
+            <a:ext cx="6895670" cy="1708160"/>
+          </a:xfrm>
+          <a:prstGeom prst="rect">
+            <a:avLst/>
+          </a:prstGeom>
+          <a:noFill/>
+        </p:spPr>
+        <p:txBody>
+          <a:bodyPr wrap="none" rtlCol="0">
+            <a:spAutoFit/>
+          </a:bodyPr>
+          <a:lstStyle/>
+          <a:p>
+            <a:r>
+              <a:rPr lang="ru-RU" dirty="0">
+                <a:solidFill>
+                  <a:srgbClr val="FF0000"/>
+                </a:solidFill>
+              </a:rPr>
+              <a:t>Условия решения краевой задачи</a:t>
+            </a:r>
+            <a:r>
+              <a:rPr lang="en-US" dirty="0">
+                <a:solidFill>
+                  <a:srgbClr val="FF0000"/>
+                </a:solidFill>
+              </a:rPr>
+              <a:t>:</a:t>
+            </a:r>
+          </a:p>
+          <a:p>
+            <a:pPr marL="342900" indent="-342900">
+              <a:buFontTx/>
+              <a:buChar char="-"/>
+            </a:pPr>
+            <a:r>
+              <a:rPr lang="ru-RU" dirty="0">
+                <a:solidFill>
+                  <a:srgbClr val="FF0000"/>
+                </a:solidFill>
+              </a:rPr>
+              <a:t>Область (радиус зоны дренажа)</a:t>
+            </a:r>
+          </a:p>
+          <a:p>
+            <a:pPr marL="342900" indent="-342900">
+              <a:buFontTx/>
+              <a:buChar char="-"/>
+            </a:pPr>
+            <a:r>
+              <a:rPr lang="ru-RU" dirty="0">
+                <a:solidFill>
+                  <a:srgbClr val="FF0000"/>
+                </a:solidFill>
+              </a:rPr>
+              <a:t>Поля пористости</a:t>
+            </a:r>
+            <a:r>
+              <a:rPr lang="en-US" dirty="0">
+                <a:solidFill>
+                  <a:srgbClr val="FF0000"/>
+                </a:solidFill>
+              </a:rPr>
+              <a:t>, </a:t>
+            </a:r>
+            <a:r>
+              <a:rPr lang="ru-RU" dirty="0">
+                <a:solidFill>
+                  <a:srgbClr val="FF0000"/>
+                </a:solidFill>
+              </a:rPr>
+              <a:t>проницаемости</a:t>
+            </a:r>
+            <a:r>
+              <a:rPr lang="en-US" dirty="0">
+                <a:solidFill>
+                  <a:srgbClr val="FF0000"/>
+                </a:solidFill>
+              </a:rPr>
+              <a:t>, </a:t>
+            </a:r>
+            <a:r>
+              <a:rPr lang="ru-RU" dirty="0">
+                <a:solidFill>
+                  <a:srgbClr val="FF0000"/>
+                </a:solidFill>
+              </a:rPr>
+              <a:t>начальное давление</a:t>
+            </a:r>
+          </a:p>
+          <a:p>
+            <a:pPr marL="342900" indent="-342900">
+              <a:buFontTx/>
+              <a:buChar char="-"/>
+            </a:pPr>
+            <a:r>
+              <a:rPr lang="ru-RU" dirty="0">
+                <a:solidFill>
+                  <a:srgbClr val="FF0000"/>
+                </a:solidFill>
+              </a:rPr>
+              <a:t>Начальное насыщения</a:t>
+            </a:r>
+          </a:p>
+          <a:p>
+            <a:pPr marL="342900" indent="-342900">
+              <a:buFontTx/>
+              <a:buChar char="-"/>
+            </a:pPr>
+            <a:r>
+              <a:rPr lang="ru-RU" dirty="0">
+                <a:solidFill>
+                  <a:srgbClr val="FF0000"/>
+                </a:solidFill>
+              </a:rPr>
+              <a:t>…</a:t>
+            </a:r>
+          </a:p>
+        </p:txBody>
+      </p:sp>
+    </p:spTree>
+    <p:extLst>
+      <p:ext uri="{BB962C8B-B14F-4D97-AF65-F5344CB8AC3E}">
+        <p14:creationId xmlns:p14="http://schemas.microsoft.com/office/powerpoint/2010/main" val="2861860861"/>
+      </p:ext>
+    </p:extLst>
+  </p:cSld>
+  <p:clrMapOvr>
+    <a:masterClrMapping/>
+  </p:clrMapOvr>
+</p:sld>
+</file>
+
+<file path=ppt/slides/slide14.xml><?xml version="1.0" encoding="utf-8"?>
+<p:sld xmlns:a="http://schemas.openxmlformats.org/drawingml/2006/main" xmlns:r="http://schemas.openxmlformats.org/officeDocument/2006/relationships" xmlns:p="http://schemas.openxmlformats.org/presentationml/2006/main">
+  <p:cSld>
+    <p:spTree>
+      <p:nvGrpSpPr>
+        <p:cNvPr id="1" name="">
+          <a:extLst>
+            <a:ext uri="{FF2B5EF4-FFF2-40B4-BE49-F238E27FC236}">
+              <a16:creationId xmlns:a16="http://schemas.microsoft.com/office/drawing/2014/main" id="{5927EDC5-D031-58CF-7EF8-61390C8F80C8}"/>
+            </a:ext>
+          </a:extLst>
+        </p:cNvPr>
+        <p:cNvGrpSpPr/>
+        <p:nvPr/>
+      </p:nvGrpSpPr>
+      <p:grpSpPr>
+        <a:xfrm>
+          <a:off x="0" y="0"/>
+          <a:ext cx="0" cy="0"/>
+          <a:chOff x="0" y="0"/>
+          <a:chExt cx="0" cy="0"/>
+        </a:xfrm>
+      </p:grpSpPr>
+      <p:pic>
+        <p:nvPicPr>
+          <p:cNvPr id="4" name="Рисунок 3">
+            <a:extLst>
+              <a:ext uri="{FF2B5EF4-FFF2-40B4-BE49-F238E27FC236}">
+                <a16:creationId xmlns:a16="http://schemas.microsoft.com/office/drawing/2014/main" id="{3C94AAF7-BAA7-752F-9218-3D10B2BEAFDD}"/>
+              </a:ext>
+            </a:extLst>
+          </p:cNvPr>
           <p:cNvPicPr>
             <a:picLocks noChangeAspect="1"/>
           </p:cNvPicPr>
@@ -12268,7 +12866,13 @@
       </p:pic>
       <p:cxnSp>
         <p:nvCxnSpPr>
-          <p:cNvPr id="5" name="Прямая соединительная линия 4"/>
+          <p:cNvPr id="5" name="Прямая соединительная линия 4">
+            <a:extLst>
+              <a:ext uri="{FF2B5EF4-FFF2-40B4-BE49-F238E27FC236}">
+                <a16:creationId xmlns:a16="http://schemas.microsoft.com/office/drawing/2014/main" id="{0B77512D-882C-3135-B6C0-2E39084FF58E}"/>
+              </a:ext>
+            </a:extLst>
+          </p:cNvPr>
           <p:cNvCxnSpPr/>
           <p:nvPr/>
         </p:nvCxnSpPr>
@@ -12303,7 +12907,13 @@
       </p:cxnSp>
       <p:pic>
         <p:nvPicPr>
-          <p:cNvPr id="2" name="Рисунок 1"/>
+          <p:cNvPr id="2" name="Рисунок 1">
+            <a:extLst>
+              <a:ext uri="{FF2B5EF4-FFF2-40B4-BE49-F238E27FC236}">
+                <a16:creationId xmlns:a16="http://schemas.microsoft.com/office/drawing/2014/main" id="{3ACB9DEB-DC89-1D78-28DB-BB8EE1825EA8}"/>
+              </a:ext>
+            </a:extLst>
+          </p:cNvPr>
           <p:cNvPicPr>
             <a:picLocks noChangeAspect="1"/>
           </p:cNvPicPr>
@@ -12333,7 +12943,13 @@
       </p:pic>
       <p:cxnSp>
         <p:nvCxnSpPr>
-          <p:cNvPr id="11" name="Прямая соединительная линия 10"/>
+          <p:cNvPr id="11" name="Прямая соединительная линия 10">
+            <a:extLst>
+              <a:ext uri="{FF2B5EF4-FFF2-40B4-BE49-F238E27FC236}">
+                <a16:creationId xmlns:a16="http://schemas.microsoft.com/office/drawing/2014/main" id="{2FCABFD8-7C96-2026-85B0-651D79A182C5}"/>
+              </a:ext>
+            </a:extLst>
+          </p:cNvPr>
           <p:cNvCxnSpPr/>
           <p:nvPr/>
         </p:nvCxnSpPr>
@@ -12368,7 +12984,13 @@
       </p:cxnSp>
       <p:sp>
         <p:nvSpPr>
-          <p:cNvPr id="14" name="Подзаголовок 2"/>
+          <p:cNvPr id="14" name="Подзаголовок 2">
+            <a:extLst>
+              <a:ext uri="{FF2B5EF4-FFF2-40B4-BE49-F238E27FC236}">
+                <a16:creationId xmlns:a16="http://schemas.microsoft.com/office/drawing/2014/main" id="{1A9FFBCF-3018-F85E-0B4F-19CD4FA8E3FF}"/>
+              </a:ext>
+            </a:extLst>
+          </p:cNvPr>
           <p:cNvSpPr txBox="1">
             <a:spLocks/>
           </p:cNvSpPr>
@@ -12385,7 +13007,7 @@
         </p:spPr>
         <p:txBody>
           <a:bodyPr vert="horz" lIns="104306" tIns="52153" rIns="104306" bIns="52153" rtlCol="0">
-            <a:normAutofit fontScale="85000" lnSpcReduction="10000"/>
+            <a:normAutofit/>
           </a:bodyPr>
           <a:lstStyle>
             <a:lvl1pPr marL="0" indent="0" algn="ctr" defTabSz="1043056" rtl="0" eaLnBrk="1" latinLnBrk="0" hangingPunct="1">
@@ -12555,62 +13177,20 @@
             <a:pPr algn="l"/>
             <a:r>
               <a:rPr lang="ru-RU" sz="2400" b="1" dirty="0">
+                <a:solidFill>
+                  <a:srgbClr val="FF0000"/>
+                </a:solidFill>
                 <a:latin typeface="Fira Sans Bold"/>
               </a:rPr>
-              <a:t>Архитектура программного комплекса по модели </a:t>
-            </a:r>
-            <a:r>
-              <a:rPr lang="en-US" sz="2400" b="1" dirty="0">
-                <a:latin typeface="Fira Sans Bold"/>
-              </a:rPr>
-              <a:t>C4</a:t>
-            </a:r>
-            <a:endParaRPr lang="ru-RU" sz="2400" b="1" dirty="0">
-              <a:latin typeface="Fira Sans Bold"/>
-            </a:endParaRPr>
+              <a:t>Функционал программного комплекса</a:t>
+            </a:r>
           </a:p>
         </p:txBody>
       </p:sp>
-      <p:pic>
-        <p:nvPicPr>
-          <p:cNvPr id="7" name="Рисунок 6">
-            <a:extLst>
-              <a:ext uri="{FF2B5EF4-FFF2-40B4-BE49-F238E27FC236}">
-                <a16:creationId xmlns:a16="http://schemas.microsoft.com/office/drawing/2014/main" id="{DE8038AC-CD22-F924-0841-2CDCEA41AEC3}"/>
-              </a:ext>
-            </a:extLst>
-          </p:cNvPr>
-          <p:cNvPicPr>
-            <a:picLocks noChangeAspect="1"/>
-          </p:cNvPicPr>
-          <p:nvPr/>
-        </p:nvPicPr>
-        <p:blipFill>
-          <a:blip r:embed="rId4">
-            <a:extLst>
-              <a:ext uri="{28A0092B-C50C-407E-A947-70E740481C1C}">
-                <a14:useLocalDpi xmlns:a14="http://schemas.microsoft.com/office/drawing/2010/main" val="0"/>
-              </a:ext>
-            </a:extLst>
-          </a:blip>
-          <a:stretch>
-            <a:fillRect/>
-          </a:stretch>
-        </p:blipFill>
-        <p:spPr>
-          <a:xfrm>
-            <a:off x="625702" y="1550391"/>
-            <a:ext cx="7905202" cy="5204004"/>
-          </a:xfrm>
-          <a:prstGeom prst="rect">
-            <a:avLst/>
-          </a:prstGeom>
-        </p:spPr>
-      </p:pic>
     </p:spTree>
     <p:extLst>
       <p:ext uri="{BB962C8B-B14F-4D97-AF65-F5344CB8AC3E}">
-        <p14:creationId xmlns:p14="http://schemas.microsoft.com/office/powerpoint/2010/main" val="1702713374"/>
+        <p14:creationId xmlns:p14="http://schemas.microsoft.com/office/powerpoint/2010/main" val="3317398470"/>
       </p:ext>
     </p:extLst>
   </p:cSld>
@@ -12620,7 +13200,7 @@
 </p:sld>
 </file>
 
-<file path=ppt/slides/slide14.xml><?xml version="1.0" encoding="utf-8"?>
+<file path=ppt/slides/slide15.xml><?xml version="1.0" encoding="utf-8"?>
 <p:sld xmlns:a="http://schemas.openxmlformats.org/drawingml/2006/main" xmlns:r="http://schemas.openxmlformats.org/officeDocument/2006/relationships" xmlns:p="http://schemas.openxmlformats.org/presentationml/2006/main">
   <p:cSld>
     <p:spTree>
@@ -12822,7 +13402,7 @@
         </p:spPr>
         <p:txBody>
           <a:bodyPr vert="horz" lIns="104306" tIns="52153" rIns="104306" bIns="52153" rtlCol="0">
-            <a:normAutofit fontScale="85000" lnSpcReduction="10000"/>
+            <a:normAutofit/>
           </a:bodyPr>
           <a:lstStyle>
             <a:lvl1pPr marL="0" indent="0" algn="ctr" defTabSz="1043056" rtl="0" eaLnBrk="1" latinLnBrk="0" hangingPunct="1">
@@ -12992,19 +13572,13 @@
             <a:pPr algn="l"/>
             <a:r>
               <a:rPr lang="ru-RU" sz="2400" b="1" dirty="0">
+                <a:solidFill>
+                  <a:srgbClr val="FF0000"/>
+                </a:solidFill>
                 <a:latin typeface="Fira Sans Bold"/>
               </a:rPr>
-              <a:t>Архитектура программного комплекса по модели </a:t>
-            </a:r>
-            <a:r>
-              <a:rPr lang="en-US" sz="2400" b="1" dirty="0">
-                <a:latin typeface="Fira Sans Bold"/>
-              </a:rPr>
-              <a:t>C4</a:t>
-            </a:r>
-            <a:endParaRPr lang="ru-RU" sz="2400" b="1" dirty="0">
-              <a:latin typeface="Fira Sans Bold"/>
-            </a:endParaRPr>
+              <a:t>Архитектура программного комплекса</a:t>
+            </a:r>
           </a:p>
         </p:txBody>
       </p:sp>
@@ -13097,7 +13671,934 @@
 </p:sld>
 </file>
 
-<file path=ppt/slides/slide15.xml><?xml version="1.0" encoding="utf-8"?>
+<file path=ppt/slides/slide16.xml><?xml version="1.0" encoding="utf-8"?>
+<p:sld xmlns:a="http://schemas.openxmlformats.org/drawingml/2006/main" xmlns:r="http://schemas.openxmlformats.org/officeDocument/2006/relationships" xmlns:p="http://schemas.openxmlformats.org/presentationml/2006/main">
+  <p:cSld>
+    <p:spTree>
+      <p:nvGrpSpPr>
+        <p:cNvPr id="1" name="">
+          <a:extLst>
+            <a:ext uri="{FF2B5EF4-FFF2-40B4-BE49-F238E27FC236}">
+              <a16:creationId xmlns:a16="http://schemas.microsoft.com/office/drawing/2014/main" id="{6AD23572-5A79-C474-BE15-3944CAA32A88}"/>
+            </a:ext>
+          </a:extLst>
+        </p:cNvPr>
+        <p:cNvGrpSpPr/>
+        <p:nvPr/>
+      </p:nvGrpSpPr>
+      <p:grpSpPr>
+        <a:xfrm>
+          <a:off x="0" y="0"/>
+          <a:ext cx="0" cy="0"/>
+          <a:chOff x="0" y="0"/>
+          <a:chExt cx="0" cy="0"/>
+        </a:xfrm>
+      </p:grpSpPr>
+      <p:pic>
+        <p:nvPicPr>
+          <p:cNvPr id="4" name="Рисунок 3">
+            <a:extLst>
+              <a:ext uri="{FF2B5EF4-FFF2-40B4-BE49-F238E27FC236}">
+                <a16:creationId xmlns:a16="http://schemas.microsoft.com/office/drawing/2014/main" id="{15CCE0E8-6615-4394-FA7A-982CEAA004A6}"/>
+              </a:ext>
+            </a:extLst>
+          </p:cNvPr>
+          <p:cNvPicPr>
+            <a:picLocks noChangeAspect="1"/>
+          </p:cNvPicPr>
+          <p:nvPr/>
+        </p:nvPicPr>
+        <p:blipFill>
+          <a:blip r:embed="rId2" cstate="print">
+            <a:extLst>
+              <a:ext uri="{28A0092B-C50C-407E-A947-70E740481C1C}">
+                <a14:useLocalDpi xmlns:a14="http://schemas.microsoft.com/office/drawing/2010/main" val="0"/>
+              </a:ext>
+            </a:extLst>
+          </a:blip>
+          <a:stretch>
+            <a:fillRect/>
+          </a:stretch>
+        </p:blipFill>
+        <p:spPr>
+          <a:xfrm>
+            <a:off x="7624270" y="292582"/>
+            <a:ext cx="1137667" cy="686375"/>
+          </a:xfrm>
+          <a:prstGeom prst="rect">
+            <a:avLst/>
+          </a:prstGeom>
+        </p:spPr>
+      </p:pic>
+      <p:cxnSp>
+        <p:nvCxnSpPr>
+          <p:cNvPr id="5" name="Прямая соединительная линия 4">
+            <a:extLst>
+              <a:ext uri="{FF2B5EF4-FFF2-40B4-BE49-F238E27FC236}">
+                <a16:creationId xmlns:a16="http://schemas.microsoft.com/office/drawing/2014/main" id="{1B463376-2F6D-A0AD-7632-EA3A91B5EB1C}"/>
+              </a:ext>
+            </a:extLst>
+          </p:cNvPr>
+          <p:cNvCxnSpPr/>
+          <p:nvPr/>
+        </p:nvCxnSpPr>
+        <p:spPr>
+          <a:xfrm>
+            <a:off x="507368" y="1035253"/>
+            <a:ext cx="926088" cy="0"/>
+          </a:xfrm>
+          <a:prstGeom prst="line">
+            <a:avLst/>
+          </a:prstGeom>
+          <a:ln w="38100">
+            <a:solidFill>
+              <a:srgbClr val="00B0F0"/>
+            </a:solidFill>
+          </a:ln>
+        </p:spPr>
+        <p:style>
+          <a:lnRef idx="1">
+            <a:schemeClr val="accent1"/>
+          </a:lnRef>
+          <a:fillRef idx="0">
+            <a:schemeClr val="accent1"/>
+          </a:fillRef>
+          <a:effectRef idx="0">
+            <a:schemeClr val="accent1"/>
+          </a:effectRef>
+          <a:fontRef idx="minor">
+            <a:schemeClr val="tx1"/>
+          </a:fontRef>
+        </p:style>
+      </p:cxnSp>
+      <p:pic>
+        <p:nvPicPr>
+          <p:cNvPr id="2" name="Рисунок 1">
+            <a:extLst>
+              <a:ext uri="{FF2B5EF4-FFF2-40B4-BE49-F238E27FC236}">
+                <a16:creationId xmlns:a16="http://schemas.microsoft.com/office/drawing/2014/main" id="{060B25DE-6FF1-310D-C5FE-043D2B7A5026}"/>
+              </a:ext>
+            </a:extLst>
+          </p:cNvPr>
+          <p:cNvPicPr>
+            <a:picLocks noChangeAspect="1"/>
+          </p:cNvPicPr>
+          <p:nvPr/>
+        </p:nvPicPr>
+        <p:blipFill>
+          <a:blip r:embed="rId3" cstate="print">
+            <a:extLst>
+              <a:ext uri="{28A0092B-C50C-407E-A947-70E740481C1C}">
+                <a14:useLocalDpi xmlns:a14="http://schemas.microsoft.com/office/drawing/2010/main" val="0"/>
+              </a:ext>
+            </a:extLst>
+          </a:blip>
+          <a:stretch>
+            <a:fillRect/>
+          </a:stretch>
+        </p:blipFill>
+        <p:spPr>
+          <a:xfrm>
+            <a:off x="9399474" y="335279"/>
+            <a:ext cx="885385" cy="572613"/>
+          </a:xfrm>
+          <a:prstGeom prst="rect">
+            <a:avLst/>
+          </a:prstGeom>
+        </p:spPr>
+      </p:pic>
+      <p:cxnSp>
+        <p:nvCxnSpPr>
+          <p:cNvPr id="11" name="Прямая соединительная линия 10">
+            <a:extLst>
+              <a:ext uri="{FF2B5EF4-FFF2-40B4-BE49-F238E27FC236}">
+                <a16:creationId xmlns:a16="http://schemas.microsoft.com/office/drawing/2014/main" id="{642EA8D1-50C4-2D99-4998-5C8CB4EEFA3E}"/>
+              </a:ext>
+            </a:extLst>
+          </p:cNvPr>
+          <p:cNvCxnSpPr/>
+          <p:nvPr/>
+        </p:nvCxnSpPr>
+        <p:spPr>
+          <a:xfrm>
+            <a:off x="9059117" y="403860"/>
+            <a:ext cx="0" cy="495354"/>
+          </a:xfrm>
+          <a:prstGeom prst="line">
+            <a:avLst/>
+          </a:prstGeom>
+          <a:ln w="28575">
+            <a:solidFill>
+              <a:srgbClr val="00B0F0"/>
+            </a:solidFill>
+          </a:ln>
+        </p:spPr>
+        <p:style>
+          <a:lnRef idx="1">
+            <a:schemeClr val="accent1"/>
+          </a:lnRef>
+          <a:fillRef idx="0">
+            <a:schemeClr val="accent1"/>
+          </a:fillRef>
+          <a:effectRef idx="0">
+            <a:schemeClr val="accent1"/>
+          </a:effectRef>
+          <a:fontRef idx="minor">
+            <a:schemeClr val="tx1"/>
+          </a:fontRef>
+        </p:style>
+      </p:cxnSp>
+      <p:sp>
+        <p:nvSpPr>
+          <p:cNvPr id="14" name="Подзаголовок 2">
+            <a:extLst>
+              <a:ext uri="{FF2B5EF4-FFF2-40B4-BE49-F238E27FC236}">
+                <a16:creationId xmlns:a16="http://schemas.microsoft.com/office/drawing/2014/main" id="{0CD6DB45-2B69-2F4F-F993-9DE50310DDC0}"/>
+              </a:ext>
+            </a:extLst>
+          </p:cNvPr>
+          <p:cNvSpPr txBox="1">
+            <a:spLocks/>
+          </p:cNvSpPr>
+          <p:nvPr/>
+        </p:nvSpPr>
+        <p:spPr>
+          <a:xfrm>
+            <a:off x="404325" y="520115"/>
+            <a:ext cx="6582408" cy="515138"/>
+          </a:xfrm>
+          <a:prstGeom prst="rect">
+            <a:avLst/>
+          </a:prstGeom>
+        </p:spPr>
+        <p:txBody>
+          <a:bodyPr vert="horz" lIns="104306" tIns="52153" rIns="104306" bIns="52153" rtlCol="0">
+            <a:normAutofit/>
+          </a:bodyPr>
+          <a:lstStyle>
+            <a:lvl1pPr marL="0" indent="0" algn="ctr" defTabSz="1043056" rtl="0" eaLnBrk="1" latinLnBrk="0" hangingPunct="1">
+              <a:lnSpc>
+                <a:spcPct val="90000"/>
+              </a:lnSpc>
+              <a:spcBef>
+                <a:spcPts val="1141"/>
+              </a:spcBef>
+              <a:buFont typeface="Arial" panose="020B0604020202020204" pitchFamily="34" charset="0"/>
+              <a:buNone/>
+              <a:defRPr sz="2700" kern="1200">
+                <a:solidFill>
+                  <a:schemeClr val="tx1"/>
+                </a:solidFill>
+                <a:latin typeface="+mn-lt"/>
+                <a:ea typeface="+mn-ea"/>
+                <a:cs typeface="+mn-cs"/>
+              </a:defRPr>
+            </a:lvl1pPr>
+            <a:lvl2pPr marL="521528" indent="0" algn="ctr" defTabSz="1043056" rtl="0" eaLnBrk="1" latinLnBrk="0" hangingPunct="1">
+              <a:lnSpc>
+                <a:spcPct val="90000"/>
+              </a:lnSpc>
+              <a:spcBef>
+                <a:spcPts val="570"/>
+              </a:spcBef>
+              <a:buFont typeface="Arial" panose="020B0604020202020204" pitchFamily="34" charset="0"/>
+              <a:buNone/>
+              <a:defRPr sz="2300" kern="1200">
+                <a:solidFill>
+                  <a:schemeClr val="tx1"/>
+                </a:solidFill>
+                <a:latin typeface="+mn-lt"/>
+                <a:ea typeface="+mn-ea"/>
+                <a:cs typeface="+mn-cs"/>
+              </a:defRPr>
+            </a:lvl2pPr>
+            <a:lvl3pPr marL="1043056" indent="0" algn="ctr" defTabSz="1043056" rtl="0" eaLnBrk="1" latinLnBrk="0" hangingPunct="1">
+              <a:lnSpc>
+                <a:spcPct val="90000"/>
+              </a:lnSpc>
+              <a:spcBef>
+                <a:spcPts val="570"/>
+              </a:spcBef>
+              <a:buFont typeface="Arial" panose="020B0604020202020204" pitchFamily="34" charset="0"/>
+              <a:buNone/>
+              <a:defRPr sz="2100" kern="1200">
+                <a:solidFill>
+                  <a:schemeClr val="tx1"/>
+                </a:solidFill>
+                <a:latin typeface="+mn-lt"/>
+                <a:ea typeface="+mn-ea"/>
+                <a:cs typeface="+mn-cs"/>
+              </a:defRPr>
+            </a:lvl3pPr>
+            <a:lvl4pPr marL="1564584" indent="0" algn="ctr" defTabSz="1043056" rtl="0" eaLnBrk="1" latinLnBrk="0" hangingPunct="1">
+              <a:lnSpc>
+                <a:spcPct val="90000"/>
+              </a:lnSpc>
+              <a:spcBef>
+                <a:spcPts val="570"/>
+              </a:spcBef>
+              <a:buFont typeface="Arial" panose="020B0604020202020204" pitchFamily="34" charset="0"/>
+              <a:buNone/>
+              <a:defRPr sz="1800" kern="1200">
+                <a:solidFill>
+                  <a:schemeClr val="tx1"/>
+                </a:solidFill>
+                <a:latin typeface="+mn-lt"/>
+                <a:ea typeface="+mn-ea"/>
+                <a:cs typeface="+mn-cs"/>
+              </a:defRPr>
+            </a:lvl4pPr>
+            <a:lvl5pPr marL="2086112" indent="0" algn="ctr" defTabSz="1043056" rtl="0" eaLnBrk="1" latinLnBrk="0" hangingPunct="1">
+              <a:lnSpc>
+                <a:spcPct val="90000"/>
+              </a:lnSpc>
+              <a:spcBef>
+                <a:spcPts val="570"/>
+              </a:spcBef>
+              <a:buFont typeface="Arial" panose="020B0604020202020204" pitchFamily="34" charset="0"/>
+              <a:buNone/>
+              <a:defRPr sz="1800" kern="1200">
+                <a:solidFill>
+                  <a:schemeClr val="tx1"/>
+                </a:solidFill>
+                <a:latin typeface="+mn-lt"/>
+                <a:ea typeface="+mn-ea"/>
+                <a:cs typeface="+mn-cs"/>
+              </a:defRPr>
+            </a:lvl5pPr>
+            <a:lvl6pPr marL="2607640" indent="0" algn="ctr" defTabSz="1043056" rtl="0" eaLnBrk="1" latinLnBrk="0" hangingPunct="1">
+              <a:lnSpc>
+                <a:spcPct val="90000"/>
+              </a:lnSpc>
+              <a:spcBef>
+                <a:spcPts val="570"/>
+              </a:spcBef>
+              <a:buFont typeface="Arial" panose="020B0604020202020204" pitchFamily="34" charset="0"/>
+              <a:buNone/>
+              <a:defRPr sz="1800" kern="1200">
+                <a:solidFill>
+                  <a:schemeClr val="tx1"/>
+                </a:solidFill>
+                <a:latin typeface="+mn-lt"/>
+                <a:ea typeface="+mn-ea"/>
+                <a:cs typeface="+mn-cs"/>
+              </a:defRPr>
+            </a:lvl6pPr>
+            <a:lvl7pPr marL="3129168" indent="0" algn="ctr" defTabSz="1043056" rtl="0" eaLnBrk="1" latinLnBrk="0" hangingPunct="1">
+              <a:lnSpc>
+                <a:spcPct val="90000"/>
+              </a:lnSpc>
+              <a:spcBef>
+                <a:spcPts val="570"/>
+              </a:spcBef>
+              <a:buFont typeface="Arial" panose="020B0604020202020204" pitchFamily="34" charset="0"/>
+              <a:buNone/>
+              <a:defRPr sz="1800" kern="1200">
+                <a:solidFill>
+                  <a:schemeClr val="tx1"/>
+                </a:solidFill>
+                <a:latin typeface="+mn-lt"/>
+                <a:ea typeface="+mn-ea"/>
+                <a:cs typeface="+mn-cs"/>
+              </a:defRPr>
+            </a:lvl7pPr>
+            <a:lvl8pPr marL="3650696" indent="0" algn="ctr" defTabSz="1043056" rtl="0" eaLnBrk="1" latinLnBrk="0" hangingPunct="1">
+              <a:lnSpc>
+                <a:spcPct val="90000"/>
+              </a:lnSpc>
+              <a:spcBef>
+                <a:spcPts val="570"/>
+              </a:spcBef>
+              <a:buFont typeface="Arial" panose="020B0604020202020204" pitchFamily="34" charset="0"/>
+              <a:buNone/>
+              <a:defRPr sz="1800" kern="1200">
+                <a:solidFill>
+                  <a:schemeClr val="tx1"/>
+                </a:solidFill>
+                <a:latin typeface="+mn-lt"/>
+                <a:ea typeface="+mn-ea"/>
+                <a:cs typeface="+mn-cs"/>
+              </a:defRPr>
+            </a:lvl8pPr>
+            <a:lvl9pPr marL="4172224" indent="0" algn="ctr" defTabSz="1043056" rtl="0" eaLnBrk="1" latinLnBrk="0" hangingPunct="1">
+              <a:lnSpc>
+                <a:spcPct val="90000"/>
+              </a:lnSpc>
+              <a:spcBef>
+                <a:spcPts val="570"/>
+              </a:spcBef>
+              <a:buFont typeface="Arial" panose="020B0604020202020204" pitchFamily="34" charset="0"/>
+              <a:buNone/>
+              <a:defRPr sz="1800" kern="1200">
+                <a:solidFill>
+                  <a:schemeClr val="tx1"/>
+                </a:solidFill>
+                <a:latin typeface="+mn-lt"/>
+                <a:ea typeface="+mn-ea"/>
+                <a:cs typeface="+mn-cs"/>
+              </a:defRPr>
+            </a:lvl9pPr>
+          </a:lstStyle>
+          <a:p>
+            <a:pPr algn="l"/>
+            <a:r>
+              <a:rPr lang="ru-RU" sz="2400" b="1" dirty="0">
+                <a:solidFill>
+                  <a:srgbClr val="FF0000"/>
+                </a:solidFill>
+                <a:latin typeface="Fira Sans Bold"/>
+              </a:rPr>
+              <a:t>Результаты</a:t>
+            </a:r>
+            <a:r>
+              <a:rPr lang="en-US" sz="2400" b="1" dirty="0">
+                <a:solidFill>
+                  <a:srgbClr val="FF0000"/>
+                </a:solidFill>
+                <a:latin typeface="Fira Sans Bold"/>
+              </a:rPr>
+              <a:t>?</a:t>
+            </a:r>
+            <a:endParaRPr lang="ru-RU" sz="2400" b="1" dirty="0">
+              <a:solidFill>
+                <a:srgbClr val="FF0000"/>
+              </a:solidFill>
+              <a:latin typeface="Fira Sans Bold"/>
+            </a:endParaRPr>
+          </a:p>
+        </p:txBody>
+      </p:sp>
+      <p:sp>
+        <p:nvSpPr>
+          <p:cNvPr id="3" name="TextBox 2">
+            <a:extLst>
+              <a:ext uri="{FF2B5EF4-FFF2-40B4-BE49-F238E27FC236}">
+                <a16:creationId xmlns:a16="http://schemas.microsoft.com/office/drawing/2014/main" id="{458FE5EA-74A4-D7F5-614B-372D69528E16}"/>
+              </a:ext>
+            </a:extLst>
+          </p:cNvPr>
+          <p:cNvSpPr txBox="1"/>
+          <p:nvPr/>
+        </p:nvSpPr>
+        <p:spPr>
+          <a:xfrm>
+            <a:off x="1530220" y="3178629"/>
+            <a:ext cx="3659784" cy="415498"/>
+          </a:xfrm>
+          <a:prstGeom prst="rect">
+            <a:avLst/>
+          </a:prstGeom>
+          <a:noFill/>
+        </p:spPr>
+        <p:txBody>
+          <a:bodyPr wrap="none" rtlCol="0">
+            <a:spAutoFit/>
+          </a:bodyPr>
+          <a:lstStyle/>
+          <a:p>
+            <a:r>
+              <a:rPr lang="ru-RU" dirty="0"/>
+              <a:t>Статус решения задач</a:t>
+            </a:r>
+            <a:r>
+              <a:rPr lang="en-US" dirty="0"/>
+              <a:t>, </a:t>
+            </a:r>
+            <a:r>
+              <a:rPr lang="ru-RU" dirty="0"/>
+              <a:t>стадия.</a:t>
+            </a:r>
+          </a:p>
+        </p:txBody>
+      </p:sp>
+    </p:spTree>
+    <p:extLst>
+      <p:ext uri="{BB962C8B-B14F-4D97-AF65-F5344CB8AC3E}">
+        <p14:creationId xmlns:p14="http://schemas.microsoft.com/office/powerpoint/2010/main" val="4135370623"/>
+      </p:ext>
+    </p:extLst>
+  </p:cSld>
+  <p:clrMapOvr>
+    <a:masterClrMapping/>
+  </p:clrMapOvr>
+</p:sld>
+</file>
+
+<file path=ppt/slides/slide17.xml><?xml version="1.0" encoding="utf-8"?>
+<p:sld xmlns:a="http://schemas.openxmlformats.org/drawingml/2006/main" xmlns:r="http://schemas.openxmlformats.org/officeDocument/2006/relationships" xmlns:p="http://schemas.openxmlformats.org/presentationml/2006/main">
+  <p:cSld>
+    <p:spTree>
+      <p:nvGrpSpPr>
+        <p:cNvPr id="1" name="">
+          <a:extLst>
+            <a:ext uri="{FF2B5EF4-FFF2-40B4-BE49-F238E27FC236}">
+              <a16:creationId xmlns:a16="http://schemas.microsoft.com/office/drawing/2014/main" id="{DC9EBEA5-E7C9-6453-C078-D8F1D0C91439}"/>
+            </a:ext>
+          </a:extLst>
+        </p:cNvPr>
+        <p:cNvGrpSpPr/>
+        <p:nvPr/>
+      </p:nvGrpSpPr>
+      <p:grpSpPr>
+        <a:xfrm>
+          <a:off x="0" y="0"/>
+          <a:ext cx="0" cy="0"/>
+          <a:chOff x="0" y="0"/>
+          <a:chExt cx="0" cy="0"/>
+        </a:xfrm>
+      </p:grpSpPr>
+      <p:pic>
+        <p:nvPicPr>
+          <p:cNvPr id="4" name="Рисунок 3">
+            <a:extLst>
+              <a:ext uri="{FF2B5EF4-FFF2-40B4-BE49-F238E27FC236}">
+                <a16:creationId xmlns:a16="http://schemas.microsoft.com/office/drawing/2014/main" id="{46E4218A-B1D1-DDB9-5654-B59810019D93}"/>
+              </a:ext>
+            </a:extLst>
+          </p:cNvPr>
+          <p:cNvPicPr>
+            <a:picLocks noChangeAspect="1"/>
+          </p:cNvPicPr>
+          <p:nvPr/>
+        </p:nvPicPr>
+        <p:blipFill>
+          <a:blip r:embed="rId2" cstate="print">
+            <a:extLst>
+              <a:ext uri="{28A0092B-C50C-407E-A947-70E740481C1C}">
+                <a14:useLocalDpi xmlns:a14="http://schemas.microsoft.com/office/drawing/2010/main" val="0"/>
+              </a:ext>
+            </a:extLst>
+          </a:blip>
+          <a:stretch>
+            <a:fillRect/>
+          </a:stretch>
+        </p:blipFill>
+        <p:spPr>
+          <a:xfrm>
+            <a:off x="7624270" y="292582"/>
+            <a:ext cx="1137667" cy="686375"/>
+          </a:xfrm>
+          <a:prstGeom prst="rect">
+            <a:avLst/>
+          </a:prstGeom>
+        </p:spPr>
+      </p:pic>
+      <p:cxnSp>
+        <p:nvCxnSpPr>
+          <p:cNvPr id="5" name="Прямая соединительная линия 4">
+            <a:extLst>
+              <a:ext uri="{FF2B5EF4-FFF2-40B4-BE49-F238E27FC236}">
+                <a16:creationId xmlns:a16="http://schemas.microsoft.com/office/drawing/2014/main" id="{59DF7B5B-3B2B-1790-44C9-6377FCDA9E71}"/>
+              </a:ext>
+            </a:extLst>
+          </p:cNvPr>
+          <p:cNvCxnSpPr/>
+          <p:nvPr/>
+        </p:nvCxnSpPr>
+        <p:spPr>
+          <a:xfrm>
+            <a:off x="507368" y="1035253"/>
+            <a:ext cx="926088" cy="0"/>
+          </a:xfrm>
+          <a:prstGeom prst="line">
+            <a:avLst/>
+          </a:prstGeom>
+          <a:ln w="38100">
+            <a:solidFill>
+              <a:srgbClr val="00B0F0"/>
+            </a:solidFill>
+          </a:ln>
+        </p:spPr>
+        <p:style>
+          <a:lnRef idx="1">
+            <a:schemeClr val="accent1"/>
+          </a:lnRef>
+          <a:fillRef idx="0">
+            <a:schemeClr val="accent1"/>
+          </a:fillRef>
+          <a:effectRef idx="0">
+            <a:schemeClr val="accent1"/>
+          </a:effectRef>
+          <a:fontRef idx="minor">
+            <a:schemeClr val="tx1"/>
+          </a:fontRef>
+        </p:style>
+      </p:cxnSp>
+      <p:pic>
+        <p:nvPicPr>
+          <p:cNvPr id="2" name="Рисунок 1">
+            <a:extLst>
+              <a:ext uri="{FF2B5EF4-FFF2-40B4-BE49-F238E27FC236}">
+                <a16:creationId xmlns:a16="http://schemas.microsoft.com/office/drawing/2014/main" id="{BE4B0DA8-E1DF-5CC2-9645-49BD3CCAAC21}"/>
+              </a:ext>
+            </a:extLst>
+          </p:cNvPr>
+          <p:cNvPicPr>
+            <a:picLocks noChangeAspect="1"/>
+          </p:cNvPicPr>
+          <p:nvPr/>
+        </p:nvPicPr>
+        <p:blipFill>
+          <a:blip r:embed="rId3" cstate="print">
+            <a:extLst>
+              <a:ext uri="{28A0092B-C50C-407E-A947-70E740481C1C}">
+                <a14:useLocalDpi xmlns:a14="http://schemas.microsoft.com/office/drawing/2010/main" val="0"/>
+              </a:ext>
+            </a:extLst>
+          </a:blip>
+          <a:stretch>
+            <a:fillRect/>
+          </a:stretch>
+        </p:blipFill>
+        <p:spPr>
+          <a:xfrm>
+            <a:off x="9399474" y="335279"/>
+            <a:ext cx="885385" cy="572613"/>
+          </a:xfrm>
+          <a:prstGeom prst="rect">
+            <a:avLst/>
+          </a:prstGeom>
+        </p:spPr>
+      </p:pic>
+      <p:cxnSp>
+        <p:nvCxnSpPr>
+          <p:cNvPr id="11" name="Прямая соединительная линия 10">
+            <a:extLst>
+              <a:ext uri="{FF2B5EF4-FFF2-40B4-BE49-F238E27FC236}">
+                <a16:creationId xmlns:a16="http://schemas.microsoft.com/office/drawing/2014/main" id="{359F8E2B-AA5A-E508-C24E-E0206FE41311}"/>
+              </a:ext>
+            </a:extLst>
+          </p:cNvPr>
+          <p:cNvCxnSpPr/>
+          <p:nvPr/>
+        </p:nvCxnSpPr>
+        <p:spPr>
+          <a:xfrm>
+            <a:off x="9059117" y="403860"/>
+            <a:ext cx="0" cy="495354"/>
+          </a:xfrm>
+          <a:prstGeom prst="line">
+            <a:avLst/>
+          </a:prstGeom>
+          <a:ln w="28575">
+            <a:solidFill>
+              <a:srgbClr val="00B0F0"/>
+            </a:solidFill>
+          </a:ln>
+        </p:spPr>
+        <p:style>
+          <a:lnRef idx="1">
+            <a:schemeClr val="accent1"/>
+          </a:lnRef>
+          <a:fillRef idx="0">
+            <a:schemeClr val="accent1"/>
+          </a:fillRef>
+          <a:effectRef idx="0">
+            <a:schemeClr val="accent1"/>
+          </a:effectRef>
+          <a:fontRef idx="minor">
+            <a:schemeClr val="tx1"/>
+          </a:fontRef>
+        </p:style>
+      </p:cxnSp>
+      <p:sp>
+        <p:nvSpPr>
+          <p:cNvPr id="14" name="Подзаголовок 2">
+            <a:extLst>
+              <a:ext uri="{FF2B5EF4-FFF2-40B4-BE49-F238E27FC236}">
+                <a16:creationId xmlns:a16="http://schemas.microsoft.com/office/drawing/2014/main" id="{1B9D0520-2624-EEAF-47B5-61ACDAAAC0B0}"/>
+              </a:ext>
+            </a:extLst>
+          </p:cNvPr>
+          <p:cNvSpPr txBox="1">
+            <a:spLocks/>
+          </p:cNvSpPr>
+          <p:nvPr/>
+        </p:nvSpPr>
+        <p:spPr>
+          <a:xfrm>
+            <a:off x="404325" y="520115"/>
+            <a:ext cx="6582408" cy="515138"/>
+          </a:xfrm>
+          <a:prstGeom prst="rect">
+            <a:avLst/>
+          </a:prstGeom>
+        </p:spPr>
+        <p:txBody>
+          <a:bodyPr vert="horz" lIns="104306" tIns="52153" rIns="104306" bIns="52153" rtlCol="0">
+            <a:normAutofit/>
+          </a:bodyPr>
+          <a:lstStyle>
+            <a:lvl1pPr marL="0" indent="0" algn="ctr" defTabSz="1043056" rtl="0" eaLnBrk="1" latinLnBrk="0" hangingPunct="1">
+              <a:lnSpc>
+                <a:spcPct val="90000"/>
+              </a:lnSpc>
+              <a:spcBef>
+                <a:spcPts val="1141"/>
+              </a:spcBef>
+              <a:buFont typeface="Arial" panose="020B0604020202020204" pitchFamily="34" charset="0"/>
+              <a:buNone/>
+              <a:defRPr sz="2700" kern="1200">
+                <a:solidFill>
+                  <a:schemeClr val="tx1"/>
+                </a:solidFill>
+                <a:latin typeface="+mn-lt"/>
+                <a:ea typeface="+mn-ea"/>
+                <a:cs typeface="+mn-cs"/>
+              </a:defRPr>
+            </a:lvl1pPr>
+            <a:lvl2pPr marL="521528" indent="0" algn="ctr" defTabSz="1043056" rtl="0" eaLnBrk="1" latinLnBrk="0" hangingPunct="1">
+              <a:lnSpc>
+                <a:spcPct val="90000"/>
+              </a:lnSpc>
+              <a:spcBef>
+                <a:spcPts val="570"/>
+              </a:spcBef>
+              <a:buFont typeface="Arial" panose="020B0604020202020204" pitchFamily="34" charset="0"/>
+              <a:buNone/>
+              <a:defRPr sz="2300" kern="1200">
+                <a:solidFill>
+                  <a:schemeClr val="tx1"/>
+                </a:solidFill>
+                <a:latin typeface="+mn-lt"/>
+                <a:ea typeface="+mn-ea"/>
+                <a:cs typeface="+mn-cs"/>
+              </a:defRPr>
+            </a:lvl2pPr>
+            <a:lvl3pPr marL="1043056" indent="0" algn="ctr" defTabSz="1043056" rtl="0" eaLnBrk="1" latinLnBrk="0" hangingPunct="1">
+              <a:lnSpc>
+                <a:spcPct val="90000"/>
+              </a:lnSpc>
+              <a:spcBef>
+                <a:spcPts val="570"/>
+              </a:spcBef>
+              <a:buFont typeface="Arial" panose="020B0604020202020204" pitchFamily="34" charset="0"/>
+              <a:buNone/>
+              <a:defRPr sz="2100" kern="1200">
+                <a:solidFill>
+                  <a:schemeClr val="tx1"/>
+                </a:solidFill>
+                <a:latin typeface="+mn-lt"/>
+                <a:ea typeface="+mn-ea"/>
+                <a:cs typeface="+mn-cs"/>
+              </a:defRPr>
+            </a:lvl3pPr>
+            <a:lvl4pPr marL="1564584" indent="0" algn="ctr" defTabSz="1043056" rtl="0" eaLnBrk="1" latinLnBrk="0" hangingPunct="1">
+              <a:lnSpc>
+                <a:spcPct val="90000"/>
+              </a:lnSpc>
+              <a:spcBef>
+                <a:spcPts val="570"/>
+              </a:spcBef>
+              <a:buFont typeface="Arial" panose="020B0604020202020204" pitchFamily="34" charset="0"/>
+              <a:buNone/>
+              <a:defRPr sz="1800" kern="1200">
+                <a:solidFill>
+                  <a:schemeClr val="tx1"/>
+                </a:solidFill>
+                <a:latin typeface="+mn-lt"/>
+                <a:ea typeface="+mn-ea"/>
+                <a:cs typeface="+mn-cs"/>
+              </a:defRPr>
+            </a:lvl4pPr>
+            <a:lvl5pPr marL="2086112" indent="0" algn="ctr" defTabSz="1043056" rtl="0" eaLnBrk="1" latinLnBrk="0" hangingPunct="1">
+              <a:lnSpc>
+                <a:spcPct val="90000"/>
+              </a:lnSpc>
+              <a:spcBef>
+                <a:spcPts val="570"/>
+              </a:spcBef>
+              <a:buFont typeface="Arial" panose="020B0604020202020204" pitchFamily="34" charset="0"/>
+              <a:buNone/>
+              <a:defRPr sz="1800" kern="1200">
+                <a:solidFill>
+                  <a:schemeClr val="tx1"/>
+                </a:solidFill>
+                <a:latin typeface="+mn-lt"/>
+                <a:ea typeface="+mn-ea"/>
+                <a:cs typeface="+mn-cs"/>
+              </a:defRPr>
+            </a:lvl5pPr>
+            <a:lvl6pPr marL="2607640" indent="0" algn="ctr" defTabSz="1043056" rtl="0" eaLnBrk="1" latinLnBrk="0" hangingPunct="1">
+              <a:lnSpc>
+                <a:spcPct val="90000"/>
+              </a:lnSpc>
+              <a:spcBef>
+                <a:spcPts val="570"/>
+              </a:spcBef>
+              <a:buFont typeface="Arial" panose="020B0604020202020204" pitchFamily="34" charset="0"/>
+              <a:buNone/>
+              <a:defRPr sz="1800" kern="1200">
+                <a:solidFill>
+                  <a:schemeClr val="tx1"/>
+                </a:solidFill>
+                <a:latin typeface="+mn-lt"/>
+                <a:ea typeface="+mn-ea"/>
+                <a:cs typeface="+mn-cs"/>
+              </a:defRPr>
+            </a:lvl6pPr>
+            <a:lvl7pPr marL="3129168" indent="0" algn="ctr" defTabSz="1043056" rtl="0" eaLnBrk="1" latinLnBrk="0" hangingPunct="1">
+              <a:lnSpc>
+                <a:spcPct val="90000"/>
+              </a:lnSpc>
+              <a:spcBef>
+                <a:spcPts val="570"/>
+              </a:spcBef>
+              <a:buFont typeface="Arial" panose="020B0604020202020204" pitchFamily="34" charset="0"/>
+              <a:buNone/>
+              <a:defRPr sz="1800" kern="1200">
+                <a:solidFill>
+                  <a:schemeClr val="tx1"/>
+                </a:solidFill>
+                <a:latin typeface="+mn-lt"/>
+                <a:ea typeface="+mn-ea"/>
+                <a:cs typeface="+mn-cs"/>
+              </a:defRPr>
+            </a:lvl7pPr>
+            <a:lvl8pPr marL="3650696" indent="0" algn="ctr" defTabSz="1043056" rtl="0" eaLnBrk="1" latinLnBrk="0" hangingPunct="1">
+              <a:lnSpc>
+                <a:spcPct val="90000"/>
+              </a:lnSpc>
+              <a:spcBef>
+                <a:spcPts val="570"/>
+              </a:spcBef>
+              <a:buFont typeface="Arial" panose="020B0604020202020204" pitchFamily="34" charset="0"/>
+              <a:buNone/>
+              <a:defRPr sz="1800" kern="1200">
+                <a:solidFill>
+                  <a:schemeClr val="tx1"/>
+                </a:solidFill>
+                <a:latin typeface="+mn-lt"/>
+                <a:ea typeface="+mn-ea"/>
+                <a:cs typeface="+mn-cs"/>
+              </a:defRPr>
+            </a:lvl8pPr>
+            <a:lvl9pPr marL="4172224" indent="0" algn="ctr" defTabSz="1043056" rtl="0" eaLnBrk="1" latinLnBrk="0" hangingPunct="1">
+              <a:lnSpc>
+                <a:spcPct val="90000"/>
+              </a:lnSpc>
+              <a:spcBef>
+                <a:spcPts val="570"/>
+              </a:spcBef>
+              <a:buFont typeface="Arial" panose="020B0604020202020204" pitchFamily="34" charset="0"/>
+              <a:buNone/>
+              <a:defRPr sz="1800" kern="1200">
+                <a:solidFill>
+                  <a:schemeClr val="tx1"/>
+                </a:solidFill>
+                <a:latin typeface="+mn-lt"/>
+                <a:ea typeface="+mn-ea"/>
+                <a:cs typeface="+mn-cs"/>
+              </a:defRPr>
+            </a:lvl9pPr>
+          </a:lstStyle>
+          <a:p>
+            <a:pPr algn="l"/>
+            <a:r>
+              <a:rPr lang="ru-RU" sz="2400" b="1" dirty="0">
+                <a:solidFill>
+                  <a:srgbClr val="FF0000"/>
+                </a:solidFill>
+                <a:latin typeface="Fira Sans Bold"/>
+              </a:rPr>
+              <a:t>публикации</a:t>
+            </a:r>
+          </a:p>
+        </p:txBody>
+      </p:sp>
+      <p:sp>
+        <p:nvSpPr>
+          <p:cNvPr id="6" name="TextBox 5">
+            <a:extLst>
+              <a:ext uri="{FF2B5EF4-FFF2-40B4-BE49-F238E27FC236}">
+                <a16:creationId xmlns:a16="http://schemas.microsoft.com/office/drawing/2014/main" id="{34AC10E1-B53C-6562-9D8B-D61E89D60CB3}"/>
+              </a:ext>
+            </a:extLst>
+          </p:cNvPr>
+          <p:cNvSpPr txBox="1"/>
+          <p:nvPr/>
+        </p:nvSpPr>
+        <p:spPr>
+          <a:xfrm>
+            <a:off x="507368" y="1660849"/>
+            <a:ext cx="3108672" cy="415498"/>
+          </a:xfrm>
+          <a:prstGeom prst="rect">
+            <a:avLst/>
+          </a:prstGeom>
+          <a:noFill/>
+        </p:spPr>
+        <p:txBody>
+          <a:bodyPr wrap="none" rtlCol="0">
+            <a:spAutoFit/>
+          </a:bodyPr>
+          <a:lstStyle/>
+          <a:p>
+            <a:r>
+              <a:rPr lang="ru-RU" dirty="0"/>
+              <a:t>Что есть</a:t>
+            </a:r>
+            <a:r>
+              <a:rPr lang="en-US" dirty="0"/>
+              <a:t>, </a:t>
+            </a:r>
+            <a:r>
+              <a:rPr lang="ru-RU" dirty="0"/>
+              <a:t>что планируется</a:t>
+            </a:r>
+          </a:p>
+        </p:txBody>
+      </p:sp>
+    </p:spTree>
+    <p:extLst>
+      <p:ext uri="{BB962C8B-B14F-4D97-AF65-F5344CB8AC3E}">
+        <p14:creationId xmlns:p14="http://schemas.microsoft.com/office/powerpoint/2010/main" val="1587843365"/>
+      </p:ext>
+    </p:extLst>
+  </p:cSld>
+  <p:clrMapOvr>
+    <a:masterClrMapping/>
+  </p:clrMapOvr>
+</p:sld>
+</file>
+
+<file path=ppt/slides/slide18.xml><?xml version="1.0" encoding="utf-8"?>
+<p:sld xmlns:a="http://schemas.openxmlformats.org/drawingml/2006/main" xmlns:r="http://schemas.openxmlformats.org/officeDocument/2006/relationships" xmlns:p="http://schemas.openxmlformats.org/presentationml/2006/main">
+  <p:cSld>
+    <p:spTree>
+      <p:nvGrpSpPr>
+        <p:cNvPr id="1" name="">
+          <a:extLst>
+            <a:ext uri="{FF2B5EF4-FFF2-40B4-BE49-F238E27FC236}">
+              <a16:creationId xmlns:a16="http://schemas.microsoft.com/office/drawing/2014/main" id="{26A82F9B-F3FC-CE8C-1C68-1C5571B4E19A}"/>
+            </a:ext>
+          </a:extLst>
+        </p:cNvPr>
+        <p:cNvGrpSpPr/>
+        <p:nvPr/>
+      </p:nvGrpSpPr>
+      <p:grpSpPr>
+        <a:xfrm>
+          <a:off x="0" y="0"/>
+          <a:ext cx="0" cy="0"/>
+          <a:chOff x="0" y="0"/>
+          <a:chExt cx="0" cy="0"/>
+        </a:xfrm>
+      </p:grpSpPr>
+    </p:spTree>
+    <p:extLst>
+      <p:ext uri="{BB962C8B-B14F-4D97-AF65-F5344CB8AC3E}">
+        <p14:creationId xmlns:p14="http://schemas.microsoft.com/office/powerpoint/2010/main" val="3061074135"/>
+      </p:ext>
+    </p:extLst>
+  </p:cSld>
+  <p:clrMapOvr>
+    <a:masterClrMapping/>
+  </p:clrMapOvr>
+</p:sld>
+</file>
+
+<file path=ppt/slides/slide19.xml><?xml version="1.0" encoding="utf-8"?>
 <p:sld xmlns:a="http://schemas.openxmlformats.org/drawingml/2006/main" xmlns:r="http://schemas.openxmlformats.org/officeDocument/2006/relationships" xmlns:p="http://schemas.openxmlformats.org/presentationml/2006/main">
   <p:cSld>
     <p:spTree>
@@ -13577,7 +15078,635 @@
 </p:sld>
 </file>
 
-<file path=ppt/slides/slide16.xml><?xml version="1.0" encoding="utf-8"?>
+<file path=ppt/slides/slide2.xml><?xml version="1.0" encoding="utf-8"?>
+<p:sld xmlns:a="http://schemas.openxmlformats.org/drawingml/2006/main" xmlns:r="http://schemas.openxmlformats.org/officeDocument/2006/relationships" xmlns:p="http://schemas.openxmlformats.org/presentationml/2006/main">
+  <p:cSld>
+    <p:spTree>
+      <p:nvGrpSpPr>
+        <p:cNvPr id="1" name=""/>
+        <p:cNvGrpSpPr/>
+        <p:nvPr/>
+      </p:nvGrpSpPr>
+      <p:grpSpPr>
+        <a:xfrm>
+          <a:off x="0" y="0"/>
+          <a:ext cx="0" cy="0"/>
+          <a:chOff x="0" y="0"/>
+          <a:chExt cx="0" cy="0"/>
+        </a:xfrm>
+      </p:grpSpPr>
+      <p:pic>
+        <p:nvPicPr>
+          <p:cNvPr id="4" name="Рисунок 3"/>
+          <p:cNvPicPr>
+            <a:picLocks noChangeAspect="1"/>
+          </p:cNvPicPr>
+          <p:nvPr/>
+        </p:nvPicPr>
+        <p:blipFill>
+          <a:blip r:embed="rId3" cstate="print">
+            <a:extLst>
+              <a:ext uri="{28A0092B-C50C-407E-A947-70E740481C1C}">
+                <a14:useLocalDpi xmlns:a14="http://schemas.microsoft.com/office/drawing/2010/main" val="0"/>
+              </a:ext>
+            </a:extLst>
+          </a:blip>
+          <a:stretch>
+            <a:fillRect/>
+          </a:stretch>
+        </p:blipFill>
+        <p:spPr>
+          <a:xfrm>
+            <a:off x="7624270" y="110482"/>
+            <a:ext cx="1137667" cy="686375"/>
+          </a:xfrm>
+          <a:prstGeom prst="rect">
+            <a:avLst/>
+          </a:prstGeom>
+        </p:spPr>
+      </p:pic>
+      <p:cxnSp>
+        <p:nvCxnSpPr>
+          <p:cNvPr id="5" name="Прямая соединительная линия 4"/>
+          <p:cNvCxnSpPr/>
+          <p:nvPr/>
+        </p:nvCxnSpPr>
+        <p:spPr>
+          <a:xfrm>
+            <a:off x="582672" y="999000"/>
+            <a:ext cx="926088" cy="0"/>
+          </a:xfrm>
+          <a:prstGeom prst="line">
+            <a:avLst/>
+          </a:prstGeom>
+          <a:ln w="38100">
+            <a:solidFill>
+              <a:srgbClr val="00B0F0"/>
+            </a:solidFill>
+          </a:ln>
+        </p:spPr>
+        <p:style>
+          <a:lnRef idx="1">
+            <a:schemeClr val="accent1"/>
+          </a:lnRef>
+          <a:fillRef idx="0">
+            <a:schemeClr val="accent1"/>
+          </a:fillRef>
+          <a:effectRef idx="0">
+            <a:schemeClr val="accent1"/>
+          </a:effectRef>
+          <a:fontRef idx="minor">
+            <a:schemeClr val="tx1"/>
+          </a:fontRef>
+        </p:style>
+      </p:cxnSp>
+      <p:pic>
+        <p:nvPicPr>
+          <p:cNvPr id="2" name="Рисунок 1"/>
+          <p:cNvPicPr>
+            <a:picLocks noChangeAspect="1"/>
+          </p:cNvPicPr>
+          <p:nvPr/>
+        </p:nvPicPr>
+        <p:blipFill>
+          <a:blip r:embed="rId4" cstate="print">
+            <a:extLst>
+              <a:ext uri="{28A0092B-C50C-407E-A947-70E740481C1C}">
+                <a14:useLocalDpi xmlns:a14="http://schemas.microsoft.com/office/drawing/2010/main" val="0"/>
+              </a:ext>
+            </a:extLst>
+          </a:blip>
+          <a:stretch>
+            <a:fillRect/>
+          </a:stretch>
+        </p:blipFill>
+        <p:spPr>
+          <a:xfrm>
+            <a:off x="9399474" y="153179"/>
+            <a:ext cx="885385" cy="572613"/>
+          </a:xfrm>
+          <a:prstGeom prst="rect">
+            <a:avLst/>
+          </a:prstGeom>
+        </p:spPr>
+      </p:pic>
+      <p:cxnSp>
+        <p:nvCxnSpPr>
+          <p:cNvPr id="11" name="Прямая соединительная линия 10"/>
+          <p:cNvCxnSpPr/>
+          <p:nvPr/>
+        </p:nvCxnSpPr>
+        <p:spPr>
+          <a:xfrm>
+            <a:off x="9059117" y="221760"/>
+            <a:ext cx="0" cy="495354"/>
+          </a:xfrm>
+          <a:prstGeom prst="line">
+            <a:avLst/>
+          </a:prstGeom>
+          <a:ln w="28575">
+            <a:solidFill>
+              <a:srgbClr val="00B0F0"/>
+            </a:solidFill>
+          </a:ln>
+        </p:spPr>
+        <p:style>
+          <a:lnRef idx="1">
+            <a:schemeClr val="accent1"/>
+          </a:lnRef>
+          <a:fillRef idx="0">
+            <a:schemeClr val="accent1"/>
+          </a:fillRef>
+          <a:effectRef idx="0">
+            <a:schemeClr val="accent1"/>
+          </a:effectRef>
+          <a:fontRef idx="minor">
+            <a:schemeClr val="tx1"/>
+          </a:fontRef>
+        </p:style>
+      </p:cxnSp>
+      <p:sp>
+        <p:nvSpPr>
+          <p:cNvPr id="14" name="Подзаголовок 2"/>
+          <p:cNvSpPr txBox="1">
+            <a:spLocks/>
+          </p:cNvSpPr>
+          <p:nvPr/>
+        </p:nvSpPr>
+        <p:spPr>
+          <a:xfrm>
+            <a:off x="460177" y="387265"/>
+            <a:ext cx="6582408" cy="515138"/>
+          </a:xfrm>
+          <a:prstGeom prst="rect">
+            <a:avLst/>
+          </a:prstGeom>
+        </p:spPr>
+        <p:txBody>
+          <a:bodyPr vert="horz" lIns="104306" tIns="52153" rIns="104306" bIns="52153" rtlCol="0">
+            <a:normAutofit/>
+          </a:bodyPr>
+          <a:lstStyle>
+            <a:lvl1pPr marL="0" indent="0" algn="ctr" defTabSz="1043056" rtl="0" eaLnBrk="1" latinLnBrk="0" hangingPunct="1">
+              <a:lnSpc>
+                <a:spcPct val="90000"/>
+              </a:lnSpc>
+              <a:spcBef>
+                <a:spcPts val="1141"/>
+              </a:spcBef>
+              <a:buFont typeface="Arial" panose="020B0604020202020204" pitchFamily="34" charset="0"/>
+              <a:buNone/>
+              <a:defRPr sz="2700" kern="1200">
+                <a:solidFill>
+                  <a:schemeClr val="tx1"/>
+                </a:solidFill>
+                <a:latin typeface="+mn-lt"/>
+                <a:ea typeface="+mn-ea"/>
+                <a:cs typeface="+mn-cs"/>
+              </a:defRPr>
+            </a:lvl1pPr>
+            <a:lvl2pPr marL="521528" indent="0" algn="ctr" defTabSz="1043056" rtl="0" eaLnBrk="1" latinLnBrk="0" hangingPunct="1">
+              <a:lnSpc>
+                <a:spcPct val="90000"/>
+              </a:lnSpc>
+              <a:spcBef>
+                <a:spcPts val="570"/>
+              </a:spcBef>
+              <a:buFont typeface="Arial" panose="020B0604020202020204" pitchFamily="34" charset="0"/>
+              <a:buNone/>
+              <a:defRPr sz="2300" kern="1200">
+                <a:solidFill>
+                  <a:schemeClr val="tx1"/>
+                </a:solidFill>
+                <a:latin typeface="+mn-lt"/>
+                <a:ea typeface="+mn-ea"/>
+                <a:cs typeface="+mn-cs"/>
+              </a:defRPr>
+            </a:lvl2pPr>
+            <a:lvl3pPr marL="1043056" indent="0" algn="ctr" defTabSz="1043056" rtl="0" eaLnBrk="1" latinLnBrk="0" hangingPunct="1">
+              <a:lnSpc>
+                <a:spcPct val="90000"/>
+              </a:lnSpc>
+              <a:spcBef>
+                <a:spcPts val="570"/>
+              </a:spcBef>
+              <a:buFont typeface="Arial" panose="020B0604020202020204" pitchFamily="34" charset="0"/>
+              <a:buNone/>
+              <a:defRPr sz="2100" kern="1200">
+                <a:solidFill>
+                  <a:schemeClr val="tx1"/>
+                </a:solidFill>
+                <a:latin typeface="+mn-lt"/>
+                <a:ea typeface="+mn-ea"/>
+                <a:cs typeface="+mn-cs"/>
+              </a:defRPr>
+            </a:lvl3pPr>
+            <a:lvl4pPr marL="1564584" indent="0" algn="ctr" defTabSz="1043056" rtl="0" eaLnBrk="1" latinLnBrk="0" hangingPunct="1">
+              <a:lnSpc>
+                <a:spcPct val="90000"/>
+              </a:lnSpc>
+              <a:spcBef>
+                <a:spcPts val="570"/>
+              </a:spcBef>
+              <a:buFont typeface="Arial" panose="020B0604020202020204" pitchFamily="34" charset="0"/>
+              <a:buNone/>
+              <a:defRPr sz="1800" kern="1200">
+                <a:solidFill>
+                  <a:schemeClr val="tx1"/>
+                </a:solidFill>
+                <a:latin typeface="+mn-lt"/>
+                <a:ea typeface="+mn-ea"/>
+                <a:cs typeface="+mn-cs"/>
+              </a:defRPr>
+            </a:lvl4pPr>
+            <a:lvl5pPr marL="2086112" indent="0" algn="ctr" defTabSz="1043056" rtl="0" eaLnBrk="1" latinLnBrk="0" hangingPunct="1">
+              <a:lnSpc>
+                <a:spcPct val="90000"/>
+              </a:lnSpc>
+              <a:spcBef>
+                <a:spcPts val="570"/>
+              </a:spcBef>
+              <a:buFont typeface="Arial" panose="020B0604020202020204" pitchFamily="34" charset="0"/>
+              <a:buNone/>
+              <a:defRPr sz="1800" kern="1200">
+                <a:solidFill>
+                  <a:schemeClr val="tx1"/>
+                </a:solidFill>
+                <a:latin typeface="+mn-lt"/>
+                <a:ea typeface="+mn-ea"/>
+                <a:cs typeface="+mn-cs"/>
+              </a:defRPr>
+            </a:lvl5pPr>
+            <a:lvl6pPr marL="2607640" indent="0" algn="ctr" defTabSz="1043056" rtl="0" eaLnBrk="1" latinLnBrk="0" hangingPunct="1">
+              <a:lnSpc>
+                <a:spcPct val="90000"/>
+              </a:lnSpc>
+              <a:spcBef>
+                <a:spcPts val="570"/>
+              </a:spcBef>
+              <a:buFont typeface="Arial" panose="020B0604020202020204" pitchFamily="34" charset="0"/>
+              <a:buNone/>
+              <a:defRPr sz="1800" kern="1200">
+                <a:solidFill>
+                  <a:schemeClr val="tx1"/>
+                </a:solidFill>
+                <a:latin typeface="+mn-lt"/>
+                <a:ea typeface="+mn-ea"/>
+                <a:cs typeface="+mn-cs"/>
+              </a:defRPr>
+            </a:lvl6pPr>
+            <a:lvl7pPr marL="3129168" indent="0" algn="ctr" defTabSz="1043056" rtl="0" eaLnBrk="1" latinLnBrk="0" hangingPunct="1">
+              <a:lnSpc>
+                <a:spcPct val="90000"/>
+              </a:lnSpc>
+              <a:spcBef>
+                <a:spcPts val="570"/>
+              </a:spcBef>
+              <a:buFont typeface="Arial" panose="020B0604020202020204" pitchFamily="34" charset="0"/>
+              <a:buNone/>
+              <a:defRPr sz="1800" kern="1200">
+                <a:solidFill>
+                  <a:schemeClr val="tx1"/>
+                </a:solidFill>
+                <a:latin typeface="+mn-lt"/>
+                <a:ea typeface="+mn-ea"/>
+                <a:cs typeface="+mn-cs"/>
+              </a:defRPr>
+            </a:lvl7pPr>
+            <a:lvl8pPr marL="3650696" indent="0" algn="ctr" defTabSz="1043056" rtl="0" eaLnBrk="1" latinLnBrk="0" hangingPunct="1">
+              <a:lnSpc>
+                <a:spcPct val="90000"/>
+              </a:lnSpc>
+              <a:spcBef>
+                <a:spcPts val="570"/>
+              </a:spcBef>
+              <a:buFont typeface="Arial" panose="020B0604020202020204" pitchFamily="34" charset="0"/>
+              <a:buNone/>
+              <a:defRPr sz="1800" kern="1200">
+                <a:solidFill>
+                  <a:schemeClr val="tx1"/>
+                </a:solidFill>
+                <a:latin typeface="+mn-lt"/>
+                <a:ea typeface="+mn-ea"/>
+                <a:cs typeface="+mn-cs"/>
+              </a:defRPr>
+            </a:lvl8pPr>
+            <a:lvl9pPr marL="4172224" indent="0" algn="ctr" defTabSz="1043056" rtl="0" eaLnBrk="1" latinLnBrk="0" hangingPunct="1">
+              <a:lnSpc>
+                <a:spcPct val="90000"/>
+              </a:lnSpc>
+              <a:spcBef>
+                <a:spcPts val="570"/>
+              </a:spcBef>
+              <a:buFont typeface="Arial" panose="020B0604020202020204" pitchFamily="34" charset="0"/>
+              <a:buNone/>
+              <a:defRPr sz="1800" kern="1200">
+                <a:solidFill>
+                  <a:schemeClr val="tx1"/>
+                </a:solidFill>
+                <a:latin typeface="+mn-lt"/>
+                <a:ea typeface="+mn-ea"/>
+                <a:cs typeface="+mn-cs"/>
+              </a:defRPr>
+            </a:lvl9pPr>
+          </a:lstStyle>
+          <a:p>
+            <a:pPr algn="l"/>
+            <a:r>
+              <a:rPr lang="ru-RU" sz="2400" b="1" dirty="0">
+                <a:latin typeface="Fira Sans Bold"/>
+              </a:rPr>
+              <a:t>Актуальность проблема</a:t>
+            </a:r>
+          </a:p>
+        </p:txBody>
+      </p:sp>
+      <p:sp>
+        <p:nvSpPr>
+          <p:cNvPr id="15" name="Подзаголовок 2"/>
+          <p:cNvSpPr txBox="1">
+            <a:spLocks/>
+          </p:cNvSpPr>
+          <p:nvPr/>
+        </p:nvSpPr>
+        <p:spPr>
+          <a:xfrm>
+            <a:off x="355181" y="1170243"/>
+            <a:ext cx="9783667" cy="948430"/>
+          </a:xfrm>
+          <a:prstGeom prst="rect">
+            <a:avLst/>
+          </a:prstGeom>
+        </p:spPr>
+        <p:txBody>
+          <a:bodyPr vert="horz" lIns="104306" tIns="52153" rIns="104306" bIns="52153" rtlCol="0">
+            <a:normAutofit fontScale="92500"/>
+          </a:bodyPr>
+          <a:lstStyle>
+            <a:lvl1pPr marL="0" indent="0" algn="ctr" defTabSz="1043056" rtl="0" eaLnBrk="1" latinLnBrk="0" hangingPunct="1">
+              <a:lnSpc>
+                <a:spcPct val="90000"/>
+              </a:lnSpc>
+              <a:spcBef>
+                <a:spcPts val="1141"/>
+              </a:spcBef>
+              <a:buFont typeface="Arial" panose="020B0604020202020204" pitchFamily="34" charset="0"/>
+              <a:buNone/>
+              <a:defRPr sz="2700" kern="1200">
+                <a:solidFill>
+                  <a:schemeClr val="tx1"/>
+                </a:solidFill>
+                <a:latin typeface="+mn-lt"/>
+                <a:ea typeface="+mn-ea"/>
+                <a:cs typeface="+mn-cs"/>
+              </a:defRPr>
+            </a:lvl1pPr>
+            <a:lvl2pPr marL="521528" indent="0" algn="ctr" defTabSz="1043056" rtl="0" eaLnBrk="1" latinLnBrk="0" hangingPunct="1">
+              <a:lnSpc>
+                <a:spcPct val="90000"/>
+              </a:lnSpc>
+              <a:spcBef>
+                <a:spcPts val="570"/>
+              </a:spcBef>
+              <a:buFont typeface="Arial" panose="020B0604020202020204" pitchFamily="34" charset="0"/>
+              <a:buNone/>
+              <a:defRPr sz="2300" kern="1200">
+                <a:solidFill>
+                  <a:schemeClr val="tx1"/>
+                </a:solidFill>
+                <a:latin typeface="+mn-lt"/>
+                <a:ea typeface="+mn-ea"/>
+                <a:cs typeface="+mn-cs"/>
+              </a:defRPr>
+            </a:lvl2pPr>
+            <a:lvl3pPr marL="1043056" indent="0" algn="ctr" defTabSz="1043056" rtl="0" eaLnBrk="1" latinLnBrk="0" hangingPunct="1">
+              <a:lnSpc>
+                <a:spcPct val="90000"/>
+              </a:lnSpc>
+              <a:spcBef>
+                <a:spcPts val="570"/>
+              </a:spcBef>
+              <a:buFont typeface="Arial" panose="020B0604020202020204" pitchFamily="34" charset="0"/>
+              <a:buNone/>
+              <a:defRPr sz="2100" kern="1200">
+                <a:solidFill>
+                  <a:schemeClr val="tx1"/>
+                </a:solidFill>
+                <a:latin typeface="+mn-lt"/>
+                <a:ea typeface="+mn-ea"/>
+                <a:cs typeface="+mn-cs"/>
+              </a:defRPr>
+            </a:lvl3pPr>
+            <a:lvl4pPr marL="1564584" indent="0" algn="ctr" defTabSz="1043056" rtl="0" eaLnBrk="1" latinLnBrk="0" hangingPunct="1">
+              <a:lnSpc>
+                <a:spcPct val="90000"/>
+              </a:lnSpc>
+              <a:spcBef>
+                <a:spcPts val="570"/>
+              </a:spcBef>
+              <a:buFont typeface="Arial" panose="020B0604020202020204" pitchFamily="34" charset="0"/>
+              <a:buNone/>
+              <a:defRPr sz="1800" kern="1200">
+                <a:solidFill>
+                  <a:schemeClr val="tx1"/>
+                </a:solidFill>
+                <a:latin typeface="+mn-lt"/>
+                <a:ea typeface="+mn-ea"/>
+                <a:cs typeface="+mn-cs"/>
+              </a:defRPr>
+            </a:lvl4pPr>
+            <a:lvl5pPr marL="2086112" indent="0" algn="ctr" defTabSz="1043056" rtl="0" eaLnBrk="1" latinLnBrk="0" hangingPunct="1">
+              <a:lnSpc>
+                <a:spcPct val="90000"/>
+              </a:lnSpc>
+              <a:spcBef>
+                <a:spcPts val="570"/>
+              </a:spcBef>
+              <a:buFont typeface="Arial" panose="020B0604020202020204" pitchFamily="34" charset="0"/>
+              <a:buNone/>
+              <a:defRPr sz="1800" kern="1200">
+                <a:solidFill>
+                  <a:schemeClr val="tx1"/>
+                </a:solidFill>
+                <a:latin typeface="+mn-lt"/>
+                <a:ea typeface="+mn-ea"/>
+                <a:cs typeface="+mn-cs"/>
+              </a:defRPr>
+            </a:lvl5pPr>
+            <a:lvl6pPr marL="2607640" indent="0" algn="ctr" defTabSz="1043056" rtl="0" eaLnBrk="1" latinLnBrk="0" hangingPunct="1">
+              <a:lnSpc>
+                <a:spcPct val="90000"/>
+              </a:lnSpc>
+              <a:spcBef>
+                <a:spcPts val="570"/>
+              </a:spcBef>
+              <a:buFont typeface="Arial" panose="020B0604020202020204" pitchFamily="34" charset="0"/>
+              <a:buNone/>
+              <a:defRPr sz="1800" kern="1200">
+                <a:solidFill>
+                  <a:schemeClr val="tx1"/>
+                </a:solidFill>
+                <a:latin typeface="+mn-lt"/>
+                <a:ea typeface="+mn-ea"/>
+                <a:cs typeface="+mn-cs"/>
+              </a:defRPr>
+            </a:lvl6pPr>
+            <a:lvl7pPr marL="3129168" indent="0" algn="ctr" defTabSz="1043056" rtl="0" eaLnBrk="1" latinLnBrk="0" hangingPunct="1">
+              <a:lnSpc>
+                <a:spcPct val="90000"/>
+              </a:lnSpc>
+              <a:spcBef>
+                <a:spcPts val="570"/>
+              </a:spcBef>
+              <a:buFont typeface="Arial" panose="020B0604020202020204" pitchFamily="34" charset="0"/>
+              <a:buNone/>
+              <a:defRPr sz="1800" kern="1200">
+                <a:solidFill>
+                  <a:schemeClr val="tx1"/>
+                </a:solidFill>
+                <a:latin typeface="+mn-lt"/>
+                <a:ea typeface="+mn-ea"/>
+                <a:cs typeface="+mn-cs"/>
+              </a:defRPr>
+            </a:lvl7pPr>
+            <a:lvl8pPr marL="3650696" indent="0" algn="ctr" defTabSz="1043056" rtl="0" eaLnBrk="1" latinLnBrk="0" hangingPunct="1">
+              <a:lnSpc>
+                <a:spcPct val="90000"/>
+              </a:lnSpc>
+              <a:spcBef>
+                <a:spcPts val="570"/>
+              </a:spcBef>
+              <a:buFont typeface="Arial" panose="020B0604020202020204" pitchFamily="34" charset="0"/>
+              <a:buNone/>
+              <a:defRPr sz="1800" kern="1200">
+                <a:solidFill>
+                  <a:schemeClr val="tx1"/>
+                </a:solidFill>
+                <a:latin typeface="+mn-lt"/>
+                <a:ea typeface="+mn-ea"/>
+                <a:cs typeface="+mn-cs"/>
+              </a:defRPr>
+            </a:lvl8pPr>
+            <a:lvl9pPr marL="4172224" indent="0" algn="ctr" defTabSz="1043056" rtl="0" eaLnBrk="1" latinLnBrk="0" hangingPunct="1">
+              <a:lnSpc>
+                <a:spcPct val="90000"/>
+              </a:lnSpc>
+              <a:spcBef>
+                <a:spcPts val="570"/>
+              </a:spcBef>
+              <a:buFont typeface="Arial" panose="020B0604020202020204" pitchFamily="34" charset="0"/>
+              <a:buNone/>
+              <a:defRPr sz="1800" kern="1200">
+                <a:solidFill>
+                  <a:schemeClr val="tx1"/>
+                </a:solidFill>
+                <a:latin typeface="+mn-lt"/>
+                <a:ea typeface="+mn-ea"/>
+                <a:cs typeface="+mn-cs"/>
+              </a:defRPr>
+            </a:lvl9pPr>
+          </a:lstStyle>
+          <a:p>
+            <a:pPr algn="l"/>
+            <a:r>
+              <a:rPr lang="ru-RU" dirty="0"/>
+              <a:t>Вовлечение в разработку залежей с аномальными термобарическими условиями – актуальный вызов для нефтегазовой отрасли.</a:t>
+            </a:r>
+          </a:p>
+        </p:txBody>
+      </p:sp>
+      <p:pic>
+        <p:nvPicPr>
+          <p:cNvPr id="1208" name="Рисунок 1207">
+            <a:extLst>
+              <a:ext uri="{FF2B5EF4-FFF2-40B4-BE49-F238E27FC236}">
+                <a16:creationId xmlns:a16="http://schemas.microsoft.com/office/drawing/2014/main" id="{BE539FFE-5172-4A37-5DCA-321B21A60D2A}"/>
+              </a:ext>
+            </a:extLst>
+          </p:cNvPr>
+          <p:cNvPicPr>
+            <a:picLocks noChangeAspect="1"/>
+          </p:cNvPicPr>
+          <p:nvPr/>
+        </p:nvPicPr>
+        <p:blipFill>
+          <a:blip r:embed="rId5"/>
+          <a:stretch>
+            <a:fillRect/>
+          </a:stretch>
+        </p:blipFill>
+        <p:spPr>
+          <a:xfrm>
+            <a:off x="1897922" y="1987914"/>
+            <a:ext cx="6698186" cy="4976089"/>
+          </a:xfrm>
+          <a:prstGeom prst="rect">
+            <a:avLst/>
+          </a:prstGeom>
+        </p:spPr>
+      </p:pic>
+      <p:sp>
+        <p:nvSpPr>
+          <p:cNvPr id="6" name="TextBox 5">
+            <a:extLst>
+              <a:ext uri="{FF2B5EF4-FFF2-40B4-BE49-F238E27FC236}">
+                <a16:creationId xmlns:a16="http://schemas.microsoft.com/office/drawing/2014/main" id="{F1DA245E-A272-FBFD-D713-2D8E5C06DB20}"/>
+              </a:ext>
+            </a:extLst>
+          </p:cNvPr>
+          <p:cNvSpPr txBox="1"/>
+          <p:nvPr/>
+        </p:nvSpPr>
+        <p:spPr>
+          <a:xfrm>
+            <a:off x="582672" y="7003603"/>
+            <a:ext cx="9354806" cy="568041"/>
+          </a:xfrm>
+          <a:prstGeom prst="rect">
+            <a:avLst/>
+          </a:prstGeom>
+          <a:noFill/>
+        </p:spPr>
+        <p:txBody>
+          <a:bodyPr wrap="square">
+            <a:spAutoFit/>
+          </a:bodyPr>
+          <a:lstStyle/>
+          <a:p>
+            <a:pPr algn="just">
+              <a:lnSpc>
+                <a:spcPct val="115000"/>
+              </a:lnSpc>
+              <a:spcAft>
+                <a:spcPts val="1000"/>
+              </a:spcAft>
+              <a:buNone/>
+            </a:pPr>
+            <a:r>
+              <a:rPr lang="ru-RU" sz="1400" dirty="0">
+                <a:effectLst/>
+                <a:latin typeface="Times New Roman" panose="02020603050405020304" pitchFamily="18" charset="0"/>
+                <a:ea typeface="Calibri" panose="020F0502020204030204" pitchFamily="34" charset="0"/>
+              </a:rPr>
+              <a:t>Укрупненная группировка упоминаемых в публикациях месторождений на стратиграфической шкале (на основе материалов всероссийского научно-исследовательского геологического института им. А.П. Карпинского)</a:t>
+            </a:r>
+          </a:p>
+        </p:txBody>
+      </p:sp>
+    </p:spTree>
+    <p:extLst>
+      <p:ext uri="{BB962C8B-B14F-4D97-AF65-F5344CB8AC3E}">
+        <p14:creationId xmlns:p14="http://schemas.microsoft.com/office/powerpoint/2010/main" val="1699579028"/>
+      </p:ext>
+    </p:extLst>
+  </p:cSld>
+  <p:clrMapOvr>
+    <a:masterClrMapping/>
+  </p:clrMapOvr>
+</p:sld>
+</file>
+
+<file path=ppt/slides/slide20.xml><?xml version="1.0" encoding="utf-8"?>
 <p:sld xmlns:a="http://schemas.openxmlformats.org/drawingml/2006/main" xmlns:r="http://schemas.openxmlformats.org/officeDocument/2006/relationships" xmlns:p="http://schemas.openxmlformats.org/presentationml/2006/main">
   <p:cSld>
     <p:spTree>
@@ -14023,7 +16152,7 @@
           <p:nvPr/>
         </p:nvPicPr>
         <p:blipFill>
-          <a:blip r:embed="rId4">
+          <a:blip r:embed="rId4" cstate="print">
             <a:extLst>
               <a:ext uri="{28A0092B-C50C-407E-A947-70E740481C1C}">
                 <a14:useLocalDpi xmlns:a14="http://schemas.microsoft.com/office/drawing/2010/main" val="0"/>
@@ -14048,2189 +16177,6 @@
     <p:extLst>
       <p:ext uri="{BB962C8B-B14F-4D97-AF65-F5344CB8AC3E}">
         <p14:creationId xmlns:p14="http://schemas.microsoft.com/office/powerpoint/2010/main" val="2965178356"/>
-      </p:ext>
-    </p:extLst>
-  </p:cSld>
-  <p:clrMapOvr>
-    <a:masterClrMapping/>
-  </p:clrMapOvr>
-</p:sld>
-</file>
-
-<file path=ppt/slides/slide17.xml><?xml version="1.0" encoding="utf-8"?>
-<p:sld xmlns:a="http://schemas.openxmlformats.org/drawingml/2006/main" xmlns:r="http://schemas.openxmlformats.org/officeDocument/2006/relationships" xmlns:p="http://schemas.openxmlformats.org/presentationml/2006/main">
-  <p:cSld>
-    <p:spTree>
-      <p:nvGrpSpPr>
-        <p:cNvPr id="1" name="">
-          <a:extLst>
-            <a:ext uri="{FF2B5EF4-FFF2-40B4-BE49-F238E27FC236}">
-              <a16:creationId xmlns:a16="http://schemas.microsoft.com/office/drawing/2014/main" id="{6AD23572-5A79-C474-BE15-3944CAA32A88}"/>
-            </a:ext>
-          </a:extLst>
-        </p:cNvPr>
-        <p:cNvGrpSpPr/>
-        <p:nvPr/>
-      </p:nvGrpSpPr>
-      <p:grpSpPr>
-        <a:xfrm>
-          <a:off x="0" y="0"/>
-          <a:ext cx="0" cy="0"/>
-          <a:chOff x="0" y="0"/>
-          <a:chExt cx="0" cy="0"/>
-        </a:xfrm>
-      </p:grpSpPr>
-      <p:pic>
-        <p:nvPicPr>
-          <p:cNvPr id="4" name="Рисунок 3">
-            <a:extLst>
-              <a:ext uri="{FF2B5EF4-FFF2-40B4-BE49-F238E27FC236}">
-                <a16:creationId xmlns:a16="http://schemas.microsoft.com/office/drawing/2014/main" id="{15CCE0E8-6615-4394-FA7A-982CEAA004A6}"/>
-              </a:ext>
-            </a:extLst>
-          </p:cNvPr>
-          <p:cNvPicPr>
-            <a:picLocks noChangeAspect="1"/>
-          </p:cNvPicPr>
-          <p:nvPr/>
-        </p:nvPicPr>
-        <p:blipFill>
-          <a:blip r:embed="rId2" cstate="print">
-            <a:extLst>
-              <a:ext uri="{28A0092B-C50C-407E-A947-70E740481C1C}">
-                <a14:useLocalDpi xmlns:a14="http://schemas.microsoft.com/office/drawing/2010/main" val="0"/>
-              </a:ext>
-            </a:extLst>
-          </a:blip>
-          <a:stretch>
-            <a:fillRect/>
-          </a:stretch>
-        </p:blipFill>
-        <p:spPr>
-          <a:xfrm>
-            <a:off x="7624270" y="292582"/>
-            <a:ext cx="1137667" cy="686375"/>
-          </a:xfrm>
-          <a:prstGeom prst="rect">
-            <a:avLst/>
-          </a:prstGeom>
-        </p:spPr>
-      </p:pic>
-      <p:cxnSp>
-        <p:nvCxnSpPr>
-          <p:cNvPr id="5" name="Прямая соединительная линия 4">
-            <a:extLst>
-              <a:ext uri="{FF2B5EF4-FFF2-40B4-BE49-F238E27FC236}">
-                <a16:creationId xmlns:a16="http://schemas.microsoft.com/office/drawing/2014/main" id="{1B463376-2F6D-A0AD-7632-EA3A91B5EB1C}"/>
-              </a:ext>
-            </a:extLst>
-          </p:cNvPr>
-          <p:cNvCxnSpPr/>
-          <p:nvPr/>
-        </p:nvCxnSpPr>
-        <p:spPr>
-          <a:xfrm>
-            <a:off x="507368" y="1035253"/>
-            <a:ext cx="926088" cy="0"/>
-          </a:xfrm>
-          <a:prstGeom prst="line">
-            <a:avLst/>
-          </a:prstGeom>
-          <a:ln w="38100">
-            <a:solidFill>
-              <a:srgbClr val="00B0F0"/>
-            </a:solidFill>
-          </a:ln>
-        </p:spPr>
-        <p:style>
-          <a:lnRef idx="1">
-            <a:schemeClr val="accent1"/>
-          </a:lnRef>
-          <a:fillRef idx="0">
-            <a:schemeClr val="accent1"/>
-          </a:fillRef>
-          <a:effectRef idx="0">
-            <a:schemeClr val="accent1"/>
-          </a:effectRef>
-          <a:fontRef idx="minor">
-            <a:schemeClr val="tx1"/>
-          </a:fontRef>
-        </p:style>
-      </p:cxnSp>
-      <p:pic>
-        <p:nvPicPr>
-          <p:cNvPr id="2" name="Рисунок 1">
-            <a:extLst>
-              <a:ext uri="{FF2B5EF4-FFF2-40B4-BE49-F238E27FC236}">
-                <a16:creationId xmlns:a16="http://schemas.microsoft.com/office/drawing/2014/main" id="{060B25DE-6FF1-310D-C5FE-043D2B7A5026}"/>
-              </a:ext>
-            </a:extLst>
-          </p:cNvPr>
-          <p:cNvPicPr>
-            <a:picLocks noChangeAspect="1"/>
-          </p:cNvPicPr>
-          <p:nvPr/>
-        </p:nvPicPr>
-        <p:blipFill>
-          <a:blip r:embed="rId3" cstate="print">
-            <a:extLst>
-              <a:ext uri="{28A0092B-C50C-407E-A947-70E740481C1C}">
-                <a14:useLocalDpi xmlns:a14="http://schemas.microsoft.com/office/drawing/2010/main" val="0"/>
-              </a:ext>
-            </a:extLst>
-          </a:blip>
-          <a:stretch>
-            <a:fillRect/>
-          </a:stretch>
-        </p:blipFill>
-        <p:spPr>
-          <a:xfrm>
-            <a:off x="9399474" y="335279"/>
-            <a:ext cx="885385" cy="572613"/>
-          </a:xfrm>
-          <a:prstGeom prst="rect">
-            <a:avLst/>
-          </a:prstGeom>
-        </p:spPr>
-      </p:pic>
-      <p:cxnSp>
-        <p:nvCxnSpPr>
-          <p:cNvPr id="11" name="Прямая соединительная линия 10">
-            <a:extLst>
-              <a:ext uri="{FF2B5EF4-FFF2-40B4-BE49-F238E27FC236}">
-                <a16:creationId xmlns:a16="http://schemas.microsoft.com/office/drawing/2014/main" id="{642EA8D1-50C4-2D99-4998-5C8CB4EEFA3E}"/>
-              </a:ext>
-            </a:extLst>
-          </p:cNvPr>
-          <p:cNvCxnSpPr/>
-          <p:nvPr/>
-        </p:nvCxnSpPr>
-        <p:spPr>
-          <a:xfrm>
-            <a:off x="9059117" y="403860"/>
-            <a:ext cx="0" cy="495354"/>
-          </a:xfrm>
-          <a:prstGeom prst="line">
-            <a:avLst/>
-          </a:prstGeom>
-          <a:ln w="28575">
-            <a:solidFill>
-              <a:srgbClr val="00B0F0"/>
-            </a:solidFill>
-          </a:ln>
-        </p:spPr>
-        <p:style>
-          <a:lnRef idx="1">
-            <a:schemeClr val="accent1"/>
-          </a:lnRef>
-          <a:fillRef idx="0">
-            <a:schemeClr val="accent1"/>
-          </a:fillRef>
-          <a:effectRef idx="0">
-            <a:schemeClr val="accent1"/>
-          </a:effectRef>
-          <a:fontRef idx="minor">
-            <a:schemeClr val="tx1"/>
-          </a:fontRef>
-        </p:style>
-      </p:cxnSp>
-      <p:sp>
-        <p:nvSpPr>
-          <p:cNvPr id="14" name="Подзаголовок 2">
-            <a:extLst>
-              <a:ext uri="{FF2B5EF4-FFF2-40B4-BE49-F238E27FC236}">
-                <a16:creationId xmlns:a16="http://schemas.microsoft.com/office/drawing/2014/main" id="{0CD6DB45-2B69-2F4F-F993-9DE50310DDC0}"/>
-              </a:ext>
-            </a:extLst>
-          </p:cNvPr>
-          <p:cNvSpPr txBox="1">
-            <a:spLocks/>
-          </p:cNvSpPr>
-          <p:nvPr/>
-        </p:nvSpPr>
-        <p:spPr>
-          <a:xfrm>
-            <a:off x="404325" y="520115"/>
-            <a:ext cx="6582408" cy="515138"/>
-          </a:xfrm>
-          <a:prstGeom prst="rect">
-            <a:avLst/>
-          </a:prstGeom>
-        </p:spPr>
-        <p:txBody>
-          <a:bodyPr vert="horz" lIns="104306" tIns="52153" rIns="104306" bIns="52153" rtlCol="0">
-            <a:normAutofit/>
-          </a:bodyPr>
-          <a:lstStyle>
-            <a:lvl1pPr marL="0" indent="0" algn="ctr" defTabSz="1043056" rtl="0" eaLnBrk="1" latinLnBrk="0" hangingPunct="1">
-              <a:lnSpc>
-                <a:spcPct val="90000"/>
-              </a:lnSpc>
-              <a:spcBef>
-                <a:spcPts val="1141"/>
-              </a:spcBef>
-              <a:buFont typeface="Arial" panose="020B0604020202020204" pitchFamily="34" charset="0"/>
-              <a:buNone/>
-              <a:defRPr sz="2700" kern="1200">
-                <a:solidFill>
-                  <a:schemeClr val="tx1"/>
-                </a:solidFill>
-                <a:latin typeface="+mn-lt"/>
-                <a:ea typeface="+mn-ea"/>
-                <a:cs typeface="+mn-cs"/>
-              </a:defRPr>
-            </a:lvl1pPr>
-            <a:lvl2pPr marL="521528" indent="0" algn="ctr" defTabSz="1043056" rtl="0" eaLnBrk="1" latinLnBrk="0" hangingPunct="1">
-              <a:lnSpc>
-                <a:spcPct val="90000"/>
-              </a:lnSpc>
-              <a:spcBef>
-                <a:spcPts val="570"/>
-              </a:spcBef>
-              <a:buFont typeface="Arial" panose="020B0604020202020204" pitchFamily="34" charset="0"/>
-              <a:buNone/>
-              <a:defRPr sz="2300" kern="1200">
-                <a:solidFill>
-                  <a:schemeClr val="tx1"/>
-                </a:solidFill>
-                <a:latin typeface="+mn-lt"/>
-                <a:ea typeface="+mn-ea"/>
-                <a:cs typeface="+mn-cs"/>
-              </a:defRPr>
-            </a:lvl2pPr>
-            <a:lvl3pPr marL="1043056" indent="0" algn="ctr" defTabSz="1043056" rtl="0" eaLnBrk="1" latinLnBrk="0" hangingPunct="1">
-              <a:lnSpc>
-                <a:spcPct val="90000"/>
-              </a:lnSpc>
-              <a:spcBef>
-                <a:spcPts val="570"/>
-              </a:spcBef>
-              <a:buFont typeface="Arial" panose="020B0604020202020204" pitchFamily="34" charset="0"/>
-              <a:buNone/>
-              <a:defRPr sz="2100" kern="1200">
-                <a:solidFill>
-                  <a:schemeClr val="tx1"/>
-                </a:solidFill>
-                <a:latin typeface="+mn-lt"/>
-                <a:ea typeface="+mn-ea"/>
-                <a:cs typeface="+mn-cs"/>
-              </a:defRPr>
-            </a:lvl3pPr>
-            <a:lvl4pPr marL="1564584" indent="0" algn="ctr" defTabSz="1043056" rtl="0" eaLnBrk="1" latinLnBrk="0" hangingPunct="1">
-              <a:lnSpc>
-                <a:spcPct val="90000"/>
-              </a:lnSpc>
-              <a:spcBef>
-                <a:spcPts val="570"/>
-              </a:spcBef>
-              <a:buFont typeface="Arial" panose="020B0604020202020204" pitchFamily="34" charset="0"/>
-              <a:buNone/>
-              <a:defRPr sz="1800" kern="1200">
-                <a:solidFill>
-                  <a:schemeClr val="tx1"/>
-                </a:solidFill>
-                <a:latin typeface="+mn-lt"/>
-                <a:ea typeface="+mn-ea"/>
-                <a:cs typeface="+mn-cs"/>
-              </a:defRPr>
-            </a:lvl4pPr>
-            <a:lvl5pPr marL="2086112" indent="0" algn="ctr" defTabSz="1043056" rtl="0" eaLnBrk="1" latinLnBrk="0" hangingPunct="1">
-              <a:lnSpc>
-                <a:spcPct val="90000"/>
-              </a:lnSpc>
-              <a:spcBef>
-                <a:spcPts val="570"/>
-              </a:spcBef>
-              <a:buFont typeface="Arial" panose="020B0604020202020204" pitchFamily="34" charset="0"/>
-              <a:buNone/>
-              <a:defRPr sz="1800" kern="1200">
-                <a:solidFill>
-                  <a:schemeClr val="tx1"/>
-                </a:solidFill>
-                <a:latin typeface="+mn-lt"/>
-                <a:ea typeface="+mn-ea"/>
-                <a:cs typeface="+mn-cs"/>
-              </a:defRPr>
-            </a:lvl5pPr>
-            <a:lvl6pPr marL="2607640" indent="0" algn="ctr" defTabSz="1043056" rtl="0" eaLnBrk="1" latinLnBrk="0" hangingPunct="1">
-              <a:lnSpc>
-                <a:spcPct val="90000"/>
-              </a:lnSpc>
-              <a:spcBef>
-                <a:spcPts val="570"/>
-              </a:spcBef>
-              <a:buFont typeface="Arial" panose="020B0604020202020204" pitchFamily="34" charset="0"/>
-              <a:buNone/>
-              <a:defRPr sz="1800" kern="1200">
-                <a:solidFill>
-                  <a:schemeClr val="tx1"/>
-                </a:solidFill>
-                <a:latin typeface="+mn-lt"/>
-                <a:ea typeface="+mn-ea"/>
-                <a:cs typeface="+mn-cs"/>
-              </a:defRPr>
-            </a:lvl6pPr>
-            <a:lvl7pPr marL="3129168" indent="0" algn="ctr" defTabSz="1043056" rtl="0" eaLnBrk="1" latinLnBrk="0" hangingPunct="1">
-              <a:lnSpc>
-                <a:spcPct val="90000"/>
-              </a:lnSpc>
-              <a:spcBef>
-                <a:spcPts val="570"/>
-              </a:spcBef>
-              <a:buFont typeface="Arial" panose="020B0604020202020204" pitchFamily="34" charset="0"/>
-              <a:buNone/>
-              <a:defRPr sz="1800" kern="1200">
-                <a:solidFill>
-                  <a:schemeClr val="tx1"/>
-                </a:solidFill>
-                <a:latin typeface="+mn-lt"/>
-                <a:ea typeface="+mn-ea"/>
-                <a:cs typeface="+mn-cs"/>
-              </a:defRPr>
-            </a:lvl7pPr>
-            <a:lvl8pPr marL="3650696" indent="0" algn="ctr" defTabSz="1043056" rtl="0" eaLnBrk="1" latinLnBrk="0" hangingPunct="1">
-              <a:lnSpc>
-                <a:spcPct val="90000"/>
-              </a:lnSpc>
-              <a:spcBef>
-                <a:spcPts val="570"/>
-              </a:spcBef>
-              <a:buFont typeface="Arial" panose="020B0604020202020204" pitchFamily="34" charset="0"/>
-              <a:buNone/>
-              <a:defRPr sz="1800" kern="1200">
-                <a:solidFill>
-                  <a:schemeClr val="tx1"/>
-                </a:solidFill>
-                <a:latin typeface="+mn-lt"/>
-                <a:ea typeface="+mn-ea"/>
-                <a:cs typeface="+mn-cs"/>
-              </a:defRPr>
-            </a:lvl8pPr>
-            <a:lvl9pPr marL="4172224" indent="0" algn="ctr" defTabSz="1043056" rtl="0" eaLnBrk="1" latinLnBrk="0" hangingPunct="1">
-              <a:lnSpc>
-                <a:spcPct val="90000"/>
-              </a:lnSpc>
-              <a:spcBef>
-                <a:spcPts val="570"/>
-              </a:spcBef>
-              <a:buFont typeface="Arial" panose="020B0604020202020204" pitchFamily="34" charset="0"/>
-              <a:buNone/>
-              <a:defRPr sz="1800" kern="1200">
-                <a:solidFill>
-                  <a:schemeClr val="tx1"/>
-                </a:solidFill>
-                <a:latin typeface="+mn-lt"/>
-                <a:ea typeface="+mn-ea"/>
-                <a:cs typeface="+mn-cs"/>
-              </a:defRPr>
-            </a:lvl9pPr>
-          </a:lstStyle>
-          <a:p>
-            <a:pPr algn="l"/>
-            <a:r>
-              <a:rPr lang="ru-RU" sz="2400" b="1" dirty="0">
-                <a:solidFill>
-                  <a:srgbClr val="FF0000"/>
-                </a:solidFill>
-                <a:latin typeface="Fira Sans Bold"/>
-              </a:rPr>
-              <a:t>Результаты</a:t>
-            </a:r>
-            <a:r>
-              <a:rPr lang="en-US" sz="2400" b="1" dirty="0">
-                <a:solidFill>
-                  <a:srgbClr val="FF0000"/>
-                </a:solidFill>
-                <a:latin typeface="Fira Sans Bold"/>
-              </a:rPr>
-              <a:t>?</a:t>
-            </a:r>
-            <a:endParaRPr lang="ru-RU" sz="2400" b="1" dirty="0">
-              <a:solidFill>
-                <a:srgbClr val="FF0000"/>
-              </a:solidFill>
-              <a:latin typeface="Fira Sans Bold"/>
-            </a:endParaRPr>
-          </a:p>
-        </p:txBody>
-      </p:sp>
-    </p:spTree>
-    <p:extLst>
-      <p:ext uri="{BB962C8B-B14F-4D97-AF65-F5344CB8AC3E}">
-        <p14:creationId xmlns:p14="http://schemas.microsoft.com/office/powerpoint/2010/main" val="4135370623"/>
-      </p:ext>
-    </p:extLst>
-  </p:cSld>
-  <p:clrMapOvr>
-    <a:masterClrMapping/>
-  </p:clrMapOvr>
-</p:sld>
-</file>
-
-<file path=ppt/slides/slide18.xml><?xml version="1.0" encoding="utf-8"?>
-<p:sld xmlns:a="http://schemas.openxmlformats.org/drawingml/2006/main" xmlns:r="http://schemas.openxmlformats.org/officeDocument/2006/relationships" xmlns:p="http://schemas.openxmlformats.org/presentationml/2006/main">
-  <p:cSld>
-    <p:spTree>
-      <p:nvGrpSpPr>
-        <p:cNvPr id="1" name=""/>
-        <p:cNvGrpSpPr/>
-        <p:nvPr/>
-      </p:nvGrpSpPr>
-      <p:grpSpPr>
-        <a:xfrm>
-          <a:off x="0" y="0"/>
-          <a:ext cx="0" cy="0"/>
-          <a:chOff x="0" y="0"/>
-          <a:chExt cx="0" cy="0"/>
-        </a:xfrm>
-      </p:grpSpPr>
-      <p:pic>
-        <p:nvPicPr>
-          <p:cNvPr id="4" name="Рисунок 3"/>
-          <p:cNvPicPr>
-            <a:picLocks noChangeAspect="1"/>
-          </p:cNvPicPr>
-          <p:nvPr/>
-        </p:nvPicPr>
-        <p:blipFill>
-          <a:blip r:embed="rId3" cstate="print">
-            <a:extLst>
-              <a:ext uri="{28A0092B-C50C-407E-A947-70E740481C1C}">
-                <a14:useLocalDpi xmlns:a14="http://schemas.microsoft.com/office/drawing/2010/main" val="0"/>
-              </a:ext>
-            </a:extLst>
-          </a:blip>
-          <a:stretch>
-            <a:fillRect/>
-          </a:stretch>
-        </p:blipFill>
-        <p:spPr>
-          <a:xfrm>
-            <a:off x="7624270" y="452602"/>
-            <a:ext cx="1137667" cy="686375"/>
-          </a:xfrm>
-          <a:prstGeom prst="rect">
-            <a:avLst/>
-          </a:prstGeom>
-        </p:spPr>
-      </p:pic>
-      <p:cxnSp>
-        <p:nvCxnSpPr>
-          <p:cNvPr id="5" name="Прямая соединительная линия 4"/>
-          <p:cNvCxnSpPr/>
-          <p:nvPr/>
-        </p:nvCxnSpPr>
-        <p:spPr>
-          <a:xfrm>
-            <a:off x="582672" y="1341120"/>
-            <a:ext cx="926088" cy="0"/>
-          </a:xfrm>
-          <a:prstGeom prst="line">
-            <a:avLst/>
-          </a:prstGeom>
-          <a:ln w="38100">
-            <a:solidFill>
-              <a:srgbClr val="00B0F0"/>
-            </a:solidFill>
-          </a:ln>
-        </p:spPr>
-        <p:style>
-          <a:lnRef idx="1">
-            <a:schemeClr val="accent1"/>
-          </a:lnRef>
-          <a:fillRef idx="0">
-            <a:schemeClr val="accent1"/>
-          </a:fillRef>
-          <a:effectRef idx="0">
-            <a:schemeClr val="accent1"/>
-          </a:effectRef>
-          <a:fontRef idx="minor">
-            <a:schemeClr val="tx1"/>
-          </a:fontRef>
-        </p:style>
-      </p:cxnSp>
-      <p:pic>
-        <p:nvPicPr>
-          <p:cNvPr id="2" name="Рисунок 1"/>
-          <p:cNvPicPr>
-            <a:picLocks noChangeAspect="1"/>
-          </p:cNvPicPr>
-          <p:nvPr/>
-        </p:nvPicPr>
-        <p:blipFill>
-          <a:blip r:embed="rId4" cstate="print">
-            <a:extLst>
-              <a:ext uri="{28A0092B-C50C-407E-A947-70E740481C1C}">
-                <a14:useLocalDpi xmlns:a14="http://schemas.microsoft.com/office/drawing/2010/main" val="0"/>
-              </a:ext>
-            </a:extLst>
-          </a:blip>
-          <a:stretch>
-            <a:fillRect/>
-          </a:stretch>
-        </p:blipFill>
-        <p:spPr>
-          <a:xfrm>
-            <a:off x="9399474" y="495299"/>
-            <a:ext cx="885385" cy="572613"/>
-          </a:xfrm>
-          <a:prstGeom prst="rect">
-            <a:avLst/>
-          </a:prstGeom>
-        </p:spPr>
-      </p:pic>
-      <p:cxnSp>
-        <p:nvCxnSpPr>
-          <p:cNvPr id="11" name="Прямая соединительная линия 10"/>
-          <p:cNvCxnSpPr/>
-          <p:nvPr/>
-        </p:nvCxnSpPr>
-        <p:spPr>
-          <a:xfrm>
-            <a:off x="9059117" y="563880"/>
-            <a:ext cx="0" cy="495354"/>
-          </a:xfrm>
-          <a:prstGeom prst="line">
-            <a:avLst/>
-          </a:prstGeom>
-          <a:ln w="28575">
-            <a:solidFill>
-              <a:srgbClr val="00B0F0"/>
-            </a:solidFill>
-          </a:ln>
-        </p:spPr>
-        <p:style>
-          <a:lnRef idx="1">
-            <a:schemeClr val="accent1"/>
-          </a:lnRef>
-          <a:fillRef idx="0">
-            <a:schemeClr val="accent1"/>
-          </a:fillRef>
-          <a:effectRef idx="0">
-            <a:schemeClr val="accent1"/>
-          </a:effectRef>
-          <a:fontRef idx="minor">
-            <a:schemeClr val="tx1"/>
-          </a:fontRef>
-        </p:style>
-      </p:cxnSp>
-      <p:sp>
-        <p:nvSpPr>
-          <p:cNvPr id="14" name="Подзаголовок 2"/>
-          <p:cNvSpPr txBox="1">
-            <a:spLocks/>
-          </p:cNvSpPr>
-          <p:nvPr/>
-        </p:nvSpPr>
-        <p:spPr>
-          <a:xfrm>
-            <a:off x="460177" y="729385"/>
-            <a:ext cx="6582408" cy="515138"/>
-          </a:xfrm>
-          <a:prstGeom prst="rect">
-            <a:avLst/>
-          </a:prstGeom>
-        </p:spPr>
-        <p:txBody>
-          <a:bodyPr vert="horz" lIns="104306" tIns="52153" rIns="104306" bIns="52153" rtlCol="0">
-            <a:normAutofit/>
-          </a:bodyPr>
-          <a:lstStyle>
-            <a:lvl1pPr marL="0" indent="0" algn="ctr" defTabSz="1043056" rtl="0" eaLnBrk="1" latinLnBrk="0" hangingPunct="1">
-              <a:lnSpc>
-                <a:spcPct val="90000"/>
-              </a:lnSpc>
-              <a:spcBef>
-                <a:spcPts val="1141"/>
-              </a:spcBef>
-              <a:buFont typeface="Arial" panose="020B0604020202020204" pitchFamily="34" charset="0"/>
-              <a:buNone/>
-              <a:defRPr sz="2700" kern="1200">
-                <a:solidFill>
-                  <a:schemeClr val="tx1"/>
-                </a:solidFill>
-                <a:latin typeface="+mn-lt"/>
-                <a:ea typeface="+mn-ea"/>
-                <a:cs typeface="+mn-cs"/>
-              </a:defRPr>
-            </a:lvl1pPr>
-            <a:lvl2pPr marL="521528" indent="0" algn="ctr" defTabSz="1043056" rtl="0" eaLnBrk="1" latinLnBrk="0" hangingPunct="1">
-              <a:lnSpc>
-                <a:spcPct val="90000"/>
-              </a:lnSpc>
-              <a:spcBef>
-                <a:spcPts val="570"/>
-              </a:spcBef>
-              <a:buFont typeface="Arial" panose="020B0604020202020204" pitchFamily="34" charset="0"/>
-              <a:buNone/>
-              <a:defRPr sz="2300" kern="1200">
-                <a:solidFill>
-                  <a:schemeClr val="tx1"/>
-                </a:solidFill>
-                <a:latin typeface="+mn-lt"/>
-                <a:ea typeface="+mn-ea"/>
-                <a:cs typeface="+mn-cs"/>
-              </a:defRPr>
-            </a:lvl2pPr>
-            <a:lvl3pPr marL="1043056" indent="0" algn="ctr" defTabSz="1043056" rtl="0" eaLnBrk="1" latinLnBrk="0" hangingPunct="1">
-              <a:lnSpc>
-                <a:spcPct val="90000"/>
-              </a:lnSpc>
-              <a:spcBef>
-                <a:spcPts val="570"/>
-              </a:spcBef>
-              <a:buFont typeface="Arial" panose="020B0604020202020204" pitchFamily="34" charset="0"/>
-              <a:buNone/>
-              <a:defRPr sz="2100" kern="1200">
-                <a:solidFill>
-                  <a:schemeClr val="tx1"/>
-                </a:solidFill>
-                <a:latin typeface="+mn-lt"/>
-                <a:ea typeface="+mn-ea"/>
-                <a:cs typeface="+mn-cs"/>
-              </a:defRPr>
-            </a:lvl3pPr>
-            <a:lvl4pPr marL="1564584" indent="0" algn="ctr" defTabSz="1043056" rtl="0" eaLnBrk="1" latinLnBrk="0" hangingPunct="1">
-              <a:lnSpc>
-                <a:spcPct val="90000"/>
-              </a:lnSpc>
-              <a:spcBef>
-                <a:spcPts val="570"/>
-              </a:spcBef>
-              <a:buFont typeface="Arial" panose="020B0604020202020204" pitchFamily="34" charset="0"/>
-              <a:buNone/>
-              <a:defRPr sz="1800" kern="1200">
-                <a:solidFill>
-                  <a:schemeClr val="tx1"/>
-                </a:solidFill>
-                <a:latin typeface="+mn-lt"/>
-                <a:ea typeface="+mn-ea"/>
-                <a:cs typeface="+mn-cs"/>
-              </a:defRPr>
-            </a:lvl4pPr>
-            <a:lvl5pPr marL="2086112" indent="0" algn="ctr" defTabSz="1043056" rtl="0" eaLnBrk="1" latinLnBrk="0" hangingPunct="1">
-              <a:lnSpc>
-                <a:spcPct val="90000"/>
-              </a:lnSpc>
-              <a:spcBef>
-                <a:spcPts val="570"/>
-              </a:spcBef>
-              <a:buFont typeface="Arial" panose="020B0604020202020204" pitchFamily="34" charset="0"/>
-              <a:buNone/>
-              <a:defRPr sz="1800" kern="1200">
-                <a:solidFill>
-                  <a:schemeClr val="tx1"/>
-                </a:solidFill>
-                <a:latin typeface="+mn-lt"/>
-                <a:ea typeface="+mn-ea"/>
-                <a:cs typeface="+mn-cs"/>
-              </a:defRPr>
-            </a:lvl5pPr>
-            <a:lvl6pPr marL="2607640" indent="0" algn="ctr" defTabSz="1043056" rtl="0" eaLnBrk="1" latinLnBrk="0" hangingPunct="1">
-              <a:lnSpc>
-                <a:spcPct val="90000"/>
-              </a:lnSpc>
-              <a:spcBef>
-                <a:spcPts val="570"/>
-              </a:spcBef>
-              <a:buFont typeface="Arial" panose="020B0604020202020204" pitchFamily="34" charset="0"/>
-              <a:buNone/>
-              <a:defRPr sz="1800" kern="1200">
-                <a:solidFill>
-                  <a:schemeClr val="tx1"/>
-                </a:solidFill>
-                <a:latin typeface="+mn-lt"/>
-                <a:ea typeface="+mn-ea"/>
-                <a:cs typeface="+mn-cs"/>
-              </a:defRPr>
-            </a:lvl6pPr>
-            <a:lvl7pPr marL="3129168" indent="0" algn="ctr" defTabSz="1043056" rtl="0" eaLnBrk="1" latinLnBrk="0" hangingPunct="1">
-              <a:lnSpc>
-                <a:spcPct val="90000"/>
-              </a:lnSpc>
-              <a:spcBef>
-                <a:spcPts val="570"/>
-              </a:spcBef>
-              <a:buFont typeface="Arial" panose="020B0604020202020204" pitchFamily="34" charset="0"/>
-              <a:buNone/>
-              <a:defRPr sz="1800" kern="1200">
-                <a:solidFill>
-                  <a:schemeClr val="tx1"/>
-                </a:solidFill>
-                <a:latin typeface="+mn-lt"/>
-                <a:ea typeface="+mn-ea"/>
-                <a:cs typeface="+mn-cs"/>
-              </a:defRPr>
-            </a:lvl7pPr>
-            <a:lvl8pPr marL="3650696" indent="0" algn="ctr" defTabSz="1043056" rtl="0" eaLnBrk="1" latinLnBrk="0" hangingPunct="1">
-              <a:lnSpc>
-                <a:spcPct val="90000"/>
-              </a:lnSpc>
-              <a:spcBef>
-                <a:spcPts val="570"/>
-              </a:spcBef>
-              <a:buFont typeface="Arial" panose="020B0604020202020204" pitchFamily="34" charset="0"/>
-              <a:buNone/>
-              <a:defRPr sz="1800" kern="1200">
-                <a:solidFill>
-                  <a:schemeClr val="tx1"/>
-                </a:solidFill>
-                <a:latin typeface="+mn-lt"/>
-                <a:ea typeface="+mn-ea"/>
-                <a:cs typeface="+mn-cs"/>
-              </a:defRPr>
-            </a:lvl8pPr>
-            <a:lvl9pPr marL="4172224" indent="0" algn="ctr" defTabSz="1043056" rtl="0" eaLnBrk="1" latinLnBrk="0" hangingPunct="1">
-              <a:lnSpc>
-                <a:spcPct val="90000"/>
-              </a:lnSpc>
-              <a:spcBef>
-                <a:spcPts val="570"/>
-              </a:spcBef>
-              <a:buFont typeface="Arial" panose="020B0604020202020204" pitchFamily="34" charset="0"/>
-              <a:buNone/>
-              <a:defRPr sz="1800" kern="1200">
-                <a:solidFill>
-                  <a:schemeClr val="tx1"/>
-                </a:solidFill>
-                <a:latin typeface="+mn-lt"/>
-                <a:ea typeface="+mn-ea"/>
-                <a:cs typeface="+mn-cs"/>
-              </a:defRPr>
-            </a:lvl9pPr>
-          </a:lstStyle>
-          <a:p>
-            <a:pPr algn="l"/>
-            <a:r>
-              <a:rPr lang="ru-RU" sz="2400" b="1" dirty="0">
-                <a:latin typeface="Fira Sans Bold"/>
-              </a:rPr>
-              <a:t>Ссылки</a:t>
-            </a:r>
-          </a:p>
-        </p:txBody>
-      </p:sp>
-      <p:sp>
-        <p:nvSpPr>
-          <p:cNvPr id="15" name="Подзаголовок 2"/>
-          <p:cNvSpPr txBox="1">
-            <a:spLocks/>
-          </p:cNvSpPr>
-          <p:nvPr/>
-        </p:nvSpPr>
-        <p:spPr>
-          <a:xfrm>
-            <a:off x="460177" y="1574075"/>
-            <a:ext cx="9054176" cy="5617029"/>
-          </a:xfrm>
-          <a:prstGeom prst="rect">
-            <a:avLst/>
-          </a:prstGeom>
-        </p:spPr>
-        <p:txBody>
-          <a:bodyPr vert="horz" lIns="104306" tIns="52153" rIns="104306" bIns="52153" rtlCol="0">
-            <a:normAutofit fontScale="70000" lnSpcReduction="20000"/>
-          </a:bodyPr>
-          <a:lstStyle>
-            <a:lvl1pPr marL="0" indent="0" algn="ctr" defTabSz="1043056" rtl="0" eaLnBrk="1" latinLnBrk="0" hangingPunct="1">
-              <a:lnSpc>
-                <a:spcPct val="90000"/>
-              </a:lnSpc>
-              <a:spcBef>
-                <a:spcPts val="1141"/>
-              </a:spcBef>
-              <a:buFont typeface="Arial" panose="020B0604020202020204" pitchFamily="34" charset="0"/>
-              <a:buNone/>
-              <a:defRPr sz="2700" kern="1200">
-                <a:solidFill>
-                  <a:schemeClr val="tx1"/>
-                </a:solidFill>
-                <a:latin typeface="+mn-lt"/>
-                <a:ea typeface="+mn-ea"/>
-                <a:cs typeface="+mn-cs"/>
-              </a:defRPr>
-            </a:lvl1pPr>
-            <a:lvl2pPr marL="521528" indent="0" algn="ctr" defTabSz="1043056" rtl="0" eaLnBrk="1" latinLnBrk="0" hangingPunct="1">
-              <a:lnSpc>
-                <a:spcPct val="90000"/>
-              </a:lnSpc>
-              <a:spcBef>
-                <a:spcPts val="570"/>
-              </a:spcBef>
-              <a:buFont typeface="Arial" panose="020B0604020202020204" pitchFamily="34" charset="0"/>
-              <a:buNone/>
-              <a:defRPr sz="2300" kern="1200">
-                <a:solidFill>
-                  <a:schemeClr val="tx1"/>
-                </a:solidFill>
-                <a:latin typeface="+mn-lt"/>
-                <a:ea typeface="+mn-ea"/>
-                <a:cs typeface="+mn-cs"/>
-              </a:defRPr>
-            </a:lvl2pPr>
-            <a:lvl3pPr marL="1043056" indent="0" algn="ctr" defTabSz="1043056" rtl="0" eaLnBrk="1" latinLnBrk="0" hangingPunct="1">
-              <a:lnSpc>
-                <a:spcPct val="90000"/>
-              </a:lnSpc>
-              <a:spcBef>
-                <a:spcPts val="570"/>
-              </a:spcBef>
-              <a:buFont typeface="Arial" panose="020B0604020202020204" pitchFamily="34" charset="0"/>
-              <a:buNone/>
-              <a:defRPr sz="2100" kern="1200">
-                <a:solidFill>
-                  <a:schemeClr val="tx1"/>
-                </a:solidFill>
-                <a:latin typeface="+mn-lt"/>
-                <a:ea typeface="+mn-ea"/>
-                <a:cs typeface="+mn-cs"/>
-              </a:defRPr>
-            </a:lvl3pPr>
-            <a:lvl4pPr marL="1564584" indent="0" algn="ctr" defTabSz="1043056" rtl="0" eaLnBrk="1" latinLnBrk="0" hangingPunct="1">
-              <a:lnSpc>
-                <a:spcPct val="90000"/>
-              </a:lnSpc>
-              <a:spcBef>
-                <a:spcPts val="570"/>
-              </a:spcBef>
-              <a:buFont typeface="Arial" panose="020B0604020202020204" pitchFamily="34" charset="0"/>
-              <a:buNone/>
-              <a:defRPr sz="1800" kern="1200">
-                <a:solidFill>
-                  <a:schemeClr val="tx1"/>
-                </a:solidFill>
-                <a:latin typeface="+mn-lt"/>
-                <a:ea typeface="+mn-ea"/>
-                <a:cs typeface="+mn-cs"/>
-              </a:defRPr>
-            </a:lvl4pPr>
-            <a:lvl5pPr marL="2086112" indent="0" algn="ctr" defTabSz="1043056" rtl="0" eaLnBrk="1" latinLnBrk="0" hangingPunct="1">
-              <a:lnSpc>
-                <a:spcPct val="90000"/>
-              </a:lnSpc>
-              <a:spcBef>
-                <a:spcPts val="570"/>
-              </a:spcBef>
-              <a:buFont typeface="Arial" panose="020B0604020202020204" pitchFamily="34" charset="0"/>
-              <a:buNone/>
-              <a:defRPr sz="1800" kern="1200">
-                <a:solidFill>
-                  <a:schemeClr val="tx1"/>
-                </a:solidFill>
-                <a:latin typeface="+mn-lt"/>
-                <a:ea typeface="+mn-ea"/>
-                <a:cs typeface="+mn-cs"/>
-              </a:defRPr>
-            </a:lvl5pPr>
-            <a:lvl6pPr marL="2607640" indent="0" algn="ctr" defTabSz="1043056" rtl="0" eaLnBrk="1" latinLnBrk="0" hangingPunct="1">
-              <a:lnSpc>
-                <a:spcPct val="90000"/>
-              </a:lnSpc>
-              <a:spcBef>
-                <a:spcPts val="570"/>
-              </a:spcBef>
-              <a:buFont typeface="Arial" panose="020B0604020202020204" pitchFamily="34" charset="0"/>
-              <a:buNone/>
-              <a:defRPr sz="1800" kern="1200">
-                <a:solidFill>
-                  <a:schemeClr val="tx1"/>
-                </a:solidFill>
-                <a:latin typeface="+mn-lt"/>
-                <a:ea typeface="+mn-ea"/>
-                <a:cs typeface="+mn-cs"/>
-              </a:defRPr>
-            </a:lvl6pPr>
-            <a:lvl7pPr marL="3129168" indent="0" algn="ctr" defTabSz="1043056" rtl="0" eaLnBrk="1" latinLnBrk="0" hangingPunct="1">
-              <a:lnSpc>
-                <a:spcPct val="90000"/>
-              </a:lnSpc>
-              <a:spcBef>
-                <a:spcPts val="570"/>
-              </a:spcBef>
-              <a:buFont typeface="Arial" panose="020B0604020202020204" pitchFamily="34" charset="0"/>
-              <a:buNone/>
-              <a:defRPr sz="1800" kern="1200">
-                <a:solidFill>
-                  <a:schemeClr val="tx1"/>
-                </a:solidFill>
-                <a:latin typeface="+mn-lt"/>
-                <a:ea typeface="+mn-ea"/>
-                <a:cs typeface="+mn-cs"/>
-              </a:defRPr>
-            </a:lvl7pPr>
-            <a:lvl8pPr marL="3650696" indent="0" algn="ctr" defTabSz="1043056" rtl="0" eaLnBrk="1" latinLnBrk="0" hangingPunct="1">
-              <a:lnSpc>
-                <a:spcPct val="90000"/>
-              </a:lnSpc>
-              <a:spcBef>
-                <a:spcPts val="570"/>
-              </a:spcBef>
-              <a:buFont typeface="Arial" panose="020B0604020202020204" pitchFamily="34" charset="0"/>
-              <a:buNone/>
-              <a:defRPr sz="1800" kern="1200">
-                <a:solidFill>
-                  <a:schemeClr val="tx1"/>
-                </a:solidFill>
-                <a:latin typeface="+mn-lt"/>
-                <a:ea typeface="+mn-ea"/>
-                <a:cs typeface="+mn-cs"/>
-              </a:defRPr>
-            </a:lvl8pPr>
-            <a:lvl9pPr marL="4172224" indent="0" algn="ctr" defTabSz="1043056" rtl="0" eaLnBrk="1" latinLnBrk="0" hangingPunct="1">
-              <a:lnSpc>
-                <a:spcPct val="90000"/>
-              </a:lnSpc>
-              <a:spcBef>
-                <a:spcPts val="570"/>
-              </a:spcBef>
-              <a:buFont typeface="Arial" panose="020B0604020202020204" pitchFamily="34" charset="0"/>
-              <a:buNone/>
-              <a:defRPr sz="1800" kern="1200">
-                <a:solidFill>
-                  <a:schemeClr val="tx1"/>
-                </a:solidFill>
-                <a:latin typeface="+mn-lt"/>
-                <a:ea typeface="+mn-ea"/>
-                <a:cs typeface="+mn-cs"/>
-              </a:defRPr>
-            </a:lvl9pPr>
-          </a:lstStyle>
-          <a:p>
-            <a:pPr marL="342900" lvl="0" indent="-342900" algn="just">
-              <a:lnSpc>
-                <a:spcPct val="150000"/>
-              </a:lnSpc>
-              <a:spcBef>
-                <a:spcPts val="320"/>
-              </a:spcBef>
-              <a:buFont typeface="+mj-lt"/>
-              <a:buAutoNum type="arabicPeriod"/>
-            </a:pPr>
-            <a:r>
-              <a:rPr lang="en-US" sz="1800" dirty="0">
-                <a:effectLst/>
-                <a:latin typeface="Times New Roman" panose="02020603050405020304" pitchFamily="18" charset="0"/>
-                <a:ea typeface="Times New Roman" panose="02020603050405020304" pitchFamily="18" charset="0"/>
-              </a:rPr>
-              <a:t>High-pressure/high-temperature developments in the UK Central North Sea // Society of Petroleum Engineers. — SPE Paper No. 180034-MS. — 2016. — DOI: 10.2118/180034-MS.</a:t>
-            </a:r>
-            <a:endParaRPr lang="ru-RU" sz="1800" dirty="0">
-              <a:effectLst/>
-              <a:latin typeface="Times New Roman" panose="02020603050405020304" pitchFamily="18" charset="0"/>
-              <a:ea typeface="Times New Roman" panose="02020603050405020304" pitchFamily="18" charset="0"/>
-            </a:endParaRPr>
-          </a:p>
-          <a:p>
-            <a:pPr marL="342900" lvl="0" indent="-342900" algn="just">
-              <a:lnSpc>
-                <a:spcPct val="150000"/>
-              </a:lnSpc>
-              <a:spcBef>
-                <a:spcPts val="320"/>
-              </a:spcBef>
-              <a:buFont typeface="+mj-lt"/>
-              <a:buAutoNum type="arabicPeriod"/>
-            </a:pPr>
-            <a:r>
-              <a:rPr lang="en-US" sz="1800" dirty="0">
-                <a:effectLst/>
-                <a:latin typeface="Times New Roman" panose="02020603050405020304" pitchFamily="18" charset="0"/>
-                <a:ea typeface="Times New Roman" panose="02020603050405020304" pitchFamily="18" charset="0"/>
-              </a:rPr>
-              <a:t>Australian Petroleum Production &amp; Exploration Association (APPEA). Journal article on the Cairns Basin petroleum systems // APPEA Journal. — 2018.</a:t>
-            </a:r>
-            <a:endParaRPr lang="ru-RU" sz="1800" dirty="0">
-              <a:effectLst/>
-              <a:latin typeface="Times New Roman" panose="02020603050405020304" pitchFamily="18" charset="0"/>
-              <a:ea typeface="Times New Roman" panose="02020603050405020304" pitchFamily="18" charset="0"/>
-            </a:endParaRPr>
-          </a:p>
-          <a:p>
-            <a:pPr marL="342900" lvl="0" indent="-342900" algn="just">
-              <a:lnSpc>
-                <a:spcPct val="150000"/>
-              </a:lnSpc>
-              <a:spcBef>
-                <a:spcPts val="320"/>
-              </a:spcBef>
-              <a:buFont typeface="+mj-lt"/>
-              <a:buAutoNum type="arabicPeriod"/>
-            </a:pPr>
-            <a:r>
-              <a:rPr lang="en-US" sz="1800" dirty="0">
-                <a:effectLst/>
-                <a:latin typeface="Times New Roman" panose="02020603050405020304" pitchFamily="18" charset="0"/>
-                <a:ea typeface="Times New Roman" panose="02020603050405020304" pitchFamily="18" charset="0"/>
-              </a:rPr>
-              <a:t>Slatt R.M., O'Brien N.R. Pore types in the Barnett and Woodford gas shales: Contribution to understanding gas storage and migration pathways in fine-grained rocks // AAPG Bulletin. — 2011. — Vol. 95, No. 12. — P. 2017–2030. — DOI: 10.1306/03301110159.</a:t>
-            </a:r>
-            <a:endParaRPr lang="ru-RU" sz="1800" dirty="0">
-              <a:effectLst/>
-              <a:latin typeface="Times New Roman" panose="02020603050405020304" pitchFamily="18" charset="0"/>
-              <a:ea typeface="Times New Roman" panose="02020603050405020304" pitchFamily="18" charset="0"/>
-            </a:endParaRPr>
-          </a:p>
-          <a:p>
-            <a:pPr marL="342900" lvl="0" indent="-342900" algn="just">
-              <a:lnSpc>
-                <a:spcPct val="150000"/>
-              </a:lnSpc>
-              <a:buFont typeface="+mj-lt"/>
-              <a:buAutoNum type="arabicPeriod"/>
-            </a:pPr>
-            <a:r>
-              <a:rPr lang="ru-RU" sz="1800" dirty="0">
-                <a:effectLst/>
-                <a:latin typeface="Times New Roman" panose="02020603050405020304" pitchFamily="18" charset="0"/>
-                <a:ea typeface="Times New Roman" panose="02020603050405020304" pitchFamily="18" charset="0"/>
-              </a:rPr>
-              <a:t>Рок Флоу </a:t>
-            </a:r>
-            <a:r>
-              <a:rPr lang="ru-RU" sz="1800" dirty="0" err="1">
-                <a:effectLst/>
-                <a:latin typeface="Times New Roman" panose="02020603050405020304" pitchFamily="18" charset="0"/>
-                <a:ea typeface="Times New Roman" panose="02020603050405020304" pitchFamily="18" charset="0"/>
-              </a:rPr>
-              <a:t>Динамикс</a:t>
-            </a:r>
-            <a:r>
-              <a:rPr lang="ru-RU" sz="1800" dirty="0">
-                <a:effectLst/>
-                <a:latin typeface="Times New Roman" panose="02020603050405020304" pitchFamily="18" charset="0"/>
-                <a:ea typeface="Times New Roman" panose="02020603050405020304" pitchFamily="18" charset="0"/>
-              </a:rPr>
-              <a:t> Техническое руководство. - стр.251 изд. - 2024. - 4389 с.</a:t>
-            </a:r>
-          </a:p>
-          <a:p>
-            <a:pPr marL="342900" lvl="0" indent="-342900" algn="just">
-              <a:lnSpc>
-                <a:spcPct val="150000"/>
-              </a:lnSpc>
-              <a:buFont typeface="+mj-lt"/>
-              <a:buAutoNum type="arabicPeriod"/>
-            </a:pPr>
-            <a:r>
-              <a:rPr lang="ru-RU" sz="1800" dirty="0" err="1">
-                <a:effectLst/>
-                <a:latin typeface="Times New Roman" panose="02020603050405020304" pitchFamily="18" charset="0"/>
-                <a:ea typeface="Times New Roman" panose="02020603050405020304" pitchFamily="18" charset="0"/>
-              </a:rPr>
-              <a:t>Тройникова</a:t>
-            </a:r>
-            <a:r>
-              <a:rPr lang="ru-RU" sz="1800" dirty="0">
-                <a:effectLst/>
-                <a:latin typeface="Times New Roman" panose="02020603050405020304" pitchFamily="18" charset="0"/>
-                <a:ea typeface="Times New Roman" panose="02020603050405020304" pitchFamily="18" charset="0"/>
-              </a:rPr>
-              <a:t>, А. А. Совершенствование методов предупреждения </a:t>
-            </a:r>
-            <a:r>
-              <a:rPr lang="ru-RU" sz="1800" dirty="0" err="1">
-                <a:effectLst/>
-                <a:latin typeface="Times New Roman" panose="02020603050405020304" pitchFamily="18" charset="0"/>
-                <a:ea typeface="Times New Roman" panose="02020603050405020304" pitchFamily="18" charset="0"/>
-              </a:rPr>
-              <a:t>гидратообразования</a:t>
-            </a:r>
-            <a:r>
-              <a:rPr lang="ru-RU" sz="1800" dirty="0">
-                <a:effectLst/>
-                <a:latin typeface="Times New Roman" panose="02020603050405020304" pitchFamily="18" charset="0"/>
-                <a:ea typeface="Times New Roman" panose="02020603050405020304" pitchFamily="18" charset="0"/>
-              </a:rPr>
-              <a:t> на газовых и газоконденсатных месторождениях: специальность 25.00.17 «Разработка и эксплуатация нефтяных и газовых месторождений»: Диссертация на соискание кандидата технических наук / </a:t>
-            </a:r>
-            <a:r>
-              <a:rPr lang="ru-RU" sz="1800" dirty="0" err="1">
-                <a:effectLst/>
-                <a:latin typeface="Times New Roman" panose="02020603050405020304" pitchFamily="18" charset="0"/>
-                <a:ea typeface="Times New Roman" panose="02020603050405020304" pitchFamily="18" charset="0"/>
-              </a:rPr>
-              <a:t>Тройникова</a:t>
-            </a:r>
-            <a:r>
-              <a:rPr lang="ru-RU" sz="1800" dirty="0">
-                <a:effectLst/>
-                <a:latin typeface="Times New Roman" panose="02020603050405020304" pitchFamily="18" charset="0"/>
-                <a:ea typeface="Times New Roman" panose="02020603050405020304" pitchFamily="18" charset="0"/>
-              </a:rPr>
-              <a:t>, А. А.; Научно-исследовательский институт природных газов   и газовых технологий – Газпром ВНИИГАЗ. — Москва, 2022. — 142 c.</a:t>
-            </a:r>
-          </a:p>
-          <a:p>
-            <a:pPr marL="342900" lvl="0" indent="-342900" algn="just">
-              <a:lnSpc>
-                <a:spcPct val="150000"/>
-              </a:lnSpc>
-              <a:buFont typeface="+mj-lt"/>
-              <a:buAutoNum type="arabicPeriod"/>
-            </a:pPr>
-            <a:r>
-              <a:rPr lang="ru-RU" sz="1800" dirty="0">
-                <a:effectLst/>
-                <a:latin typeface="Times New Roman" panose="02020603050405020304" pitchFamily="18" charset="0"/>
-                <a:ea typeface="Times New Roman" panose="02020603050405020304" pitchFamily="18" charset="0"/>
-              </a:rPr>
-              <a:t>Рок Флоу </a:t>
-            </a:r>
-            <a:r>
-              <a:rPr lang="ru-RU" sz="1800" dirty="0" err="1">
-                <a:effectLst/>
-                <a:latin typeface="Times New Roman" panose="02020603050405020304" pitchFamily="18" charset="0"/>
-                <a:ea typeface="Times New Roman" panose="02020603050405020304" pitchFamily="18" charset="0"/>
-              </a:rPr>
-              <a:t>Динамикс</a:t>
-            </a:r>
-            <a:r>
-              <a:rPr lang="ru-RU" sz="1800" dirty="0">
-                <a:effectLst/>
-                <a:latin typeface="Times New Roman" panose="02020603050405020304" pitchFamily="18" charset="0"/>
-                <a:ea typeface="Times New Roman" panose="02020603050405020304" pitchFamily="18" charset="0"/>
-              </a:rPr>
-              <a:t> Техническое руководство. - стр.451-465 изд. - 2024. - 4389 с.</a:t>
-            </a:r>
-          </a:p>
-          <a:p>
-            <a:pPr marL="342900" lvl="0" indent="-342900" algn="just">
-              <a:lnSpc>
-                <a:spcPct val="150000"/>
-              </a:lnSpc>
-              <a:spcBef>
-                <a:spcPts val="320"/>
-              </a:spcBef>
-              <a:buFont typeface="+mj-lt"/>
-              <a:buAutoNum type="arabicPeriod"/>
-            </a:pPr>
-            <a:r>
-              <a:rPr lang="ru-RU" sz="1800" dirty="0">
-                <a:effectLst/>
-                <a:latin typeface="Times New Roman" panose="02020603050405020304" pitchFamily="18" charset="0"/>
-                <a:ea typeface="Times New Roman" panose="02020603050405020304" pitchFamily="18" charset="0"/>
-              </a:rPr>
-              <a:t>Самсонов К. Ю. Методика определения технических параметров ограничения водопритока / К. Ю. Самсонов, А. П. Шевелев // Вестник Тюменского государственного университета. Физико-математическое моделирование. Нефть, газ, энергетика. 2016. Т. 2. № 2. С. 121–130.</a:t>
-            </a:r>
-            <a:endParaRPr lang="en-US" sz="1800" dirty="0">
-              <a:effectLst/>
-              <a:latin typeface="Times New Roman" panose="02020603050405020304" pitchFamily="18" charset="0"/>
-              <a:ea typeface="Times New Roman" panose="02020603050405020304" pitchFamily="18" charset="0"/>
-            </a:endParaRPr>
-          </a:p>
-          <a:p>
-            <a:pPr marL="342900" lvl="0" indent="-342900" algn="just">
-              <a:lnSpc>
-                <a:spcPct val="150000"/>
-              </a:lnSpc>
-              <a:spcBef>
-                <a:spcPts val="320"/>
-              </a:spcBef>
-              <a:buFont typeface="+mj-lt"/>
-              <a:buAutoNum type="arabicPeriod"/>
-            </a:pPr>
-            <a:r>
-              <a:rPr lang="en-US" sz="1800" dirty="0" err="1">
-                <a:effectLst/>
-                <a:latin typeface="Times New Roman" panose="02020603050405020304" pitchFamily="18" charset="0"/>
-                <a:ea typeface="Times New Roman" panose="02020603050405020304" pitchFamily="18" charset="0"/>
-              </a:rPr>
-              <a:t>Kalacheva</a:t>
-            </a:r>
-            <a:r>
-              <a:rPr lang="en-US" sz="1800" dirty="0">
-                <a:effectLst/>
-                <a:latin typeface="Times New Roman" panose="02020603050405020304" pitchFamily="18" charset="0"/>
-                <a:ea typeface="Times New Roman" panose="02020603050405020304" pitchFamily="18" charset="0"/>
-              </a:rPr>
-              <a:t> L.P., </a:t>
-            </a:r>
-            <a:r>
-              <a:rPr lang="en-US" sz="1800" dirty="0" err="1">
-                <a:effectLst/>
-                <a:latin typeface="Times New Roman" panose="02020603050405020304" pitchFamily="18" charset="0"/>
-                <a:ea typeface="Times New Roman" panose="02020603050405020304" pitchFamily="18" charset="0"/>
-              </a:rPr>
-              <a:t>Portnyagin</a:t>
-            </a:r>
-            <a:r>
-              <a:rPr lang="en-US" sz="1800" dirty="0">
-                <a:effectLst/>
-                <a:latin typeface="Times New Roman" panose="02020603050405020304" pitchFamily="18" charset="0"/>
-                <a:ea typeface="Times New Roman" panose="02020603050405020304" pitchFamily="18" charset="0"/>
-              </a:rPr>
-              <a:t> A.S.  PROPERTIES OF NATURAL GAS HYDRATES SYNTHESIZED IN MODEL HYDROCARBONATE-SODIUM TYPE SOLUTIONS / </a:t>
-            </a:r>
-            <a:r>
-              <a:rPr lang="en-US" sz="1800" dirty="0" err="1">
-                <a:effectLst/>
-                <a:latin typeface="Times New Roman" panose="02020603050405020304" pitchFamily="18" charset="0"/>
-                <a:ea typeface="Times New Roman" panose="02020603050405020304" pitchFamily="18" charset="0"/>
-              </a:rPr>
-              <a:t>Kalacheva</a:t>
-            </a:r>
-            <a:r>
-              <a:rPr lang="en-US" sz="1800" dirty="0">
-                <a:effectLst/>
-                <a:latin typeface="Times New Roman" panose="02020603050405020304" pitchFamily="18" charset="0"/>
-                <a:ea typeface="Times New Roman" panose="02020603050405020304" pitchFamily="18" charset="0"/>
-              </a:rPr>
-              <a:t> L.P., </a:t>
-            </a:r>
-            <a:r>
-              <a:rPr lang="en-US" sz="1800" dirty="0" err="1">
-                <a:effectLst/>
-                <a:latin typeface="Times New Roman" panose="02020603050405020304" pitchFamily="18" charset="0"/>
-                <a:ea typeface="Times New Roman" panose="02020603050405020304" pitchFamily="18" charset="0"/>
-              </a:rPr>
-              <a:t>Portnyagin</a:t>
-            </a:r>
-            <a:r>
-              <a:rPr lang="en-US" sz="1800" dirty="0">
-                <a:effectLst/>
-                <a:latin typeface="Times New Roman" panose="02020603050405020304" pitchFamily="18" charset="0"/>
-                <a:ea typeface="Times New Roman" panose="02020603050405020304" pitchFamily="18" charset="0"/>
-              </a:rPr>
-              <a:t> A.S.  [</a:t>
-            </a:r>
-            <a:r>
-              <a:rPr lang="ru-RU" sz="1800" dirty="0">
-                <a:effectLst/>
-                <a:latin typeface="Times New Roman" panose="02020603050405020304" pitchFamily="18" charset="0"/>
-                <a:ea typeface="Times New Roman" panose="02020603050405020304" pitchFamily="18" charset="0"/>
-              </a:rPr>
-              <a:t>Электронный ресурс] // </a:t>
-            </a:r>
-            <a:r>
-              <a:rPr lang="en-US" sz="1800" dirty="0">
-                <a:effectLst/>
-                <a:latin typeface="Times New Roman" panose="02020603050405020304" pitchFamily="18" charset="0"/>
-                <a:ea typeface="Times New Roman" panose="02020603050405020304" pitchFamily="18" charset="0"/>
-              </a:rPr>
-              <a:t>applied-research.ru : [</a:t>
-            </a:r>
-            <a:r>
-              <a:rPr lang="ru-RU" sz="1800" dirty="0">
-                <a:effectLst/>
-                <a:latin typeface="Times New Roman" panose="02020603050405020304" pitchFamily="18" charset="0"/>
-                <a:ea typeface="Times New Roman" panose="02020603050405020304" pitchFamily="18" charset="0"/>
-              </a:rPr>
-              <a:t>сайт]. — </a:t>
-            </a:r>
-            <a:r>
-              <a:rPr lang="en-US" sz="1800" dirty="0">
-                <a:effectLst/>
-                <a:latin typeface="Times New Roman" panose="02020603050405020304" pitchFamily="18" charset="0"/>
-                <a:ea typeface="Times New Roman" panose="02020603050405020304" pitchFamily="18" charset="0"/>
-              </a:rPr>
-              <a:t>URL: https://applied-research.ru/en/article/view?id=11887 (</a:t>
-            </a:r>
-            <a:r>
-              <a:rPr lang="ru-RU" sz="1800" dirty="0">
-                <a:effectLst/>
-                <a:latin typeface="Times New Roman" panose="02020603050405020304" pitchFamily="18" charset="0"/>
-                <a:ea typeface="Times New Roman" panose="02020603050405020304" pitchFamily="18" charset="0"/>
-              </a:rPr>
-              <a:t>дата обращения: 24.04.2025).</a:t>
-            </a:r>
-          </a:p>
-        </p:txBody>
-      </p:sp>
-    </p:spTree>
-    <p:extLst>
-      <p:ext uri="{BB962C8B-B14F-4D97-AF65-F5344CB8AC3E}">
-        <p14:creationId xmlns:p14="http://schemas.microsoft.com/office/powerpoint/2010/main" val="180126759"/>
-      </p:ext>
-    </p:extLst>
-  </p:cSld>
-  <p:clrMapOvr>
-    <a:masterClrMapping/>
-  </p:clrMapOvr>
-</p:sld>
-</file>
-
-<file path=ppt/slides/slide19.xml><?xml version="1.0" encoding="utf-8"?>
-<p:sld xmlns:a="http://schemas.openxmlformats.org/drawingml/2006/main" xmlns:r="http://schemas.openxmlformats.org/officeDocument/2006/relationships" xmlns:p="http://schemas.openxmlformats.org/presentationml/2006/main">
-  <p:cSld>
-    <p:spTree>
-      <p:nvGrpSpPr>
-        <p:cNvPr id="1" name=""/>
-        <p:cNvGrpSpPr/>
-        <p:nvPr/>
-      </p:nvGrpSpPr>
-      <p:grpSpPr>
-        <a:xfrm>
-          <a:off x="0" y="0"/>
-          <a:ext cx="0" cy="0"/>
-          <a:chOff x="0" y="0"/>
-          <a:chExt cx="0" cy="0"/>
-        </a:xfrm>
-      </p:grpSpPr>
-      <p:pic>
-        <p:nvPicPr>
-          <p:cNvPr id="3" name="Рисунок 2"/>
-          <p:cNvPicPr>
-            <a:picLocks noChangeAspect="1"/>
-          </p:cNvPicPr>
-          <p:nvPr/>
-        </p:nvPicPr>
-        <p:blipFill>
-          <a:blip r:embed="rId2" cstate="print">
-            <a:extLst>
-              <a:ext uri="{28A0092B-C50C-407E-A947-70E740481C1C}">
-                <a14:useLocalDpi xmlns:a14="http://schemas.microsoft.com/office/drawing/2010/main" val="0"/>
-              </a:ext>
-            </a:extLst>
-          </a:blip>
-          <a:stretch>
-            <a:fillRect/>
-          </a:stretch>
-        </p:blipFill>
-        <p:spPr>
-          <a:xfrm>
-            <a:off x="3923459" y="683762"/>
-            <a:ext cx="3008923" cy="1815333"/>
-          </a:xfrm>
-          <a:prstGeom prst="rect">
-            <a:avLst/>
-          </a:prstGeom>
-        </p:spPr>
-      </p:pic>
-      <p:sp>
-        <p:nvSpPr>
-          <p:cNvPr id="8" name="Подзаголовок 2"/>
-          <p:cNvSpPr txBox="1">
-            <a:spLocks/>
-          </p:cNvSpPr>
-          <p:nvPr/>
-        </p:nvSpPr>
-        <p:spPr>
-          <a:xfrm>
-            <a:off x="148856" y="3829077"/>
-            <a:ext cx="10388010" cy="1632267"/>
-          </a:xfrm>
-          <a:prstGeom prst="rect">
-            <a:avLst/>
-          </a:prstGeom>
-        </p:spPr>
-        <p:txBody>
-          <a:bodyPr vert="horz" lIns="104306" tIns="52153" rIns="104306" bIns="52153" rtlCol="0">
-            <a:noAutofit/>
-          </a:bodyPr>
-          <a:lstStyle>
-            <a:lvl1pPr marL="0" indent="0" algn="ctr" defTabSz="1043056" rtl="0" eaLnBrk="1" latinLnBrk="0" hangingPunct="1">
-              <a:lnSpc>
-                <a:spcPct val="90000"/>
-              </a:lnSpc>
-              <a:spcBef>
-                <a:spcPts val="1141"/>
-              </a:spcBef>
-              <a:buFont typeface="Arial" panose="020B0604020202020204" pitchFamily="34" charset="0"/>
-              <a:buNone/>
-              <a:defRPr sz="2700" kern="1200">
-                <a:solidFill>
-                  <a:schemeClr val="tx1"/>
-                </a:solidFill>
-                <a:latin typeface="+mn-lt"/>
-                <a:ea typeface="+mn-ea"/>
-                <a:cs typeface="+mn-cs"/>
-              </a:defRPr>
-            </a:lvl1pPr>
-            <a:lvl2pPr marL="521528" indent="0" algn="ctr" defTabSz="1043056" rtl="0" eaLnBrk="1" latinLnBrk="0" hangingPunct="1">
-              <a:lnSpc>
-                <a:spcPct val="90000"/>
-              </a:lnSpc>
-              <a:spcBef>
-                <a:spcPts val="570"/>
-              </a:spcBef>
-              <a:buFont typeface="Arial" panose="020B0604020202020204" pitchFamily="34" charset="0"/>
-              <a:buNone/>
-              <a:defRPr sz="2300" kern="1200">
-                <a:solidFill>
-                  <a:schemeClr val="tx1"/>
-                </a:solidFill>
-                <a:latin typeface="+mn-lt"/>
-                <a:ea typeface="+mn-ea"/>
-                <a:cs typeface="+mn-cs"/>
-              </a:defRPr>
-            </a:lvl2pPr>
-            <a:lvl3pPr marL="1043056" indent="0" algn="ctr" defTabSz="1043056" rtl="0" eaLnBrk="1" latinLnBrk="0" hangingPunct="1">
-              <a:lnSpc>
-                <a:spcPct val="90000"/>
-              </a:lnSpc>
-              <a:spcBef>
-                <a:spcPts val="570"/>
-              </a:spcBef>
-              <a:buFont typeface="Arial" panose="020B0604020202020204" pitchFamily="34" charset="0"/>
-              <a:buNone/>
-              <a:defRPr sz="2100" kern="1200">
-                <a:solidFill>
-                  <a:schemeClr val="tx1"/>
-                </a:solidFill>
-                <a:latin typeface="+mn-lt"/>
-                <a:ea typeface="+mn-ea"/>
-                <a:cs typeface="+mn-cs"/>
-              </a:defRPr>
-            </a:lvl3pPr>
-            <a:lvl4pPr marL="1564584" indent="0" algn="ctr" defTabSz="1043056" rtl="0" eaLnBrk="1" latinLnBrk="0" hangingPunct="1">
-              <a:lnSpc>
-                <a:spcPct val="90000"/>
-              </a:lnSpc>
-              <a:spcBef>
-                <a:spcPts val="570"/>
-              </a:spcBef>
-              <a:buFont typeface="Arial" panose="020B0604020202020204" pitchFamily="34" charset="0"/>
-              <a:buNone/>
-              <a:defRPr sz="1800" kern="1200">
-                <a:solidFill>
-                  <a:schemeClr val="tx1"/>
-                </a:solidFill>
-                <a:latin typeface="+mn-lt"/>
-                <a:ea typeface="+mn-ea"/>
-                <a:cs typeface="+mn-cs"/>
-              </a:defRPr>
-            </a:lvl4pPr>
-            <a:lvl5pPr marL="2086112" indent="0" algn="ctr" defTabSz="1043056" rtl="0" eaLnBrk="1" latinLnBrk="0" hangingPunct="1">
-              <a:lnSpc>
-                <a:spcPct val="90000"/>
-              </a:lnSpc>
-              <a:spcBef>
-                <a:spcPts val="570"/>
-              </a:spcBef>
-              <a:buFont typeface="Arial" panose="020B0604020202020204" pitchFamily="34" charset="0"/>
-              <a:buNone/>
-              <a:defRPr sz="1800" kern="1200">
-                <a:solidFill>
-                  <a:schemeClr val="tx1"/>
-                </a:solidFill>
-                <a:latin typeface="+mn-lt"/>
-                <a:ea typeface="+mn-ea"/>
-                <a:cs typeface="+mn-cs"/>
-              </a:defRPr>
-            </a:lvl5pPr>
-            <a:lvl6pPr marL="2607640" indent="0" algn="ctr" defTabSz="1043056" rtl="0" eaLnBrk="1" latinLnBrk="0" hangingPunct="1">
-              <a:lnSpc>
-                <a:spcPct val="90000"/>
-              </a:lnSpc>
-              <a:spcBef>
-                <a:spcPts val="570"/>
-              </a:spcBef>
-              <a:buFont typeface="Arial" panose="020B0604020202020204" pitchFamily="34" charset="0"/>
-              <a:buNone/>
-              <a:defRPr sz="1800" kern="1200">
-                <a:solidFill>
-                  <a:schemeClr val="tx1"/>
-                </a:solidFill>
-                <a:latin typeface="+mn-lt"/>
-                <a:ea typeface="+mn-ea"/>
-                <a:cs typeface="+mn-cs"/>
-              </a:defRPr>
-            </a:lvl6pPr>
-            <a:lvl7pPr marL="3129168" indent="0" algn="ctr" defTabSz="1043056" rtl="0" eaLnBrk="1" latinLnBrk="0" hangingPunct="1">
-              <a:lnSpc>
-                <a:spcPct val="90000"/>
-              </a:lnSpc>
-              <a:spcBef>
-                <a:spcPts val="570"/>
-              </a:spcBef>
-              <a:buFont typeface="Arial" panose="020B0604020202020204" pitchFamily="34" charset="0"/>
-              <a:buNone/>
-              <a:defRPr sz="1800" kern="1200">
-                <a:solidFill>
-                  <a:schemeClr val="tx1"/>
-                </a:solidFill>
-                <a:latin typeface="+mn-lt"/>
-                <a:ea typeface="+mn-ea"/>
-                <a:cs typeface="+mn-cs"/>
-              </a:defRPr>
-            </a:lvl7pPr>
-            <a:lvl8pPr marL="3650696" indent="0" algn="ctr" defTabSz="1043056" rtl="0" eaLnBrk="1" latinLnBrk="0" hangingPunct="1">
-              <a:lnSpc>
-                <a:spcPct val="90000"/>
-              </a:lnSpc>
-              <a:spcBef>
-                <a:spcPts val="570"/>
-              </a:spcBef>
-              <a:buFont typeface="Arial" panose="020B0604020202020204" pitchFamily="34" charset="0"/>
-              <a:buNone/>
-              <a:defRPr sz="1800" kern="1200">
-                <a:solidFill>
-                  <a:schemeClr val="tx1"/>
-                </a:solidFill>
-                <a:latin typeface="+mn-lt"/>
-                <a:ea typeface="+mn-ea"/>
-                <a:cs typeface="+mn-cs"/>
-              </a:defRPr>
-            </a:lvl8pPr>
-            <a:lvl9pPr marL="4172224" indent="0" algn="ctr" defTabSz="1043056" rtl="0" eaLnBrk="1" latinLnBrk="0" hangingPunct="1">
-              <a:lnSpc>
-                <a:spcPct val="90000"/>
-              </a:lnSpc>
-              <a:spcBef>
-                <a:spcPts val="570"/>
-              </a:spcBef>
-              <a:buFont typeface="Arial" panose="020B0604020202020204" pitchFamily="34" charset="0"/>
-              <a:buNone/>
-              <a:defRPr sz="1800" kern="1200">
-                <a:solidFill>
-                  <a:schemeClr val="tx1"/>
-                </a:solidFill>
-                <a:latin typeface="+mn-lt"/>
-                <a:ea typeface="+mn-ea"/>
-                <a:cs typeface="+mn-cs"/>
-              </a:defRPr>
-            </a:lvl9pPr>
-          </a:lstStyle>
-          <a:p>
-            <a:pPr>
-              <a:spcBef>
-                <a:spcPts val="600"/>
-              </a:spcBef>
-            </a:pPr>
-            <a:r>
-              <a:rPr lang="ru-RU" sz="5400" b="1" dirty="0">
-                <a:solidFill>
-                  <a:srgbClr val="00B0F0"/>
-                </a:solidFill>
-                <a:latin typeface="Fira Sans Light" panose="020B0403050000020004" pitchFamily="34" charset="0"/>
-              </a:rPr>
-              <a:t>СПАСИБО</a:t>
-            </a:r>
-            <a:r>
-              <a:rPr lang="en-US" sz="5400" b="1" dirty="0">
-                <a:solidFill>
-                  <a:srgbClr val="00B0F0"/>
-                </a:solidFill>
-                <a:latin typeface="Fira Sans Light" panose="020B0403050000020004" pitchFamily="34" charset="0"/>
-              </a:rPr>
-              <a:t> </a:t>
-            </a:r>
-            <a:r>
-              <a:rPr lang="ru-RU" sz="5400" b="1" dirty="0">
-                <a:solidFill>
-                  <a:srgbClr val="00B0F0"/>
-                </a:solidFill>
-                <a:latin typeface="Fira Sans Light" panose="020B0403050000020004" pitchFamily="34" charset="0"/>
-              </a:rPr>
-              <a:t>ЗА ВНИМАНИЕ!</a:t>
-            </a:r>
-          </a:p>
-        </p:txBody>
-      </p:sp>
-      <p:pic>
-        <p:nvPicPr>
-          <p:cNvPr id="10" name="Рисунок 9"/>
-          <p:cNvPicPr>
-            <a:picLocks noChangeAspect="1"/>
-          </p:cNvPicPr>
-          <p:nvPr/>
-        </p:nvPicPr>
-        <p:blipFill>
-          <a:blip r:embed="rId3" cstate="print">
-            <a:extLst>
-              <a:ext uri="{28A0092B-C50C-407E-A947-70E740481C1C}">
-                <a14:useLocalDpi xmlns:a14="http://schemas.microsoft.com/office/drawing/2010/main" val="0"/>
-              </a:ext>
-            </a:extLst>
-          </a:blip>
-          <a:stretch>
-            <a:fillRect/>
-          </a:stretch>
-        </p:blipFill>
-        <p:spPr>
-          <a:xfrm>
-            <a:off x="4114821" y="6154112"/>
-            <a:ext cx="2626197" cy="497370"/>
-          </a:xfrm>
-          <a:prstGeom prst="rect">
-            <a:avLst/>
-          </a:prstGeom>
-        </p:spPr>
-      </p:pic>
-    </p:spTree>
-    <p:extLst>
-      <p:ext uri="{BB962C8B-B14F-4D97-AF65-F5344CB8AC3E}">
-        <p14:creationId xmlns:p14="http://schemas.microsoft.com/office/powerpoint/2010/main" val="3566910202"/>
-      </p:ext>
-    </p:extLst>
-  </p:cSld>
-  <p:clrMapOvr>
-    <a:masterClrMapping/>
-  </p:clrMapOvr>
-</p:sld>
-</file>
-
-<file path=ppt/slides/slide2.xml><?xml version="1.0" encoding="utf-8"?>
-<p:sld xmlns:a="http://schemas.openxmlformats.org/drawingml/2006/main" xmlns:r="http://schemas.openxmlformats.org/officeDocument/2006/relationships" xmlns:p="http://schemas.openxmlformats.org/presentationml/2006/main">
-  <p:cSld>
-    <p:spTree>
-      <p:nvGrpSpPr>
-        <p:cNvPr id="1" name=""/>
-        <p:cNvGrpSpPr/>
-        <p:nvPr/>
-      </p:nvGrpSpPr>
-      <p:grpSpPr>
-        <a:xfrm>
-          <a:off x="0" y="0"/>
-          <a:ext cx="0" cy="0"/>
-          <a:chOff x="0" y="0"/>
-          <a:chExt cx="0" cy="0"/>
-        </a:xfrm>
-      </p:grpSpPr>
-      <p:pic>
-        <p:nvPicPr>
-          <p:cNvPr id="4" name="Рисунок 3"/>
-          <p:cNvPicPr>
-            <a:picLocks noChangeAspect="1"/>
-          </p:cNvPicPr>
-          <p:nvPr/>
-        </p:nvPicPr>
-        <p:blipFill>
-          <a:blip r:embed="rId3" cstate="print">
-            <a:extLst>
-              <a:ext uri="{28A0092B-C50C-407E-A947-70E740481C1C}">
-                <a14:useLocalDpi xmlns:a14="http://schemas.microsoft.com/office/drawing/2010/main" val="0"/>
-              </a:ext>
-            </a:extLst>
-          </a:blip>
-          <a:stretch>
-            <a:fillRect/>
-          </a:stretch>
-        </p:blipFill>
-        <p:spPr>
-          <a:xfrm>
-            <a:off x="7624270" y="452602"/>
-            <a:ext cx="1137667" cy="686375"/>
-          </a:xfrm>
-          <a:prstGeom prst="rect">
-            <a:avLst/>
-          </a:prstGeom>
-        </p:spPr>
-      </p:pic>
-      <p:cxnSp>
-        <p:nvCxnSpPr>
-          <p:cNvPr id="5" name="Прямая соединительная линия 4"/>
-          <p:cNvCxnSpPr/>
-          <p:nvPr/>
-        </p:nvCxnSpPr>
-        <p:spPr>
-          <a:xfrm>
-            <a:off x="582672" y="1341120"/>
-            <a:ext cx="926088" cy="0"/>
-          </a:xfrm>
-          <a:prstGeom prst="line">
-            <a:avLst/>
-          </a:prstGeom>
-          <a:ln w="38100">
-            <a:solidFill>
-              <a:srgbClr val="00B0F0"/>
-            </a:solidFill>
-          </a:ln>
-        </p:spPr>
-        <p:style>
-          <a:lnRef idx="1">
-            <a:schemeClr val="accent1"/>
-          </a:lnRef>
-          <a:fillRef idx="0">
-            <a:schemeClr val="accent1"/>
-          </a:fillRef>
-          <a:effectRef idx="0">
-            <a:schemeClr val="accent1"/>
-          </a:effectRef>
-          <a:fontRef idx="minor">
-            <a:schemeClr val="tx1"/>
-          </a:fontRef>
-        </p:style>
-      </p:cxnSp>
-      <p:pic>
-        <p:nvPicPr>
-          <p:cNvPr id="2" name="Рисунок 1"/>
-          <p:cNvPicPr>
-            <a:picLocks noChangeAspect="1"/>
-          </p:cNvPicPr>
-          <p:nvPr/>
-        </p:nvPicPr>
-        <p:blipFill>
-          <a:blip r:embed="rId4" cstate="print">
-            <a:extLst>
-              <a:ext uri="{28A0092B-C50C-407E-A947-70E740481C1C}">
-                <a14:useLocalDpi xmlns:a14="http://schemas.microsoft.com/office/drawing/2010/main" val="0"/>
-              </a:ext>
-            </a:extLst>
-          </a:blip>
-          <a:stretch>
-            <a:fillRect/>
-          </a:stretch>
-        </p:blipFill>
-        <p:spPr>
-          <a:xfrm>
-            <a:off x="9399474" y="495299"/>
-            <a:ext cx="885385" cy="572613"/>
-          </a:xfrm>
-          <a:prstGeom prst="rect">
-            <a:avLst/>
-          </a:prstGeom>
-        </p:spPr>
-      </p:pic>
-      <p:cxnSp>
-        <p:nvCxnSpPr>
-          <p:cNvPr id="11" name="Прямая соединительная линия 10"/>
-          <p:cNvCxnSpPr/>
-          <p:nvPr/>
-        </p:nvCxnSpPr>
-        <p:spPr>
-          <a:xfrm>
-            <a:off x="9059117" y="563880"/>
-            <a:ext cx="0" cy="495354"/>
-          </a:xfrm>
-          <a:prstGeom prst="line">
-            <a:avLst/>
-          </a:prstGeom>
-          <a:ln w="28575">
-            <a:solidFill>
-              <a:srgbClr val="00B0F0"/>
-            </a:solidFill>
-          </a:ln>
-        </p:spPr>
-        <p:style>
-          <a:lnRef idx="1">
-            <a:schemeClr val="accent1"/>
-          </a:lnRef>
-          <a:fillRef idx="0">
-            <a:schemeClr val="accent1"/>
-          </a:fillRef>
-          <a:effectRef idx="0">
-            <a:schemeClr val="accent1"/>
-          </a:effectRef>
-          <a:fontRef idx="minor">
-            <a:schemeClr val="tx1"/>
-          </a:fontRef>
-        </p:style>
-      </p:cxnSp>
-      <p:sp>
-        <p:nvSpPr>
-          <p:cNvPr id="14" name="Подзаголовок 2"/>
-          <p:cNvSpPr txBox="1">
-            <a:spLocks/>
-          </p:cNvSpPr>
-          <p:nvPr/>
-        </p:nvSpPr>
-        <p:spPr>
-          <a:xfrm>
-            <a:off x="460177" y="729385"/>
-            <a:ext cx="6582408" cy="515138"/>
-          </a:xfrm>
-          <a:prstGeom prst="rect">
-            <a:avLst/>
-          </a:prstGeom>
-        </p:spPr>
-        <p:txBody>
-          <a:bodyPr vert="horz" lIns="104306" tIns="52153" rIns="104306" bIns="52153" rtlCol="0">
-            <a:normAutofit/>
-          </a:bodyPr>
-          <a:lstStyle>
-            <a:lvl1pPr marL="0" indent="0" algn="ctr" defTabSz="1043056" rtl="0" eaLnBrk="1" latinLnBrk="0" hangingPunct="1">
-              <a:lnSpc>
-                <a:spcPct val="90000"/>
-              </a:lnSpc>
-              <a:spcBef>
-                <a:spcPts val="1141"/>
-              </a:spcBef>
-              <a:buFont typeface="Arial" panose="020B0604020202020204" pitchFamily="34" charset="0"/>
-              <a:buNone/>
-              <a:defRPr sz="2700" kern="1200">
-                <a:solidFill>
-                  <a:schemeClr val="tx1"/>
-                </a:solidFill>
-                <a:latin typeface="+mn-lt"/>
-                <a:ea typeface="+mn-ea"/>
-                <a:cs typeface="+mn-cs"/>
-              </a:defRPr>
-            </a:lvl1pPr>
-            <a:lvl2pPr marL="521528" indent="0" algn="ctr" defTabSz="1043056" rtl="0" eaLnBrk="1" latinLnBrk="0" hangingPunct="1">
-              <a:lnSpc>
-                <a:spcPct val="90000"/>
-              </a:lnSpc>
-              <a:spcBef>
-                <a:spcPts val="570"/>
-              </a:spcBef>
-              <a:buFont typeface="Arial" panose="020B0604020202020204" pitchFamily="34" charset="0"/>
-              <a:buNone/>
-              <a:defRPr sz="2300" kern="1200">
-                <a:solidFill>
-                  <a:schemeClr val="tx1"/>
-                </a:solidFill>
-                <a:latin typeface="+mn-lt"/>
-                <a:ea typeface="+mn-ea"/>
-                <a:cs typeface="+mn-cs"/>
-              </a:defRPr>
-            </a:lvl2pPr>
-            <a:lvl3pPr marL="1043056" indent="0" algn="ctr" defTabSz="1043056" rtl="0" eaLnBrk="1" latinLnBrk="0" hangingPunct="1">
-              <a:lnSpc>
-                <a:spcPct val="90000"/>
-              </a:lnSpc>
-              <a:spcBef>
-                <a:spcPts val="570"/>
-              </a:spcBef>
-              <a:buFont typeface="Arial" panose="020B0604020202020204" pitchFamily="34" charset="0"/>
-              <a:buNone/>
-              <a:defRPr sz="2100" kern="1200">
-                <a:solidFill>
-                  <a:schemeClr val="tx1"/>
-                </a:solidFill>
-                <a:latin typeface="+mn-lt"/>
-                <a:ea typeface="+mn-ea"/>
-                <a:cs typeface="+mn-cs"/>
-              </a:defRPr>
-            </a:lvl3pPr>
-            <a:lvl4pPr marL="1564584" indent="0" algn="ctr" defTabSz="1043056" rtl="0" eaLnBrk="1" latinLnBrk="0" hangingPunct="1">
-              <a:lnSpc>
-                <a:spcPct val="90000"/>
-              </a:lnSpc>
-              <a:spcBef>
-                <a:spcPts val="570"/>
-              </a:spcBef>
-              <a:buFont typeface="Arial" panose="020B0604020202020204" pitchFamily="34" charset="0"/>
-              <a:buNone/>
-              <a:defRPr sz="1800" kern="1200">
-                <a:solidFill>
-                  <a:schemeClr val="tx1"/>
-                </a:solidFill>
-                <a:latin typeface="+mn-lt"/>
-                <a:ea typeface="+mn-ea"/>
-                <a:cs typeface="+mn-cs"/>
-              </a:defRPr>
-            </a:lvl4pPr>
-            <a:lvl5pPr marL="2086112" indent="0" algn="ctr" defTabSz="1043056" rtl="0" eaLnBrk="1" latinLnBrk="0" hangingPunct="1">
-              <a:lnSpc>
-                <a:spcPct val="90000"/>
-              </a:lnSpc>
-              <a:spcBef>
-                <a:spcPts val="570"/>
-              </a:spcBef>
-              <a:buFont typeface="Arial" panose="020B0604020202020204" pitchFamily="34" charset="0"/>
-              <a:buNone/>
-              <a:defRPr sz="1800" kern="1200">
-                <a:solidFill>
-                  <a:schemeClr val="tx1"/>
-                </a:solidFill>
-                <a:latin typeface="+mn-lt"/>
-                <a:ea typeface="+mn-ea"/>
-                <a:cs typeface="+mn-cs"/>
-              </a:defRPr>
-            </a:lvl5pPr>
-            <a:lvl6pPr marL="2607640" indent="0" algn="ctr" defTabSz="1043056" rtl="0" eaLnBrk="1" latinLnBrk="0" hangingPunct="1">
-              <a:lnSpc>
-                <a:spcPct val="90000"/>
-              </a:lnSpc>
-              <a:spcBef>
-                <a:spcPts val="570"/>
-              </a:spcBef>
-              <a:buFont typeface="Arial" panose="020B0604020202020204" pitchFamily="34" charset="0"/>
-              <a:buNone/>
-              <a:defRPr sz="1800" kern="1200">
-                <a:solidFill>
-                  <a:schemeClr val="tx1"/>
-                </a:solidFill>
-                <a:latin typeface="+mn-lt"/>
-                <a:ea typeface="+mn-ea"/>
-                <a:cs typeface="+mn-cs"/>
-              </a:defRPr>
-            </a:lvl6pPr>
-            <a:lvl7pPr marL="3129168" indent="0" algn="ctr" defTabSz="1043056" rtl="0" eaLnBrk="1" latinLnBrk="0" hangingPunct="1">
-              <a:lnSpc>
-                <a:spcPct val="90000"/>
-              </a:lnSpc>
-              <a:spcBef>
-                <a:spcPts val="570"/>
-              </a:spcBef>
-              <a:buFont typeface="Arial" panose="020B0604020202020204" pitchFamily="34" charset="0"/>
-              <a:buNone/>
-              <a:defRPr sz="1800" kern="1200">
-                <a:solidFill>
-                  <a:schemeClr val="tx1"/>
-                </a:solidFill>
-                <a:latin typeface="+mn-lt"/>
-                <a:ea typeface="+mn-ea"/>
-                <a:cs typeface="+mn-cs"/>
-              </a:defRPr>
-            </a:lvl7pPr>
-            <a:lvl8pPr marL="3650696" indent="0" algn="ctr" defTabSz="1043056" rtl="0" eaLnBrk="1" latinLnBrk="0" hangingPunct="1">
-              <a:lnSpc>
-                <a:spcPct val="90000"/>
-              </a:lnSpc>
-              <a:spcBef>
-                <a:spcPts val="570"/>
-              </a:spcBef>
-              <a:buFont typeface="Arial" panose="020B0604020202020204" pitchFamily="34" charset="0"/>
-              <a:buNone/>
-              <a:defRPr sz="1800" kern="1200">
-                <a:solidFill>
-                  <a:schemeClr val="tx1"/>
-                </a:solidFill>
-                <a:latin typeface="+mn-lt"/>
-                <a:ea typeface="+mn-ea"/>
-                <a:cs typeface="+mn-cs"/>
-              </a:defRPr>
-            </a:lvl8pPr>
-            <a:lvl9pPr marL="4172224" indent="0" algn="ctr" defTabSz="1043056" rtl="0" eaLnBrk="1" latinLnBrk="0" hangingPunct="1">
-              <a:lnSpc>
-                <a:spcPct val="90000"/>
-              </a:lnSpc>
-              <a:spcBef>
-                <a:spcPts val="570"/>
-              </a:spcBef>
-              <a:buFont typeface="Arial" panose="020B0604020202020204" pitchFamily="34" charset="0"/>
-              <a:buNone/>
-              <a:defRPr sz="1800" kern="1200">
-                <a:solidFill>
-                  <a:schemeClr val="tx1"/>
-                </a:solidFill>
-                <a:latin typeface="+mn-lt"/>
-                <a:ea typeface="+mn-ea"/>
-                <a:cs typeface="+mn-cs"/>
-              </a:defRPr>
-            </a:lvl9pPr>
-          </a:lstStyle>
-          <a:p>
-            <a:pPr algn="l"/>
-            <a:r>
-              <a:rPr lang="ru-RU" sz="2400" b="1" dirty="0">
-                <a:latin typeface="Fira Sans Bold"/>
-              </a:rPr>
-              <a:t>Проблема</a:t>
-            </a:r>
-          </a:p>
-        </p:txBody>
-      </p:sp>
-      <p:sp>
-        <p:nvSpPr>
-          <p:cNvPr id="15" name="Подзаголовок 2"/>
-          <p:cNvSpPr txBox="1">
-            <a:spLocks/>
-          </p:cNvSpPr>
-          <p:nvPr/>
-        </p:nvSpPr>
-        <p:spPr>
-          <a:xfrm>
-            <a:off x="355181" y="1437718"/>
-            <a:ext cx="9783667" cy="948430"/>
-          </a:xfrm>
-          <a:prstGeom prst="rect">
-            <a:avLst/>
-          </a:prstGeom>
-        </p:spPr>
-        <p:txBody>
-          <a:bodyPr vert="horz" lIns="104306" tIns="52153" rIns="104306" bIns="52153" rtlCol="0">
-            <a:normAutofit fontScale="92500"/>
-          </a:bodyPr>
-          <a:lstStyle>
-            <a:lvl1pPr marL="0" indent="0" algn="ctr" defTabSz="1043056" rtl="0" eaLnBrk="1" latinLnBrk="0" hangingPunct="1">
-              <a:lnSpc>
-                <a:spcPct val="90000"/>
-              </a:lnSpc>
-              <a:spcBef>
-                <a:spcPts val="1141"/>
-              </a:spcBef>
-              <a:buFont typeface="Arial" panose="020B0604020202020204" pitchFamily="34" charset="0"/>
-              <a:buNone/>
-              <a:defRPr sz="2700" kern="1200">
-                <a:solidFill>
-                  <a:schemeClr val="tx1"/>
-                </a:solidFill>
-                <a:latin typeface="+mn-lt"/>
-                <a:ea typeface="+mn-ea"/>
-                <a:cs typeface="+mn-cs"/>
-              </a:defRPr>
-            </a:lvl1pPr>
-            <a:lvl2pPr marL="521528" indent="0" algn="ctr" defTabSz="1043056" rtl="0" eaLnBrk="1" latinLnBrk="0" hangingPunct="1">
-              <a:lnSpc>
-                <a:spcPct val="90000"/>
-              </a:lnSpc>
-              <a:spcBef>
-                <a:spcPts val="570"/>
-              </a:spcBef>
-              <a:buFont typeface="Arial" panose="020B0604020202020204" pitchFamily="34" charset="0"/>
-              <a:buNone/>
-              <a:defRPr sz="2300" kern="1200">
-                <a:solidFill>
-                  <a:schemeClr val="tx1"/>
-                </a:solidFill>
-                <a:latin typeface="+mn-lt"/>
-                <a:ea typeface="+mn-ea"/>
-                <a:cs typeface="+mn-cs"/>
-              </a:defRPr>
-            </a:lvl2pPr>
-            <a:lvl3pPr marL="1043056" indent="0" algn="ctr" defTabSz="1043056" rtl="0" eaLnBrk="1" latinLnBrk="0" hangingPunct="1">
-              <a:lnSpc>
-                <a:spcPct val="90000"/>
-              </a:lnSpc>
-              <a:spcBef>
-                <a:spcPts val="570"/>
-              </a:spcBef>
-              <a:buFont typeface="Arial" panose="020B0604020202020204" pitchFamily="34" charset="0"/>
-              <a:buNone/>
-              <a:defRPr sz="2100" kern="1200">
-                <a:solidFill>
-                  <a:schemeClr val="tx1"/>
-                </a:solidFill>
-                <a:latin typeface="+mn-lt"/>
-                <a:ea typeface="+mn-ea"/>
-                <a:cs typeface="+mn-cs"/>
-              </a:defRPr>
-            </a:lvl3pPr>
-            <a:lvl4pPr marL="1564584" indent="0" algn="ctr" defTabSz="1043056" rtl="0" eaLnBrk="1" latinLnBrk="0" hangingPunct="1">
-              <a:lnSpc>
-                <a:spcPct val="90000"/>
-              </a:lnSpc>
-              <a:spcBef>
-                <a:spcPts val="570"/>
-              </a:spcBef>
-              <a:buFont typeface="Arial" panose="020B0604020202020204" pitchFamily="34" charset="0"/>
-              <a:buNone/>
-              <a:defRPr sz="1800" kern="1200">
-                <a:solidFill>
-                  <a:schemeClr val="tx1"/>
-                </a:solidFill>
-                <a:latin typeface="+mn-lt"/>
-                <a:ea typeface="+mn-ea"/>
-                <a:cs typeface="+mn-cs"/>
-              </a:defRPr>
-            </a:lvl4pPr>
-            <a:lvl5pPr marL="2086112" indent="0" algn="ctr" defTabSz="1043056" rtl="0" eaLnBrk="1" latinLnBrk="0" hangingPunct="1">
-              <a:lnSpc>
-                <a:spcPct val="90000"/>
-              </a:lnSpc>
-              <a:spcBef>
-                <a:spcPts val="570"/>
-              </a:spcBef>
-              <a:buFont typeface="Arial" panose="020B0604020202020204" pitchFamily="34" charset="0"/>
-              <a:buNone/>
-              <a:defRPr sz="1800" kern="1200">
-                <a:solidFill>
-                  <a:schemeClr val="tx1"/>
-                </a:solidFill>
-                <a:latin typeface="+mn-lt"/>
-                <a:ea typeface="+mn-ea"/>
-                <a:cs typeface="+mn-cs"/>
-              </a:defRPr>
-            </a:lvl5pPr>
-            <a:lvl6pPr marL="2607640" indent="0" algn="ctr" defTabSz="1043056" rtl="0" eaLnBrk="1" latinLnBrk="0" hangingPunct="1">
-              <a:lnSpc>
-                <a:spcPct val="90000"/>
-              </a:lnSpc>
-              <a:spcBef>
-                <a:spcPts val="570"/>
-              </a:spcBef>
-              <a:buFont typeface="Arial" panose="020B0604020202020204" pitchFamily="34" charset="0"/>
-              <a:buNone/>
-              <a:defRPr sz="1800" kern="1200">
-                <a:solidFill>
-                  <a:schemeClr val="tx1"/>
-                </a:solidFill>
-                <a:latin typeface="+mn-lt"/>
-                <a:ea typeface="+mn-ea"/>
-                <a:cs typeface="+mn-cs"/>
-              </a:defRPr>
-            </a:lvl6pPr>
-            <a:lvl7pPr marL="3129168" indent="0" algn="ctr" defTabSz="1043056" rtl="0" eaLnBrk="1" latinLnBrk="0" hangingPunct="1">
-              <a:lnSpc>
-                <a:spcPct val="90000"/>
-              </a:lnSpc>
-              <a:spcBef>
-                <a:spcPts val="570"/>
-              </a:spcBef>
-              <a:buFont typeface="Arial" panose="020B0604020202020204" pitchFamily="34" charset="0"/>
-              <a:buNone/>
-              <a:defRPr sz="1800" kern="1200">
-                <a:solidFill>
-                  <a:schemeClr val="tx1"/>
-                </a:solidFill>
-                <a:latin typeface="+mn-lt"/>
-                <a:ea typeface="+mn-ea"/>
-                <a:cs typeface="+mn-cs"/>
-              </a:defRPr>
-            </a:lvl7pPr>
-            <a:lvl8pPr marL="3650696" indent="0" algn="ctr" defTabSz="1043056" rtl="0" eaLnBrk="1" latinLnBrk="0" hangingPunct="1">
-              <a:lnSpc>
-                <a:spcPct val="90000"/>
-              </a:lnSpc>
-              <a:spcBef>
-                <a:spcPts val="570"/>
-              </a:spcBef>
-              <a:buFont typeface="Arial" panose="020B0604020202020204" pitchFamily="34" charset="0"/>
-              <a:buNone/>
-              <a:defRPr sz="1800" kern="1200">
-                <a:solidFill>
-                  <a:schemeClr val="tx1"/>
-                </a:solidFill>
-                <a:latin typeface="+mn-lt"/>
-                <a:ea typeface="+mn-ea"/>
-                <a:cs typeface="+mn-cs"/>
-              </a:defRPr>
-            </a:lvl8pPr>
-            <a:lvl9pPr marL="4172224" indent="0" algn="ctr" defTabSz="1043056" rtl="0" eaLnBrk="1" latinLnBrk="0" hangingPunct="1">
-              <a:lnSpc>
-                <a:spcPct val="90000"/>
-              </a:lnSpc>
-              <a:spcBef>
-                <a:spcPts val="570"/>
-              </a:spcBef>
-              <a:buFont typeface="Arial" panose="020B0604020202020204" pitchFamily="34" charset="0"/>
-              <a:buNone/>
-              <a:defRPr sz="1800" kern="1200">
-                <a:solidFill>
-                  <a:schemeClr val="tx1"/>
-                </a:solidFill>
-                <a:latin typeface="+mn-lt"/>
-                <a:ea typeface="+mn-ea"/>
-                <a:cs typeface="+mn-cs"/>
-              </a:defRPr>
-            </a:lvl9pPr>
-          </a:lstStyle>
-          <a:p>
-            <a:pPr algn="l"/>
-            <a:r>
-              <a:rPr lang="ru-RU" dirty="0"/>
-              <a:t>Вовлечение в разработку залежей с аномальными термобарическими условиями – актуальный вызов для нефтегазовой отрасли.</a:t>
-            </a:r>
-          </a:p>
-        </p:txBody>
-      </p:sp>
-      <p:pic>
-        <p:nvPicPr>
-          <p:cNvPr id="1208" name="Рисунок 1207">
-            <a:extLst>
-              <a:ext uri="{FF2B5EF4-FFF2-40B4-BE49-F238E27FC236}">
-                <a16:creationId xmlns:a16="http://schemas.microsoft.com/office/drawing/2014/main" id="{BE539FFE-5172-4A37-5DCA-321B21A60D2A}"/>
-              </a:ext>
-            </a:extLst>
-          </p:cNvPr>
-          <p:cNvPicPr>
-            <a:picLocks noChangeAspect="1"/>
-          </p:cNvPicPr>
-          <p:nvPr/>
-        </p:nvPicPr>
-        <p:blipFill>
-          <a:blip r:embed="rId5"/>
-          <a:stretch>
-            <a:fillRect/>
-          </a:stretch>
-        </p:blipFill>
-        <p:spPr>
-          <a:xfrm>
-            <a:off x="1897922" y="2274049"/>
-            <a:ext cx="6698186" cy="4976089"/>
-          </a:xfrm>
-          <a:prstGeom prst="rect">
-            <a:avLst/>
-          </a:prstGeom>
-        </p:spPr>
-      </p:pic>
-    </p:spTree>
-    <p:extLst>
-      <p:ext uri="{BB962C8B-B14F-4D97-AF65-F5344CB8AC3E}">
-        <p14:creationId xmlns:p14="http://schemas.microsoft.com/office/powerpoint/2010/main" val="1699579028"/>
       </p:ext>
     </p:extLst>
   </p:cSld>
@@ -16879,6 +16825,18 @@
             <a:r>
               <a:rPr lang="en-US" sz="1800" b="1" dirty="0"/>
               <a:t>:</a:t>
+            </a:r>
+            <a:r>
+              <a:rPr lang="ru-RU" sz="1800" b="1" dirty="0"/>
+              <a:t> </a:t>
+            </a:r>
+            <a:r>
+              <a:rPr lang="ru-RU" sz="1800" b="1" dirty="0">
+                <a:solidFill>
+                  <a:srgbClr val="FF0000"/>
+                </a:solidFill>
+              </a:rPr>
+              <a:t>(существующие модели не в полной мере …)</a:t>
             </a:r>
             <a:r>
               <a:rPr lang="ru-RU" sz="1800" b="1" dirty="0"/>
@@ -21305,8 +21263,8 @@
           </a:p>
         </p:txBody>
       </p:sp>
-      <mc:AlternateContent xmlns:mc="http://schemas.openxmlformats.org/markup-compatibility/2006">
-        <mc:Choice xmlns:a14="http://schemas.microsoft.com/office/drawing/2010/main" Requires="a14">
+      <mc:AlternateContent xmlns:mc="http://schemas.openxmlformats.org/markup-compatibility/2006" xmlns:a14="http://schemas.microsoft.com/office/drawing/2010/main">
+        <mc:Choice Requires="a14">
           <p:sp>
             <p:nvSpPr>
               <p:cNvPr id="13" name="TextBox 12">
@@ -21594,7 +21552,7 @@
             </p:txBody>
           </p:sp>
         </mc:Choice>
-        <mc:Fallback>
+        <mc:Fallback xmlns="">
           <p:sp>
             <p:nvSpPr>
               <p:cNvPr id="13" name="TextBox 12">
@@ -21639,8 +21597,8 @@
           </p:sp>
         </mc:Fallback>
       </mc:AlternateContent>
-      <mc:AlternateContent xmlns:mc="http://schemas.openxmlformats.org/markup-compatibility/2006">
-        <mc:Choice xmlns:a14="http://schemas.microsoft.com/office/drawing/2010/main" Requires="a14">
+      <mc:AlternateContent xmlns:mc="http://schemas.openxmlformats.org/markup-compatibility/2006" xmlns:a14="http://schemas.microsoft.com/office/drawing/2010/main">
+        <mc:Choice Requires="a14">
           <p:sp>
             <p:nvSpPr>
               <p:cNvPr id="24" name="TextBox 23">
@@ -21684,6 +21642,7 @@
                         <m:ctrlPr>
                           <a:rPr lang="ru-RU" sz="1800" i="1">
                             <a:effectLst/>
+                            <a:latin typeface="Cambria Math" panose="02040503050406030204" pitchFamily="18" charset="0"/>
                           </a:rPr>
                         </m:ctrlPr>
                       </m:sSubPr>
@@ -21691,6 +21650,7 @@
                         <m:r>
                           <a:rPr lang="en-US" sz="1800" i="1">
                             <a:effectLst/>
+                            <a:latin typeface="Cambria Math" panose="02040503050406030204" pitchFamily="18" charset="0"/>
                             <a:ea typeface="Times New Roman" panose="02020603050405020304" pitchFamily="18" charset="0"/>
                             <a:cs typeface="Times New Roman" panose="02020603050405020304" pitchFamily="18" charset="0"/>
                           </a:rPr>
@@ -21701,6 +21661,7 @@
                         <m:r>
                           <a:rPr lang="ru-RU" sz="1800" i="1">
                             <a:effectLst/>
+                            <a:latin typeface="Cambria Math" panose="02040503050406030204" pitchFamily="18" charset="0"/>
                             <a:ea typeface="Times New Roman" panose="02020603050405020304" pitchFamily="18" charset="0"/>
                             <a:cs typeface="Times New Roman" panose="02020603050405020304" pitchFamily="18" charset="0"/>
                           </a:rPr>
@@ -21709,6 +21670,7 @@
                         <m:r>
                           <a:rPr lang="ru-RU" sz="1800">
                             <a:effectLst/>
+                            <a:latin typeface="Cambria Math" panose="02040503050406030204" pitchFamily="18" charset="0"/>
                             <a:ea typeface="Times New Roman" panose="02020603050405020304" pitchFamily="18" charset="0"/>
                             <a:cs typeface="Times New Roman" panose="02020603050405020304" pitchFamily="18" charset="0"/>
                           </a:rPr>
@@ -21720,6 +21682,7 @@
                           </m:rPr>
                           <a:rPr lang="en-US" sz="1800">
                             <a:effectLst/>
+                            <a:latin typeface="Cambria Math" panose="02040503050406030204" pitchFamily="18" charset="0"/>
                             <a:ea typeface="Times New Roman" panose="02020603050405020304" pitchFamily="18" charset="0"/>
                             <a:cs typeface="Times New Roman" panose="02020603050405020304" pitchFamily="18" charset="0"/>
                           </a:rPr>
@@ -21759,6 +21722,7 @@
                         <m:ctrlPr>
                           <a:rPr lang="ru-RU" sz="1800" i="1">
                             <a:effectLst/>
+                            <a:latin typeface="Cambria Math" panose="02040503050406030204" pitchFamily="18" charset="0"/>
                           </a:rPr>
                         </m:ctrlPr>
                       </m:sSubPr>
@@ -21766,6 +21730,7 @@
                         <m:r>
                           <a:rPr lang="en-US" sz="1800" i="1">
                             <a:effectLst/>
+                            <a:latin typeface="Cambria Math" panose="02040503050406030204" pitchFamily="18" charset="0"/>
                             <a:ea typeface="Times New Roman" panose="02020603050405020304" pitchFamily="18" charset="0"/>
                             <a:cs typeface="Times New Roman" panose="02020603050405020304" pitchFamily="18" charset="0"/>
                           </a:rPr>
@@ -21776,6 +21741,7 @@
                         <m:r>
                           <a:rPr lang="en-US" sz="1800" i="1">
                             <a:effectLst/>
+                            <a:latin typeface="Cambria Math" panose="02040503050406030204" pitchFamily="18" charset="0"/>
                             <a:ea typeface="Times New Roman" panose="02020603050405020304" pitchFamily="18" charset="0"/>
                             <a:cs typeface="Times New Roman" panose="02020603050405020304" pitchFamily="18" charset="0"/>
                           </a:rPr>
@@ -21786,6 +21752,7 @@
                     <m:r>
                       <a:rPr lang="ru-RU" sz="1800">
                         <a:effectLst/>
+                        <a:latin typeface="Cambria Math" panose="02040503050406030204" pitchFamily="18" charset="0"/>
                         <a:ea typeface="Times New Roman" panose="02020603050405020304" pitchFamily="18" charset="0"/>
                         <a:cs typeface="Times New Roman" panose="02020603050405020304" pitchFamily="18" charset="0"/>
                       </a:rPr>
@@ -21794,6 +21761,7 @@
                     <m:r>
                       <a:rPr lang="en-US" sz="1800" i="1">
                         <a:effectLst/>
+                        <a:latin typeface="Cambria Math" panose="02040503050406030204" pitchFamily="18" charset="0"/>
                         <a:ea typeface="Times New Roman" panose="02020603050405020304" pitchFamily="18" charset="0"/>
                         <a:cs typeface="Times New Roman" panose="02020603050405020304" pitchFamily="18" charset="0"/>
                       </a:rPr>
@@ -21802,6 +21770,7 @@
                     <m:r>
                       <a:rPr lang="ru-RU" sz="1800">
                         <a:effectLst/>
+                        <a:latin typeface="Cambria Math" panose="02040503050406030204" pitchFamily="18" charset="0"/>
                         <a:ea typeface="Times New Roman" panose="02020603050405020304" pitchFamily="18" charset="0"/>
                         <a:cs typeface="Times New Roman" panose="02020603050405020304" pitchFamily="18" charset="0"/>
                       </a:rPr>
@@ -21904,6 +21873,7 @@
                         <m:ctrlPr>
                           <a:rPr lang="ru-RU" sz="1800" i="1">
                             <a:effectLst/>
+                            <a:latin typeface="Cambria Math" panose="02040503050406030204" pitchFamily="18" charset="0"/>
                           </a:rPr>
                         </m:ctrlPr>
                       </m:sSubPr>
@@ -21911,6 +21881,7 @@
                         <m:r>
                           <a:rPr lang="en-US" sz="1800" i="1">
                             <a:effectLst/>
+                            <a:latin typeface="Cambria Math" panose="02040503050406030204" pitchFamily="18" charset="0"/>
                             <a:ea typeface="Times New Roman" panose="02020603050405020304" pitchFamily="18" charset="0"/>
                             <a:cs typeface="Times New Roman" panose="02020603050405020304" pitchFamily="18" charset="0"/>
                           </a:rPr>
@@ -21921,6 +21892,7 @@
                         <m:r>
                           <a:rPr lang="en-US" sz="1800" i="1">
                             <a:effectLst/>
+                            <a:latin typeface="Cambria Math" panose="02040503050406030204" pitchFamily="18" charset="0"/>
                             <a:ea typeface="Times New Roman" panose="02020603050405020304" pitchFamily="18" charset="0"/>
                             <a:cs typeface="Times New Roman" panose="02020603050405020304" pitchFamily="18" charset="0"/>
                           </a:rPr>
@@ -21958,7 +21930,7 @@
             </p:txBody>
           </p:sp>
         </mc:Choice>
-        <mc:Fallback>
+        <mc:Fallback xmlns="">
           <p:sp>
             <p:nvSpPr>
               <p:cNvPr id="24" name="TextBox 23">
@@ -22003,8 +21975,8 @@
           </p:sp>
         </mc:Fallback>
       </mc:AlternateContent>
-      <mc:AlternateContent xmlns:mc="http://schemas.openxmlformats.org/markup-compatibility/2006">
-        <mc:Choice xmlns:a14="http://schemas.microsoft.com/office/drawing/2010/main" Requires="a14">
+      <mc:AlternateContent xmlns:mc="http://schemas.openxmlformats.org/markup-compatibility/2006" xmlns:a14="http://schemas.microsoft.com/office/drawing/2010/main">
+        <mc:Choice Requires="a14">
           <p:sp>
             <p:nvSpPr>
               <p:cNvPr id="26" name="TextBox 25">
@@ -22055,6 +22027,7 @@
                     <m:r>
                       <a:rPr lang="en-US" sz="1600" i="1">
                         <a:effectLst/>
+                        <a:latin typeface="Cambria Math" panose="02040503050406030204" pitchFamily="18" charset="0"/>
                         <a:ea typeface="Times New Roman" panose="02020603050405020304" pitchFamily="18" charset="0"/>
                         <a:cs typeface="Times New Roman" panose="02020603050405020304" pitchFamily="18" charset="0"/>
                       </a:rPr>
@@ -22063,6 +22036,7 @@
                     <m:r>
                       <a:rPr lang="ru-RU" sz="1600">
                         <a:effectLst/>
+                        <a:latin typeface="Cambria Math" panose="02040503050406030204" pitchFamily="18" charset="0"/>
                         <a:ea typeface="Times New Roman" panose="02020603050405020304" pitchFamily="18" charset="0"/>
                         <a:cs typeface="Times New Roman" panose="02020603050405020304" pitchFamily="18" charset="0"/>
                       </a:rPr>
@@ -22071,6 +22045,7 @@
                     <m:r>
                       <a:rPr lang="en-US" sz="1600" i="1">
                         <a:effectLst/>
+                        <a:latin typeface="Cambria Math" panose="02040503050406030204" pitchFamily="18" charset="0"/>
                         <a:ea typeface="Times New Roman" panose="02020603050405020304" pitchFamily="18" charset="0"/>
                         <a:cs typeface="Times New Roman" panose="02020603050405020304" pitchFamily="18" charset="0"/>
                       </a:rPr>
@@ -22079,6 +22054,7 @@
                     <m:r>
                       <a:rPr lang="ru-RU" sz="1600">
                         <a:effectLst/>
+                        <a:latin typeface="Cambria Math" panose="02040503050406030204" pitchFamily="18" charset="0"/>
                         <a:ea typeface="Times New Roman" panose="02020603050405020304" pitchFamily="18" charset="0"/>
                         <a:cs typeface="Times New Roman" panose="02020603050405020304" pitchFamily="18" charset="0"/>
                       </a:rPr>
@@ -22087,6 +22063,7 @@
                     <m:r>
                       <a:rPr lang="en-US" sz="1600" i="1">
                         <a:effectLst/>
+                        <a:latin typeface="Cambria Math" panose="02040503050406030204" pitchFamily="18" charset="0"/>
                         <a:ea typeface="Times New Roman" panose="02020603050405020304" pitchFamily="18" charset="0"/>
                         <a:cs typeface="Times New Roman" panose="02020603050405020304" pitchFamily="18" charset="0"/>
                       </a:rPr>
@@ -22095,6 +22072,7 @@
                     <m:r>
                       <a:rPr lang="ru-RU" sz="1600">
                         <a:effectLst/>
+                        <a:latin typeface="Cambria Math" panose="02040503050406030204" pitchFamily="18" charset="0"/>
                         <a:ea typeface="Times New Roman" panose="02020603050405020304" pitchFamily="18" charset="0"/>
                         <a:cs typeface="Times New Roman" panose="02020603050405020304" pitchFamily="18" charset="0"/>
                       </a:rPr>
@@ -22103,6 +22081,7 @@
                     <m:r>
                       <a:rPr lang="ru-RU" sz="1600" i="1">
                         <a:effectLst/>
+                        <a:latin typeface="Cambria Math" panose="02040503050406030204" pitchFamily="18" charset="0"/>
                         <a:ea typeface="Times New Roman" panose="02020603050405020304" pitchFamily="18" charset="0"/>
                         <a:cs typeface="Times New Roman" panose="02020603050405020304" pitchFamily="18" charset="0"/>
                       </a:rPr>
@@ -22111,6 +22090,7 @@
                     <m:r>
                       <a:rPr lang="ru-RU" sz="1600">
                         <a:effectLst/>
+                        <a:latin typeface="Cambria Math" panose="02040503050406030204" pitchFamily="18" charset="0"/>
                         <a:ea typeface="Times New Roman" panose="02020603050405020304" pitchFamily="18" charset="0"/>
                         <a:cs typeface="Times New Roman" panose="02020603050405020304" pitchFamily="18" charset="0"/>
                       </a:rPr>
@@ -22130,7 +22110,7 @@
             </p:txBody>
           </p:sp>
         </mc:Choice>
-        <mc:Fallback>
+        <mc:Fallback xmlns="">
           <p:sp>
             <p:nvSpPr>
               <p:cNvPr id="26" name="TextBox 25">
@@ -22175,8 +22155,8 @@
           </p:sp>
         </mc:Fallback>
       </mc:AlternateContent>
-      <mc:AlternateContent xmlns:mc="http://schemas.openxmlformats.org/markup-compatibility/2006">
-        <mc:Choice xmlns:a14="http://schemas.microsoft.com/office/drawing/2010/main" Requires="a14">
+      <mc:AlternateContent xmlns:mc="http://schemas.openxmlformats.org/markup-compatibility/2006" xmlns:a14="http://schemas.microsoft.com/office/drawing/2010/main">
+        <mc:Choice Requires="a14">
           <p:sp>
             <p:nvSpPr>
               <p:cNvPr id="28" name="TextBox 27">
@@ -22496,7 +22476,7 @@
             </p:txBody>
           </p:sp>
         </mc:Choice>
-        <mc:Fallback>
+        <mc:Fallback xmlns="">
           <p:sp>
             <p:nvSpPr>
               <p:cNvPr id="28" name="TextBox 27">
@@ -22541,8 +22521,8 @@
           </p:sp>
         </mc:Fallback>
       </mc:AlternateContent>
-      <mc:AlternateContent xmlns:mc="http://schemas.openxmlformats.org/markup-compatibility/2006">
-        <mc:Choice xmlns:a14="http://schemas.microsoft.com/office/drawing/2010/main" Requires="a14">
+      <mc:AlternateContent xmlns:mc="http://schemas.openxmlformats.org/markup-compatibility/2006" xmlns:a14="http://schemas.microsoft.com/office/drawing/2010/main">
+        <mc:Choice Requires="a14">
           <p:sp>
             <p:nvSpPr>
               <p:cNvPr id="31" name="TextBox 30">
@@ -22607,6 +22587,7 @@
                     <m:r>
                       <a:rPr lang="en-US" sz="1600" i="1">
                         <a:effectLst/>
+                        <a:latin typeface="Cambria Math" panose="02040503050406030204" pitchFamily="18" charset="0"/>
                         <a:ea typeface="Times New Roman" panose="02020603050405020304" pitchFamily="18" charset="0"/>
                         <a:cs typeface="Symbol" panose="05050102010706020507" pitchFamily="18" charset="2"/>
                       </a:rPr>
@@ -22667,6 +22648,7 @@
                         <m:ctrlPr>
                           <a:rPr lang="ru-RU" sz="1600" i="1">
                             <a:effectLst/>
+                            <a:latin typeface="Cambria Math" panose="02040503050406030204" pitchFamily="18" charset="0"/>
                             <a:ea typeface="Times New Roman" panose="02020603050405020304" pitchFamily="18" charset="0"/>
                             <a:cs typeface="Symbol" panose="05050102010706020507" pitchFamily="18" charset="2"/>
                           </a:rPr>
@@ -22676,6 +22658,7 @@
                         <m:r>
                           <a:rPr lang="en-US" sz="1600" i="1">
                             <a:effectLst/>
+                            <a:latin typeface="Cambria Math" panose="02040503050406030204" pitchFamily="18" charset="0"/>
                             <a:ea typeface="Times New Roman" panose="02020603050405020304" pitchFamily="18" charset="0"/>
                             <a:cs typeface="Symbol" panose="05050102010706020507" pitchFamily="18" charset="2"/>
                           </a:rPr>
@@ -22686,6 +22669,7 @@
                         <m:r>
                           <a:rPr lang="en-US" sz="1600" i="1">
                             <a:effectLst/>
+                            <a:latin typeface="Cambria Math" panose="02040503050406030204" pitchFamily="18" charset="0"/>
                             <a:ea typeface="Times New Roman" panose="02020603050405020304" pitchFamily="18" charset="0"/>
                             <a:cs typeface="Symbol" panose="05050102010706020507" pitchFamily="18" charset="2"/>
                           </a:rPr>
@@ -22716,6 +22700,7 @@
                     <m:r>
                       <a:rPr lang="en-US" sz="1600" i="1">
                         <a:effectLst/>
+                        <a:latin typeface="Cambria Math" panose="02040503050406030204" pitchFamily="18" charset="0"/>
                         <a:ea typeface="Times New Roman" panose="02020603050405020304" pitchFamily="18" charset="0"/>
                         <a:cs typeface="Symbol" panose="05050102010706020507" pitchFamily="18" charset="2"/>
                       </a:rPr>
@@ -22747,6 +22732,7 @@
                         <m:ctrlPr>
                           <a:rPr lang="ru-RU" sz="1600" i="1">
                             <a:effectLst/>
+                            <a:latin typeface="Cambria Math" panose="02040503050406030204" pitchFamily="18" charset="0"/>
                             <a:ea typeface="Times New Roman" panose="02020603050405020304" pitchFamily="18" charset="0"/>
                             <a:cs typeface="Symbol" panose="05050102010706020507" pitchFamily="18" charset="2"/>
                           </a:rPr>
@@ -22756,6 +22742,7 @@
                         <m:r>
                           <a:rPr lang="en-US" sz="1600" i="1">
                             <a:effectLst/>
+                            <a:latin typeface="Cambria Math" panose="02040503050406030204" pitchFamily="18" charset="0"/>
                             <a:ea typeface="Times New Roman" panose="02020603050405020304" pitchFamily="18" charset="0"/>
                             <a:cs typeface="Symbol" panose="05050102010706020507" pitchFamily="18" charset="2"/>
                           </a:rPr>
@@ -22766,6 +22753,7 @@
                         <m:r>
                           <a:rPr lang="en-US" sz="1600" i="1">
                             <a:effectLst/>
+                            <a:latin typeface="Cambria Math" panose="02040503050406030204" pitchFamily="18" charset="0"/>
                             <a:ea typeface="Times New Roman" panose="02020603050405020304" pitchFamily="18" charset="0"/>
                             <a:cs typeface="Symbol" panose="05050102010706020507" pitchFamily="18" charset="2"/>
                           </a:rPr>
@@ -22796,6 +22784,7 @@
                     <m:r>
                       <a:rPr lang="en-US" sz="1600" i="1">
                         <a:effectLst/>
+                        <a:latin typeface="Cambria Math" panose="02040503050406030204" pitchFamily="18" charset="0"/>
                         <a:ea typeface="Times New Roman" panose="02020603050405020304" pitchFamily="18" charset="0"/>
                         <a:cs typeface="Symbol" panose="05050102010706020507" pitchFamily="18" charset="2"/>
                       </a:rPr>
@@ -22827,6 +22816,7 @@
                         <m:ctrlPr>
                           <a:rPr lang="ru-RU" sz="1600" i="1">
                             <a:effectLst/>
+                            <a:latin typeface="Cambria Math" panose="02040503050406030204" pitchFamily="18" charset="0"/>
                             <a:ea typeface="Times New Roman" panose="02020603050405020304" pitchFamily="18" charset="0"/>
                             <a:cs typeface="Symbol" panose="05050102010706020507" pitchFamily="18" charset="2"/>
                           </a:rPr>
@@ -22836,6 +22826,7 @@
                         <m:r>
                           <a:rPr lang="en-US" sz="1600" b="1" i="1">
                             <a:effectLst/>
+                            <a:latin typeface="Cambria Math" panose="02040503050406030204" pitchFamily="18" charset="0"/>
                             <a:ea typeface="Times New Roman" panose="02020603050405020304" pitchFamily="18" charset="0"/>
                             <a:cs typeface="Symbol" panose="05050102010706020507" pitchFamily="18" charset="2"/>
                           </a:rPr>
@@ -22846,6 +22837,7 @@
                         <m:r>
                           <a:rPr lang="en-US" sz="1600" i="1">
                             <a:effectLst/>
+                            <a:latin typeface="Cambria Math" panose="02040503050406030204" pitchFamily="18" charset="0"/>
                             <a:ea typeface="Times New Roman" panose="02020603050405020304" pitchFamily="18" charset="0"/>
                             <a:cs typeface="Symbol" panose="05050102010706020507" pitchFamily="18" charset="2"/>
                           </a:rPr>
@@ -22876,6 +22868,7 @@
                     <m:r>
                       <a:rPr lang="en-US" sz="1600" i="1">
                         <a:effectLst/>
+                        <a:latin typeface="Cambria Math" panose="02040503050406030204" pitchFamily="18" charset="0"/>
                         <a:ea typeface="Times New Roman" panose="02020603050405020304" pitchFamily="18" charset="0"/>
                         <a:cs typeface="Symbol" panose="05050102010706020507" pitchFamily="18" charset="2"/>
                       </a:rPr>
@@ -22907,6 +22900,7 @@
                         <m:ctrlPr>
                           <a:rPr lang="ru-RU" sz="1600" i="1">
                             <a:effectLst/>
+                            <a:latin typeface="Cambria Math" panose="02040503050406030204" pitchFamily="18" charset="0"/>
                             <a:ea typeface="Times New Roman" panose="02020603050405020304" pitchFamily="18" charset="0"/>
                             <a:cs typeface="Symbol" panose="05050102010706020507" pitchFamily="18" charset="2"/>
                           </a:rPr>
@@ -22919,6 +22913,7 @@
                           </m:rPr>
                           <a:rPr lang="en-US" sz="1600">
                             <a:effectLst/>
+                            <a:latin typeface="Cambria Math" panose="02040503050406030204" pitchFamily="18" charset="0"/>
                             <a:ea typeface="Times New Roman" panose="02020603050405020304" pitchFamily="18" charset="0"/>
                             <a:cs typeface="Symbol" panose="05050102010706020507" pitchFamily="18" charset="2"/>
                           </a:rPr>
@@ -22929,6 +22924,7 @@
                         <m:r>
                           <a:rPr lang="en-US" sz="1600" i="1">
                             <a:effectLst/>
+                            <a:latin typeface="Cambria Math" panose="02040503050406030204" pitchFamily="18" charset="0"/>
                             <a:ea typeface="Times New Roman" panose="02020603050405020304" pitchFamily="18" charset="0"/>
                             <a:cs typeface="Symbol" panose="05050102010706020507" pitchFamily="18" charset="2"/>
                           </a:rPr>
@@ -22959,6 +22955,7 @@
                     <m:r>
                       <a:rPr lang="ru-RU" sz="1600">
                         <a:effectLst/>
+                        <a:latin typeface="Cambria Math" panose="02040503050406030204" pitchFamily="18" charset="0"/>
                         <a:ea typeface="Times New Roman" panose="02020603050405020304" pitchFamily="18" charset="0"/>
                         <a:cs typeface="Symbol" panose="05050102010706020507" pitchFamily="18" charset="2"/>
                       </a:rPr>
@@ -22967,6 +22964,7 @@
                     <m:r>
                       <a:rPr lang="ru-RU" sz="1600" i="1">
                         <a:effectLst/>
+                        <a:latin typeface="Cambria Math" panose="02040503050406030204" pitchFamily="18" charset="0"/>
                         <a:ea typeface="Times New Roman" panose="02020603050405020304" pitchFamily="18" charset="0"/>
                         <a:cs typeface="Symbol" panose="05050102010706020507" pitchFamily="18" charset="2"/>
                       </a:rPr>
@@ -22987,6 +22985,7 @@
                     <m:r>
                       <a:rPr lang="ru-RU" sz="1600">
                         <a:effectLst/>
+                        <a:latin typeface="Cambria Math" panose="02040503050406030204" pitchFamily="18" charset="0"/>
                         <a:ea typeface="Times New Roman" panose="02020603050405020304" pitchFamily="18" charset="0"/>
                         <a:cs typeface="Symbol" panose="05050102010706020507" pitchFamily="18" charset="2"/>
                       </a:rPr>
@@ -22995,6 +22994,7 @@
                     <m:r>
                       <a:rPr lang="ru-RU" sz="1600" i="1">
                         <a:effectLst/>
+                        <a:latin typeface="Cambria Math" panose="02040503050406030204" pitchFamily="18" charset="0"/>
                         <a:ea typeface="Times New Roman" panose="02020603050405020304" pitchFamily="18" charset="0"/>
                         <a:cs typeface="Symbol" panose="05050102010706020507" pitchFamily="18" charset="2"/>
                       </a:rPr>
@@ -23014,7 +23014,7 @@
             </p:txBody>
           </p:sp>
         </mc:Choice>
-        <mc:Fallback>
+        <mc:Fallback xmlns="">
           <p:sp>
             <p:nvSpPr>
               <p:cNvPr id="31" name="TextBox 30">
